--- a/Task 2/Muhammad Cikal Merdeka_Task_2_Analyzing eCommerce Business Performance with SQL.pptx
+++ b/Task 2/Muhammad Cikal Merdeka_Task_2_Analyzing eCommerce Business Performance with SQL.pptx
@@ -1,19 +1,21 @@
 
 <file path=ppt/presentation.xml><?xml version="1.0" encoding="utf-8"?>
-<p:presentation xmlns:a="http://schemas.openxmlformats.org/drawingml/2006/main" xmlns:r="http://schemas.openxmlformats.org/officeDocument/2006/relationships" xmlns:mc="http://schemas.openxmlformats.org/markup-compatibility/2006" xmlns:mv="urn:schemas-microsoft-com:mac:vml" xmlns:p="http://schemas.openxmlformats.org/presentationml/2006/main" xmlns:c="http://schemas.openxmlformats.org/drawingml/2006/chart" xmlns:dgm="http://schemas.openxmlformats.org/drawingml/2006/diagram" xmlns:o="urn:schemas-microsoft-com:office:office" xmlns:v="urn:schemas-microsoft-com:vml" xmlns:pvml="urn:schemas-microsoft-com:office:powerpoint" xmlns:com="http://schemas.openxmlformats.org/drawingml/2006/compatibility" xmlns:p14="http://schemas.microsoft.com/office/powerpoint/2010/main" xmlns:p15="http://schemas.microsoft.com/office/powerpoint/2012/main" xmlns:ahyp="http://schemas.microsoft.com/office/drawing/2018/hyperlinkcolor" autoCompressPictures="0" strictFirstAndLastChars="0" saveSubsetFonts="1">
+<p:presentation xmlns:a="http://schemas.openxmlformats.org/drawingml/2006/main" xmlns:r="http://schemas.openxmlformats.org/officeDocument/2006/relationships" xmlns:p="http://schemas.openxmlformats.org/presentationml/2006/main" strictFirstAndLastChars="0" saveSubsetFonts="1" autoCompressPictures="0">
   <p:sldMasterIdLst>
-    <p:sldMasterId id="2147483659" r:id="rId4"/>
+    <p:sldMasterId id="2147483659" r:id="rId1"/>
   </p:sldMasterIdLst>
   <p:notesMasterIdLst>
     <p:notesMasterId r:id="rId5"/>
   </p:notesMasterIdLst>
   <p:sldIdLst>
-    <p:sldId id="256" r:id="rId6"/>
+    <p:sldId id="256" r:id="rId2"/>
+    <p:sldId id="257" r:id="rId3"/>
+    <p:sldId id="260" r:id="rId4"/>
   </p:sldIdLst>
-  <p:sldSz cy="5143500" cx="9144000"/>
+  <p:sldSz cx="9144000" cy="5143500" type="screen16x9"/>
   <p:notesSz cx="6858000" cy="9144000"/>
   <p:defaultTextStyle>
-    <a:defPPr lvl="0" marR="0" rtl="0" algn="l">
+    <a:defPPr marR="0" lvl="0" algn="l" rtl="0">
       <a:lnSpc>
         <a:spcPct val="100000"/>
       </a:lnSpc>
@@ -24,7 +26,7 @@
         <a:spcPts val="0"/>
       </a:spcAft>
     </a:defPPr>
-    <a:lvl1pPr lvl="0" marR="0" rtl="0" algn="l">
+    <a:lvl1pPr marR="0" lvl="0" algn="l" rtl="0">
       <a:lnSpc>
         <a:spcPct val="100000"/>
       </a:lnSpc>
@@ -38,7 +40,7 @@
         <a:srgbClr val="000000"/>
       </a:buClr>
       <a:buFont typeface="Arial"/>
-      <a:defRPr b="0" i="0" sz="1400" u="none" cap="none" strike="noStrike">
+      <a:defRPr sz="1400" b="0" i="0" u="none" strike="noStrike" cap="none">
         <a:solidFill>
           <a:srgbClr val="000000"/>
         </a:solidFill>
@@ -48,7 +50,7 @@
         <a:sym typeface="Arial"/>
       </a:defRPr>
     </a:lvl1pPr>
-    <a:lvl2pPr lvl="1" marR="0" rtl="0" algn="l">
+    <a:lvl2pPr marR="0" lvl="1" algn="l" rtl="0">
       <a:lnSpc>
         <a:spcPct val="100000"/>
       </a:lnSpc>
@@ -62,7 +64,7 @@
         <a:srgbClr val="000000"/>
       </a:buClr>
       <a:buFont typeface="Arial"/>
-      <a:defRPr b="0" i="0" sz="1400" u="none" cap="none" strike="noStrike">
+      <a:defRPr sz="1400" b="0" i="0" u="none" strike="noStrike" cap="none">
         <a:solidFill>
           <a:srgbClr val="000000"/>
         </a:solidFill>
@@ -72,7 +74,7 @@
         <a:sym typeface="Arial"/>
       </a:defRPr>
     </a:lvl2pPr>
-    <a:lvl3pPr lvl="2" marR="0" rtl="0" algn="l">
+    <a:lvl3pPr marR="0" lvl="2" algn="l" rtl="0">
       <a:lnSpc>
         <a:spcPct val="100000"/>
       </a:lnSpc>
@@ -86,7 +88,7 @@
         <a:srgbClr val="000000"/>
       </a:buClr>
       <a:buFont typeface="Arial"/>
-      <a:defRPr b="0" i="0" sz="1400" u="none" cap="none" strike="noStrike">
+      <a:defRPr sz="1400" b="0" i="0" u="none" strike="noStrike" cap="none">
         <a:solidFill>
           <a:srgbClr val="000000"/>
         </a:solidFill>
@@ -96,7 +98,7 @@
         <a:sym typeface="Arial"/>
       </a:defRPr>
     </a:lvl3pPr>
-    <a:lvl4pPr lvl="3" marR="0" rtl="0" algn="l">
+    <a:lvl4pPr marR="0" lvl="3" algn="l" rtl="0">
       <a:lnSpc>
         <a:spcPct val="100000"/>
       </a:lnSpc>
@@ -110,7 +112,7 @@
         <a:srgbClr val="000000"/>
       </a:buClr>
       <a:buFont typeface="Arial"/>
-      <a:defRPr b="0" i="0" sz="1400" u="none" cap="none" strike="noStrike">
+      <a:defRPr sz="1400" b="0" i="0" u="none" strike="noStrike" cap="none">
         <a:solidFill>
           <a:srgbClr val="000000"/>
         </a:solidFill>
@@ -120,7 +122,7 @@
         <a:sym typeface="Arial"/>
       </a:defRPr>
     </a:lvl4pPr>
-    <a:lvl5pPr lvl="4" marR="0" rtl="0" algn="l">
+    <a:lvl5pPr marR="0" lvl="4" algn="l" rtl="0">
       <a:lnSpc>
         <a:spcPct val="100000"/>
       </a:lnSpc>
@@ -134,7 +136,7 @@
         <a:srgbClr val="000000"/>
       </a:buClr>
       <a:buFont typeface="Arial"/>
-      <a:defRPr b="0" i="0" sz="1400" u="none" cap="none" strike="noStrike">
+      <a:defRPr sz="1400" b="0" i="0" u="none" strike="noStrike" cap="none">
         <a:solidFill>
           <a:srgbClr val="000000"/>
         </a:solidFill>
@@ -144,7 +146,7 @@
         <a:sym typeface="Arial"/>
       </a:defRPr>
     </a:lvl5pPr>
-    <a:lvl6pPr lvl="5" marR="0" rtl="0" algn="l">
+    <a:lvl6pPr marR="0" lvl="5" algn="l" rtl="0">
       <a:lnSpc>
         <a:spcPct val="100000"/>
       </a:lnSpc>
@@ -158,7 +160,7 @@
         <a:srgbClr val="000000"/>
       </a:buClr>
       <a:buFont typeface="Arial"/>
-      <a:defRPr b="0" i="0" sz="1400" u="none" cap="none" strike="noStrike">
+      <a:defRPr sz="1400" b="0" i="0" u="none" strike="noStrike" cap="none">
         <a:solidFill>
           <a:srgbClr val="000000"/>
         </a:solidFill>
@@ -168,7 +170,7 @@
         <a:sym typeface="Arial"/>
       </a:defRPr>
     </a:lvl6pPr>
-    <a:lvl7pPr lvl="6" marR="0" rtl="0" algn="l">
+    <a:lvl7pPr marR="0" lvl="6" algn="l" rtl="0">
       <a:lnSpc>
         <a:spcPct val="100000"/>
       </a:lnSpc>
@@ -182,7 +184,7 @@
         <a:srgbClr val="000000"/>
       </a:buClr>
       <a:buFont typeface="Arial"/>
-      <a:defRPr b="0" i="0" sz="1400" u="none" cap="none" strike="noStrike">
+      <a:defRPr sz="1400" b="0" i="0" u="none" strike="noStrike" cap="none">
         <a:solidFill>
           <a:srgbClr val="000000"/>
         </a:solidFill>
@@ -192,7 +194,7 @@
         <a:sym typeface="Arial"/>
       </a:defRPr>
     </a:lvl7pPr>
-    <a:lvl8pPr lvl="7" marR="0" rtl="0" algn="l">
+    <a:lvl8pPr marR="0" lvl="7" algn="l" rtl="0">
       <a:lnSpc>
         <a:spcPct val="100000"/>
       </a:lnSpc>
@@ -206,7 +208,7 @@
         <a:srgbClr val="000000"/>
       </a:buClr>
       <a:buFont typeface="Arial"/>
-      <a:defRPr b="0" i="0" sz="1400" u="none" cap="none" strike="noStrike">
+      <a:defRPr sz="1400" b="0" i="0" u="none" strike="noStrike" cap="none">
         <a:solidFill>
           <a:srgbClr val="000000"/>
         </a:solidFill>
@@ -216,7 +218,7 @@
         <a:sym typeface="Arial"/>
       </a:defRPr>
     </a:lvl8pPr>
-    <a:lvl9pPr lvl="8" marR="0" rtl="0" algn="l">
+    <a:lvl9pPr marR="0" lvl="8" algn="l" rtl="0">
       <a:lnSpc>
         <a:spcPct val="100000"/>
       </a:lnSpc>
@@ -230,7 +232,7 @@
         <a:srgbClr val="000000"/>
       </a:buClr>
       <a:buFont typeface="Arial"/>
-      <a:defRPr b="0" i="0" sz="1400" u="none" cap="none" strike="noStrike">
+      <a:defRPr sz="1400" b="0" i="0" u="none" strike="noStrike" cap="none">
         <a:solidFill>
           <a:srgbClr val="000000"/>
         </a:solidFill>
@@ -243,7 +245,7 @@
   </p:defaultTextStyle>
   <p:extLst>
     <p:ext uri="{EFAFB233-063F-42B5-8137-9DF3F51BA10A}">
-      <p15:sldGuideLst>
+      <p15:sldGuideLst xmlns:p15="http://schemas.microsoft.com/office/powerpoint/2012/main">
         <p15:guide id="1" orient="horz" pos="1620">
           <p15:clr>
             <a:srgbClr val="A4A3A4"/>
@@ -261,11 +263,16 @@
 </file>
 
 <file path=ppt/notesMasters/notesMaster1.xml><?xml version="1.0" encoding="utf-8"?>
-<p:notesMaster xmlns:a="http://schemas.openxmlformats.org/drawingml/2006/main" xmlns:r="http://schemas.openxmlformats.org/officeDocument/2006/relationships" xmlns:mc="http://schemas.openxmlformats.org/markup-compatibility/2006" xmlns:mv="urn:schemas-microsoft-com:mac:vml" xmlns:p="http://schemas.openxmlformats.org/presentationml/2006/main" xmlns:c="http://schemas.openxmlformats.org/drawingml/2006/chart" xmlns:dgm="http://schemas.openxmlformats.org/drawingml/2006/diagram" xmlns:o="urn:schemas-microsoft-com:office:office" xmlns:v="urn:schemas-microsoft-com:vml" xmlns:pvml="urn:schemas-microsoft-com:office:powerpoint" xmlns:com="http://schemas.openxmlformats.org/drawingml/2006/compatibility" xmlns:p14="http://schemas.microsoft.com/office/powerpoint/2010/main" xmlns:p15="http://schemas.microsoft.com/office/powerpoint/2012/main" xmlns:ahyp="http://schemas.microsoft.com/office/drawing/2018/hyperlinkcolor">
+<p:notesMaster xmlns:a="http://schemas.openxmlformats.org/drawingml/2006/main" xmlns:r="http://schemas.openxmlformats.org/officeDocument/2006/relationships" xmlns:p="http://schemas.openxmlformats.org/presentationml/2006/main">
   <p:cSld>
+    <p:bg>
+      <p:bgRef idx="1001">
+        <a:schemeClr val="bg1"/>
+      </p:bgRef>
+    </p:bg>
     <p:spTree>
       <p:nvGrpSpPr>
-        <p:cNvPr id="2" name="Shape 2"/>
+        <p:cNvPr id="1" name="Shape 2"/>
         <p:cNvGrpSpPr/>
         <p:nvPr/>
       </p:nvGrpSpPr>
@@ -280,9 +287,11 @@
       <p:sp>
         <p:nvSpPr>
           <p:cNvPr id="3" name="Google Shape;3;n"/>
-          <p:cNvSpPr/>
+          <p:cNvSpPr>
+            <a:spLocks noGrp="1" noRot="1" noChangeAspect="1"/>
+          </p:cNvSpPr>
           <p:nvPr>
-            <p:ph idx="2" type="sldImg"/>
+            <p:ph type="sldImg" idx="2"/>
           </p:nvPr>
         </p:nvSpPr>
         <p:spPr>
@@ -291,9 +300,13 @@
             <a:ext cx="6096075" cy="3429000"/>
           </a:xfrm>
           <a:custGeom>
-            <a:rect b="b" l="l" r="r" t="t"/>
+            <a:avLst/>
+            <a:gdLst/>
+            <a:ahLst/>
+            <a:cxnLst/>
+            <a:rect l="l" t="t" r="r" b="b"/>
             <a:pathLst>
-              <a:path extrusionOk="0" h="120000" w="120000">
+              <a:path w="120000" h="120000" extrusionOk="0">
                 <a:moveTo>
                   <a:pt x="0" y="0"/>
                 </a:moveTo>
@@ -311,23 +324,25 @@
             </a:pathLst>
           </a:custGeom>
           <a:noFill/>
-          <a:ln cap="flat" cmpd="sng" w="9525">
+          <a:ln w="9525" cap="flat" cmpd="sng">
             <a:solidFill>
               <a:srgbClr val="000000"/>
             </a:solidFill>
             <a:prstDash val="solid"/>
             <a:round/>
-            <a:headEnd len="sm" w="sm" type="none"/>
-            <a:tailEnd len="sm" w="sm" type="none"/>
+            <a:headEnd type="none" w="sm" len="sm"/>
+            <a:tailEnd type="none" w="sm" len="sm"/>
           </a:ln>
         </p:spPr>
       </p:sp>
       <p:sp>
         <p:nvSpPr>
           <p:cNvPr id="4" name="Google Shape;4;n"/>
-          <p:cNvSpPr txBox="1"/>
+          <p:cNvSpPr txBox="1">
+            <a:spLocks noGrp="1"/>
+          </p:cNvSpPr>
           <p:nvPr>
-            <p:ph idx="1" type="body"/>
+            <p:ph type="body" idx="1"/>
           </p:nvPr>
         </p:nvSpPr>
         <p:spPr>
@@ -344,11 +359,11 @@
           </a:ln>
         </p:spPr>
         <p:txBody>
-          <a:bodyPr anchorCtr="0" anchor="t" bIns="91425" lIns="91425" spcFirstLastPara="1" rIns="91425" wrap="square" tIns="91425">
+          <a:bodyPr spcFirstLastPara="1" wrap="square" lIns="91425" tIns="91425" rIns="91425" bIns="91425" anchor="t" anchorCtr="0">
             <a:noAutofit/>
           </a:bodyPr>
           <a:lstStyle>
-            <a:lvl1pPr indent="-298450" lvl="0" marL="457200">
+            <a:lvl1pPr marL="457200" lvl="0" indent="-298450">
               <a:spcBef>
                 <a:spcPts val="0"/>
               </a:spcBef>
@@ -359,7 +374,7 @@
               <a:buChar char="●"/>
               <a:defRPr sz="1100"/>
             </a:lvl1pPr>
-            <a:lvl2pPr indent="-298450" lvl="1" marL="914400">
+            <a:lvl2pPr marL="914400" lvl="1" indent="-298450">
               <a:spcBef>
                 <a:spcPts val="0"/>
               </a:spcBef>
@@ -370,7 +385,7 @@
               <a:buChar char="○"/>
               <a:defRPr sz="1100"/>
             </a:lvl2pPr>
-            <a:lvl3pPr indent="-298450" lvl="2" marL="1371600">
+            <a:lvl3pPr marL="1371600" lvl="2" indent="-298450">
               <a:spcBef>
                 <a:spcPts val="0"/>
               </a:spcBef>
@@ -381,7 +396,7 @@
               <a:buChar char="■"/>
               <a:defRPr sz="1100"/>
             </a:lvl3pPr>
-            <a:lvl4pPr indent="-298450" lvl="3" marL="1828800">
+            <a:lvl4pPr marL="1828800" lvl="3" indent="-298450">
               <a:spcBef>
                 <a:spcPts val="0"/>
               </a:spcBef>
@@ -392,7 +407,7 @@
               <a:buChar char="●"/>
               <a:defRPr sz="1100"/>
             </a:lvl4pPr>
-            <a:lvl5pPr indent="-298450" lvl="4" marL="2286000">
+            <a:lvl5pPr marL="2286000" lvl="4" indent="-298450">
               <a:spcBef>
                 <a:spcPts val="0"/>
               </a:spcBef>
@@ -403,7 +418,7 @@
               <a:buChar char="○"/>
               <a:defRPr sz="1100"/>
             </a:lvl5pPr>
-            <a:lvl6pPr indent="-298450" lvl="5" marL="2743200">
+            <a:lvl6pPr marL="2743200" lvl="5" indent="-298450">
               <a:spcBef>
                 <a:spcPts val="0"/>
               </a:spcBef>
@@ -414,7 +429,7 @@
               <a:buChar char="■"/>
               <a:defRPr sz="1100"/>
             </a:lvl6pPr>
-            <a:lvl7pPr indent="-298450" lvl="6" marL="3200400">
+            <a:lvl7pPr marL="3200400" lvl="6" indent="-298450">
               <a:spcBef>
                 <a:spcPts val="0"/>
               </a:spcBef>
@@ -425,7 +440,7 @@
               <a:buChar char="●"/>
               <a:defRPr sz="1100"/>
             </a:lvl7pPr>
-            <a:lvl8pPr indent="-298450" lvl="7" marL="3657600">
+            <a:lvl8pPr marL="3657600" lvl="7" indent="-298450">
               <a:spcBef>
                 <a:spcPts val="0"/>
               </a:spcBef>
@@ -436,7 +451,7 @@
               <a:buChar char="○"/>
               <a:defRPr sz="1100"/>
             </a:lvl8pPr>
-            <a:lvl9pPr indent="-298450" lvl="8" marL="4114800">
+            <a:lvl9pPr marL="4114800" lvl="8" indent="-298450">
               <a:spcBef>
                 <a:spcPts val="0"/>
               </a:spcBef>
@@ -448,14 +463,16 @@
               <a:defRPr sz="1100"/>
             </a:lvl9pPr>
           </a:lstStyle>
-          <a:p/>
+          <a:p>
+            <a:endParaRPr/>
+          </a:p>
         </p:txBody>
       </p:sp>
     </p:spTree>
   </p:cSld>
-  <p:clrMap accent1="accent1" accent2="accent2" accent3="accent3" accent4="accent4" accent5="accent5" accent6="accent6" bg1="lt1" bg2="dk2" tx1="dk1" tx2="lt2" folHlink="folHlink" hlink="hlink"/>
+  <p:clrMap bg1="lt1" tx1="dk1" bg2="dk2" tx2="lt2" accent1="accent1" accent2="accent2" accent3="accent3" accent4="accent4" accent5="accent5" accent6="accent6" hlink="hlink" folHlink="folHlink"/>
   <p:notesStyle>
-    <a:defPPr lvl="0" marR="0" rtl="0" algn="l">
+    <a:defPPr marR="0" lvl="0" algn="l" rtl="0">
       <a:lnSpc>
         <a:spcPct val="100000"/>
       </a:lnSpc>
@@ -466,7 +483,7 @@
         <a:spcPts val="0"/>
       </a:spcAft>
     </a:defPPr>
-    <a:lvl1pPr lvl="0" marR="0" rtl="0" algn="l">
+    <a:lvl1pPr marR="0" lvl="0" algn="l" rtl="0">
       <a:lnSpc>
         <a:spcPct val="100000"/>
       </a:lnSpc>
@@ -480,7 +497,7 @@
         <a:srgbClr val="000000"/>
       </a:buClr>
       <a:buFont typeface="Arial"/>
-      <a:defRPr b="0" i="0" sz="1400" u="none" cap="none" strike="noStrike">
+      <a:defRPr sz="1400" b="0" i="0" u="none" strike="noStrike" cap="none">
         <a:solidFill>
           <a:srgbClr val="000000"/>
         </a:solidFill>
@@ -490,7 +507,7 @@
         <a:sym typeface="Arial"/>
       </a:defRPr>
     </a:lvl1pPr>
-    <a:lvl2pPr lvl="1" marR="0" rtl="0" algn="l">
+    <a:lvl2pPr marR="0" lvl="1" algn="l" rtl="0">
       <a:lnSpc>
         <a:spcPct val="100000"/>
       </a:lnSpc>
@@ -504,7 +521,7 @@
         <a:srgbClr val="000000"/>
       </a:buClr>
       <a:buFont typeface="Arial"/>
-      <a:defRPr b="0" i="0" sz="1400" u="none" cap="none" strike="noStrike">
+      <a:defRPr sz="1400" b="0" i="0" u="none" strike="noStrike" cap="none">
         <a:solidFill>
           <a:srgbClr val="000000"/>
         </a:solidFill>
@@ -514,7 +531,7 @@
         <a:sym typeface="Arial"/>
       </a:defRPr>
     </a:lvl2pPr>
-    <a:lvl3pPr lvl="2" marR="0" rtl="0" algn="l">
+    <a:lvl3pPr marR="0" lvl="2" algn="l" rtl="0">
       <a:lnSpc>
         <a:spcPct val="100000"/>
       </a:lnSpc>
@@ -528,7 +545,7 @@
         <a:srgbClr val="000000"/>
       </a:buClr>
       <a:buFont typeface="Arial"/>
-      <a:defRPr b="0" i="0" sz="1400" u="none" cap="none" strike="noStrike">
+      <a:defRPr sz="1400" b="0" i="0" u="none" strike="noStrike" cap="none">
         <a:solidFill>
           <a:srgbClr val="000000"/>
         </a:solidFill>
@@ -538,7 +555,7 @@
         <a:sym typeface="Arial"/>
       </a:defRPr>
     </a:lvl3pPr>
-    <a:lvl4pPr lvl="3" marR="0" rtl="0" algn="l">
+    <a:lvl4pPr marR="0" lvl="3" algn="l" rtl="0">
       <a:lnSpc>
         <a:spcPct val="100000"/>
       </a:lnSpc>
@@ -552,7 +569,7 @@
         <a:srgbClr val="000000"/>
       </a:buClr>
       <a:buFont typeface="Arial"/>
-      <a:defRPr b="0" i="0" sz="1400" u="none" cap="none" strike="noStrike">
+      <a:defRPr sz="1400" b="0" i="0" u="none" strike="noStrike" cap="none">
         <a:solidFill>
           <a:srgbClr val="000000"/>
         </a:solidFill>
@@ -562,7 +579,7 @@
         <a:sym typeface="Arial"/>
       </a:defRPr>
     </a:lvl4pPr>
-    <a:lvl5pPr lvl="4" marR="0" rtl="0" algn="l">
+    <a:lvl5pPr marR="0" lvl="4" algn="l" rtl="0">
       <a:lnSpc>
         <a:spcPct val="100000"/>
       </a:lnSpc>
@@ -576,7 +593,7 @@
         <a:srgbClr val="000000"/>
       </a:buClr>
       <a:buFont typeface="Arial"/>
-      <a:defRPr b="0" i="0" sz="1400" u="none" cap="none" strike="noStrike">
+      <a:defRPr sz="1400" b="0" i="0" u="none" strike="noStrike" cap="none">
         <a:solidFill>
           <a:srgbClr val="000000"/>
         </a:solidFill>
@@ -586,7 +603,7 @@
         <a:sym typeface="Arial"/>
       </a:defRPr>
     </a:lvl5pPr>
-    <a:lvl6pPr lvl="5" marR="0" rtl="0" algn="l">
+    <a:lvl6pPr marR="0" lvl="5" algn="l" rtl="0">
       <a:lnSpc>
         <a:spcPct val="100000"/>
       </a:lnSpc>
@@ -600,7 +617,7 @@
         <a:srgbClr val="000000"/>
       </a:buClr>
       <a:buFont typeface="Arial"/>
-      <a:defRPr b="0" i="0" sz="1400" u="none" cap="none" strike="noStrike">
+      <a:defRPr sz="1400" b="0" i="0" u="none" strike="noStrike" cap="none">
         <a:solidFill>
           <a:srgbClr val="000000"/>
         </a:solidFill>
@@ -610,7 +627,7 @@
         <a:sym typeface="Arial"/>
       </a:defRPr>
     </a:lvl6pPr>
-    <a:lvl7pPr lvl="6" marR="0" rtl="0" algn="l">
+    <a:lvl7pPr marR="0" lvl="6" algn="l" rtl="0">
       <a:lnSpc>
         <a:spcPct val="100000"/>
       </a:lnSpc>
@@ -624,7 +641,7 @@
         <a:srgbClr val="000000"/>
       </a:buClr>
       <a:buFont typeface="Arial"/>
-      <a:defRPr b="0" i="0" sz="1400" u="none" cap="none" strike="noStrike">
+      <a:defRPr sz="1400" b="0" i="0" u="none" strike="noStrike" cap="none">
         <a:solidFill>
           <a:srgbClr val="000000"/>
         </a:solidFill>
@@ -634,7 +651,7 @@
         <a:sym typeface="Arial"/>
       </a:defRPr>
     </a:lvl7pPr>
-    <a:lvl8pPr lvl="7" marR="0" rtl="0" algn="l">
+    <a:lvl8pPr marR="0" lvl="7" algn="l" rtl="0">
       <a:lnSpc>
         <a:spcPct val="100000"/>
       </a:lnSpc>
@@ -648,7 +665,7 @@
         <a:srgbClr val="000000"/>
       </a:buClr>
       <a:buFont typeface="Arial"/>
-      <a:defRPr b="0" i="0" sz="1400" u="none" cap="none" strike="noStrike">
+      <a:defRPr sz="1400" b="0" i="0" u="none" strike="noStrike" cap="none">
         <a:solidFill>
           <a:srgbClr val="000000"/>
         </a:solidFill>
@@ -658,7 +675,7 @@
         <a:sym typeface="Arial"/>
       </a:defRPr>
     </a:lvl8pPr>
-    <a:lvl9pPr lvl="8" marR="0" rtl="0" algn="l">
+    <a:lvl9pPr marR="0" lvl="8" algn="l" rtl="0">
       <a:lnSpc>
         <a:spcPct val="100000"/>
       </a:lnSpc>
@@ -672,7 +689,7 @@
         <a:srgbClr val="000000"/>
       </a:buClr>
       <a:buFont typeface="Arial"/>
-      <a:defRPr b="0" i="0" sz="1400" u="none" cap="none" strike="noStrike">
+      <a:defRPr sz="1400" b="0" i="0" u="none" strike="noStrike" cap="none">
         <a:solidFill>
           <a:srgbClr val="000000"/>
         </a:solidFill>
@@ -687,11 +704,11 @@
 </file>
 
 <file path=ppt/notesSlides/notesSlide1.xml><?xml version="1.0" encoding="utf-8"?>
-<p:notes xmlns:a="http://schemas.openxmlformats.org/drawingml/2006/main" xmlns:r="http://schemas.openxmlformats.org/officeDocument/2006/relationships" xmlns:mc="http://schemas.openxmlformats.org/markup-compatibility/2006" xmlns:mv="urn:schemas-microsoft-com:mac:vml" xmlns:p="http://schemas.openxmlformats.org/presentationml/2006/main" xmlns:c="http://schemas.openxmlformats.org/drawingml/2006/chart" xmlns:dgm="http://schemas.openxmlformats.org/drawingml/2006/diagram" xmlns:o="urn:schemas-microsoft-com:office:office" xmlns:v="urn:schemas-microsoft-com:vml" xmlns:pvml="urn:schemas-microsoft-com:office:powerpoint" xmlns:com="http://schemas.openxmlformats.org/drawingml/2006/compatibility" xmlns:p14="http://schemas.microsoft.com/office/powerpoint/2010/main" xmlns:p15="http://schemas.microsoft.com/office/powerpoint/2012/main" xmlns:ahyp="http://schemas.microsoft.com/office/drawing/2018/hyperlinkcolor" showMasterPhAnim="0" showMasterSp="0">
+<p:notes xmlns:a="http://schemas.openxmlformats.org/drawingml/2006/main" xmlns:r="http://schemas.openxmlformats.org/officeDocument/2006/relationships" xmlns:p="http://schemas.openxmlformats.org/presentationml/2006/main" showMasterSp="0" showMasterPhAnim="0">
   <p:cSld>
     <p:spTree>
       <p:nvGrpSpPr>
-        <p:cNvPr id="50" name="Shape 50"/>
+        <p:cNvPr id="1" name="Shape 50"/>
         <p:cNvGrpSpPr/>
         <p:nvPr/>
       </p:nvGrpSpPr>
@@ -706,20 +723,26 @@
       <p:sp>
         <p:nvSpPr>
           <p:cNvPr id="51" name="Google Shape;51;gfd2dfdc1f4_0_45:notes"/>
-          <p:cNvSpPr/>
+          <p:cNvSpPr>
+            <a:spLocks noGrp="1" noRot="1" noChangeAspect="1"/>
+          </p:cNvSpPr>
           <p:nvPr>
-            <p:ph idx="2" type="sldImg"/>
+            <p:ph type="sldImg" idx="2"/>
           </p:nvPr>
         </p:nvSpPr>
         <p:spPr>
           <a:xfrm>
-            <a:off x="381300" y="685800"/>
+            <a:off x="381000" y="685800"/>
             <a:ext cx="6096000" cy="3429000"/>
           </a:xfrm>
           <a:custGeom>
-            <a:rect b="b" l="l" r="r" t="t"/>
+            <a:avLst/>
+            <a:gdLst/>
+            <a:ahLst/>
+            <a:cxnLst/>
+            <a:rect l="l" t="t" r="r" b="b"/>
             <a:pathLst>
-              <a:path extrusionOk="0" h="120000" w="120000">
+              <a:path w="120000" h="120000" extrusionOk="0">
                 <a:moveTo>
                   <a:pt x="0" y="0"/>
                 </a:moveTo>
@@ -741,9 +764,11 @@
       <p:sp>
         <p:nvSpPr>
           <p:cNvPr id="52" name="Google Shape;52;gfd2dfdc1f4_0_45:notes"/>
-          <p:cNvSpPr txBox="1"/>
+          <p:cNvSpPr txBox="1">
+            <a:spLocks noGrp="1"/>
+          </p:cNvSpPr>
           <p:nvPr>
-            <p:ph idx="1" type="body"/>
+            <p:ph type="body" idx="1"/>
           </p:nvPr>
         </p:nvSpPr>
         <p:spPr>
@@ -756,12 +781,12 @@
           </a:prstGeom>
         </p:spPr>
         <p:txBody>
-          <a:bodyPr anchorCtr="0" anchor="t" bIns="91425" lIns="91425" spcFirstLastPara="1" rIns="91425" wrap="square" tIns="91425">
+          <a:bodyPr spcFirstLastPara="1" wrap="square" lIns="91425" tIns="91425" rIns="91425" bIns="91425" anchor="t" anchorCtr="0">
             <a:noAutofit/>
           </a:bodyPr>
           <a:lstStyle/>
           <a:p>
-            <a:pPr indent="0" lvl="0" marL="0" rtl="0" algn="l">
+            <a:pPr marL="0" lvl="0" indent="0" algn="l" rtl="0">
               <a:spcBef>
                 <a:spcPts val="0"/>
               </a:spcBef>
@@ -770,9 +795,6 @@
               </a:spcAft>
               <a:buNone/>
             </a:pPr>
-            <a:r>
-              <a:t/>
-            </a:r>
             <a:endParaRPr/>
           </a:p>
         </p:txBody>
@@ -785,12 +807,230 @@
 </p:notes>
 </file>
 
+<file path=ppt/notesSlides/notesSlide2.xml><?xml version="1.0" encoding="utf-8"?>
+<p:notes xmlns:a="http://schemas.openxmlformats.org/drawingml/2006/main" xmlns:r="http://schemas.openxmlformats.org/officeDocument/2006/relationships" xmlns:p="http://schemas.openxmlformats.org/presentationml/2006/main" showMasterSp="0" showMasterPhAnim="0">
+  <p:cSld>
+    <p:spTree>
+      <p:nvGrpSpPr>
+        <p:cNvPr id="1" name="Shape 50"/>
+        <p:cNvGrpSpPr/>
+        <p:nvPr/>
+      </p:nvGrpSpPr>
+      <p:grpSpPr>
+        <a:xfrm>
+          <a:off x="0" y="0"/>
+          <a:ext cx="0" cy="0"/>
+          <a:chOff x="0" y="0"/>
+          <a:chExt cx="0" cy="0"/>
+        </a:xfrm>
+      </p:grpSpPr>
+      <p:sp>
+        <p:nvSpPr>
+          <p:cNvPr id="51" name="Google Shape;51;gfd2dfdc1f4_0_45:notes"/>
+          <p:cNvSpPr>
+            <a:spLocks noGrp="1" noRot="1" noChangeAspect="1"/>
+          </p:cNvSpPr>
+          <p:nvPr>
+            <p:ph type="sldImg" idx="2"/>
+          </p:nvPr>
+        </p:nvSpPr>
+        <p:spPr>
+          <a:xfrm>
+            <a:off x="381000" y="685800"/>
+            <a:ext cx="6096000" cy="3429000"/>
+          </a:xfrm>
+          <a:custGeom>
+            <a:avLst/>
+            <a:gdLst/>
+            <a:ahLst/>
+            <a:cxnLst/>
+            <a:rect l="l" t="t" r="r" b="b"/>
+            <a:pathLst>
+              <a:path w="120000" h="120000" extrusionOk="0">
+                <a:moveTo>
+                  <a:pt x="0" y="0"/>
+                </a:moveTo>
+                <a:lnTo>
+                  <a:pt x="120000" y="0"/>
+                </a:lnTo>
+                <a:lnTo>
+                  <a:pt x="120000" y="120000"/>
+                </a:lnTo>
+                <a:lnTo>
+                  <a:pt x="0" y="120000"/>
+                </a:lnTo>
+                <a:close/>
+              </a:path>
+            </a:pathLst>
+          </a:custGeom>
+        </p:spPr>
+      </p:sp>
+      <p:sp>
+        <p:nvSpPr>
+          <p:cNvPr id="52" name="Google Shape;52;gfd2dfdc1f4_0_45:notes"/>
+          <p:cNvSpPr txBox="1">
+            <a:spLocks noGrp="1"/>
+          </p:cNvSpPr>
+          <p:nvPr>
+            <p:ph type="body" idx="1"/>
+          </p:nvPr>
+        </p:nvSpPr>
+        <p:spPr>
+          <a:xfrm>
+            <a:off x="685800" y="4343400"/>
+            <a:ext cx="5486400" cy="4114800"/>
+          </a:xfrm>
+          <a:prstGeom prst="rect">
+            <a:avLst/>
+          </a:prstGeom>
+        </p:spPr>
+        <p:txBody>
+          <a:bodyPr spcFirstLastPara="1" wrap="square" lIns="91425" tIns="91425" rIns="91425" bIns="91425" anchor="t" anchorCtr="0">
+            <a:noAutofit/>
+          </a:bodyPr>
+          <a:lstStyle/>
+          <a:p>
+            <a:pPr marL="0" lvl="0" indent="0" algn="l" rtl="0">
+              <a:spcBef>
+                <a:spcPts val="0"/>
+              </a:spcBef>
+              <a:spcAft>
+                <a:spcPts val="0"/>
+              </a:spcAft>
+              <a:buNone/>
+            </a:pPr>
+            <a:endParaRPr/>
+          </a:p>
+        </p:txBody>
+      </p:sp>
+    </p:spTree>
+    <p:extLst>
+      <p:ext uri="{BB962C8B-B14F-4D97-AF65-F5344CB8AC3E}">
+        <p14:creationId xmlns:p14="http://schemas.microsoft.com/office/powerpoint/2010/main" val="1539503265"/>
+      </p:ext>
+    </p:extLst>
+  </p:cSld>
+  <p:clrMapOvr>
+    <a:masterClrMapping/>
+  </p:clrMapOvr>
+</p:notes>
+</file>
+
+<file path=ppt/notesSlides/notesSlide3.xml><?xml version="1.0" encoding="utf-8"?>
+<p:notes xmlns:a="http://schemas.openxmlformats.org/drawingml/2006/main" xmlns:r="http://schemas.openxmlformats.org/officeDocument/2006/relationships" xmlns:p="http://schemas.openxmlformats.org/presentationml/2006/main" showMasterSp="0" showMasterPhAnim="0">
+  <p:cSld>
+    <p:spTree>
+      <p:nvGrpSpPr>
+        <p:cNvPr id="1" name="Shape 50"/>
+        <p:cNvGrpSpPr/>
+        <p:nvPr/>
+      </p:nvGrpSpPr>
+      <p:grpSpPr>
+        <a:xfrm>
+          <a:off x="0" y="0"/>
+          <a:ext cx="0" cy="0"/>
+          <a:chOff x="0" y="0"/>
+          <a:chExt cx="0" cy="0"/>
+        </a:xfrm>
+      </p:grpSpPr>
+      <p:sp>
+        <p:nvSpPr>
+          <p:cNvPr id="51" name="Google Shape;51;gfd2dfdc1f4_0_45:notes"/>
+          <p:cNvSpPr>
+            <a:spLocks noGrp="1" noRot="1" noChangeAspect="1"/>
+          </p:cNvSpPr>
+          <p:nvPr>
+            <p:ph type="sldImg" idx="2"/>
+          </p:nvPr>
+        </p:nvSpPr>
+        <p:spPr>
+          <a:xfrm>
+            <a:off x="381000" y="685800"/>
+            <a:ext cx="6096000" cy="3429000"/>
+          </a:xfrm>
+          <a:custGeom>
+            <a:avLst/>
+            <a:gdLst/>
+            <a:ahLst/>
+            <a:cxnLst/>
+            <a:rect l="l" t="t" r="r" b="b"/>
+            <a:pathLst>
+              <a:path w="120000" h="120000" extrusionOk="0">
+                <a:moveTo>
+                  <a:pt x="0" y="0"/>
+                </a:moveTo>
+                <a:lnTo>
+                  <a:pt x="120000" y="0"/>
+                </a:lnTo>
+                <a:lnTo>
+                  <a:pt x="120000" y="120000"/>
+                </a:lnTo>
+                <a:lnTo>
+                  <a:pt x="0" y="120000"/>
+                </a:lnTo>
+                <a:close/>
+              </a:path>
+            </a:pathLst>
+          </a:custGeom>
+        </p:spPr>
+      </p:sp>
+      <p:sp>
+        <p:nvSpPr>
+          <p:cNvPr id="52" name="Google Shape;52;gfd2dfdc1f4_0_45:notes"/>
+          <p:cNvSpPr txBox="1">
+            <a:spLocks noGrp="1"/>
+          </p:cNvSpPr>
+          <p:nvPr>
+            <p:ph type="body" idx="1"/>
+          </p:nvPr>
+        </p:nvSpPr>
+        <p:spPr>
+          <a:xfrm>
+            <a:off x="685800" y="4343400"/>
+            <a:ext cx="5486400" cy="4114800"/>
+          </a:xfrm>
+          <a:prstGeom prst="rect">
+            <a:avLst/>
+          </a:prstGeom>
+        </p:spPr>
+        <p:txBody>
+          <a:bodyPr spcFirstLastPara="1" wrap="square" lIns="91425" tIns="91425" rIns="91425" bIns="91425" anchor="t" anchorCtr="0">
+            <a:noAutofit/>
+          </a:bodyPr>
+          <a:lstStyle/>
+          <a:p>
+            <a:pPr marL="0" lvl="0" indent="0" algn="l" rtl="0">
+              <a:spcBef>
+                <a:spcPts val="0"/>
+              </a:spcBef>
+              <a:spcAft>
+                <a:spcPts val="0"/>
+              </a:spcAft>
+              <a:buNone/>
+            </a:pPr>
+            <a:endParaRPr/>
+          </a:p>
+        </p:txBody>
+      </p:sp>
+    </p:spTree>
+    <p:extLst>
+      <p:ext uri="{BB962C8B-B14F-4D97-AF65-F5344CB8AC3E}">
+        <p14:creationId xmlns:p14="http://schemas.microsoft.com/office/powerpoint/2010/main" val="4094790023"/>
+      </p:ext>
+    </p:extLst>
+  </p:cSld>
+  <p:clrMapOvr>
+    <a:masterClrMapping/>
+  </p:clrMapOvr>
+</p:notes>
+</file>
+
 <file path=ppt/slideLayouts/slideLayout1.xml><?xml version="1.0" encoding="utf-8"?>
-<p:sldLayout xmlns:a="http://schemas.openxmlformats.org/drawingml/2006/main" xmlns:r="http://schemas.openxmlformats.org/officeDocument/2006/relationships" xmlns:mc="http://schemas.openxmlformats.org/markup-compatibility/2006" xmlns:mv="urn:schemas-microsoft-com:mac:vml" xmlns:p="http://schemas.openxmlformats.org/presentationml/2006/main" xmlns:c="http://schemas.openxmlformats.org/drawingml/2006/chart" xmlns:dgm="http://schemas.openxmlformats.org/drawingml/2006/diagram" xmlns:o="urn:schemas-microsoft-com:office:office" xmlns:v="urn:schemas-microsoft-com:vml" xmlns:pvml="urn:schemas-microsoft-com:office:powerpoint" xmlns:com="http://schemas.openxmlformats.org/drawingml/2006/compatibility" xmlns:p14="http://schemas.microsoft.com/office/powerpoint/2010/main" xmlns:p15="http://schemas.microsoft.com/office/powerpoint/2012/main" xmlns:ahyp="http://schemas.microsoft.com/office/drawing/2018/hyperlinkcolor" matchingName="Title slide" type="title">
+<p:sldLayout xmlns:a="http://schemas.openxmlformats.org/drawingml/2006/main" xmlns:r="http://schemas.openxmlformats.org/officeDocument/2006/relationships" xmlns:p="http://schemas.openxmlformats.org/presentationml/2006/main" matchingName="Title slide" type="title">
   <p:cSld name="TITLE">
     <p:spTree>
       <p:nvGrpSpPr>
-        <p:cNvPr id="9" name="Shape 9"/>
+        <p:cNvPr id="1" name="Shape 9"/>
         <p:cNvGrpSpPr/>
         <p:nvPr/>
       </p:nvGrpSpPr>
@@ -805,7 +1045,9 @@
       <p:sp>
         <p:nvSpPr>
           <p:cNvPr id="10" name="Google Shape;10;p2"/>
-          <p:cNvSpPr txBox="1"/>
+          <p:cNvSpPr txBox="1">
+            <a:spLocks noGrp="1"/>
+          </p:cNvSpPr>
           <p:nvPr>
             <p:ph type="ctrTitle"/>
           </p:nvPr>
@@ -820,11 +1062,11 @@
           </a:prstGeom>
         </p:spPr>
         <p:txBody>
-          <a:bodyPr anchorCtr="0" anchor="b" bIns="91425" lIns="91425" spcFirstLastPara="1" rIns="91425" wrap="square" tIns="91425">
+          <a:bodyPr spcFirstLastPara="1" wrap="square" lIns="91425" tIns="91425" rIns="91425" bIns="91425" anchor="b" anchorCtr="0">
             <a:normAutofit/>
           </a:bodyPr>
           <a:lstStyle>
-            <a:lvl1pPr lvl="0" rtl="0" algn="ctr">
+            <a:lvl1pPr lvl="0" algn="ctr" rtl="0">
               <a:spcBef>
                 <a:spcPts val="0"/>
               </a:spcBef>
@@ -835,7 +1077,7 @@
               <a:buNone/>
               <a:defRPr sz="5200"/>
             </a:lvl1pPr>
-            <a:lvl2pPr lvl="1" rtl="0" algn="ctr">
+            <a:lvl2pPr lvl="1" algn="ctr" rtl="0">
               <a:spcBef>
                 <a:spcPts val="0"/>
               </a:spcBef>
@@ -846,7 +1088,7 @@
               <a:buNone/>
               <a:defRPr sz="5200"/>
             </a:lvl2pPr>
-            <a:lvl3pPr lvl="2" rtl="0" algn="ctr">
+            <a:lvl3pPr lvl="2" algn="ctr" rtl="0">
               <a:spcBef>
                 <a:spcPts val="0"/>
               </a:spcBef>
@@ -857,7 +1099,7 @@
               <a:buNone/>
               <a:defRPr sz="5200"/>
             </a:lvl3pPr>
-            <a:lvl4pPr lvl="3" rtl="0" algn="ctr">
+            <a:lvl4pPr lvl="3" algn="ctr" rtl="0">
               <a:spcBef>
                 <a:spcPts val="0"/>
               </a:spcBef>
@@ -868,7 +1110,7 @@
               <a:buNone/>
               <a:defRPr sz="5200"/>
             </a:lvl4pPr>
-            <a:lvl5pPr lvl="4" rtl="0" algn="ctr">
+            <a:lvl5pPr lvl="4" algn="ctr" rtl="0">
               <a:spcBef>
                 <a:spcPts val="0"/>
               </a:spcBef>
@@ -879,7 +1121,7 @@
               <a:buNone/>
               <a:defRPr sz="5200"/>
             </a:lvl5pPr>
-            <a:lvl6pPr lvl="5" rtl="0" algn="ctr">
+            <a:lvl6pPr lvl="5" algn="ctr" rtl="0">
               <a:spcBef>
                 <a:spcPts val="0"/>
               </a:spcBef>
@@ -890,7 +1132,7 @@
               <a:buNone/>
               <a:defRPr sz="5200"/>
             </a:lvl6pPr>
-            <a:lvl7pPr lvl="6" rtl="0" algn="ctr">
+            <a:lvl7pPr lvl="6" algn="ctr" rtl="0">
               <a:spcBef>
                 <a:spcPts val="0"/>
               </a:spcBef>
@@ -901,7 +1143,7 @@
               <a:buNone/>
               <a:defRPr sz="5200"/>
             </a:lvl7pPr>
-            <a:lvl8pPr lvl="7" rtl="0" algn="ctr">
+            <a:lvl8pPr lvl="7" algn="ctr" rtl="0">
               <a:spcBef>
                 <a:spcPts val="0"/>
               </a:spcBef>
@@ -912,7 +1154,7 @@
               <a:buNone/>
               <a:defRPr sz="5200"/>
             </a:lvl8pPr>
-            <a:lvl9pPr lvl="8" rtl="0" algn="ctr">
+            <a:lvl9pPr lvl="8" algn="ctr" rtl="0">
               <a:spcBef>
                 <a:spcPts val="0"/>
               </a:spcBef>
@@ -924,15 +1166,19 @@
               <a:defRPr sz="5200"/>
             </a:lvl9pPr>
           </a:lstStyle>
-          <a:p/>
+          <a:p>
+            <a:endParaRPr/>
+          </a:p>
         </p:txBody>
       </p:sp>
       <p:sp>
         <p:nvSpPr>
           <p:cNvPr id="11" name="Google Shape;11;p2"/>
-          <p:cNvSpPr txBox="1"/>
+          <p:cNvSpPr txBox="1">
+            <a:spLocks noGrp="1"/>
+          </p:cNvSpPr>
           <p:nvPr>
-            <p:ph idx="1" type="subTitle"/>
+            <p:ph type="subTitle" idx="1"/>
           </p:nvPr>
         </p:nvSpPr>
         <p:spPr>
@@ -945,11 +1191,11 @@
           </a:prstGeom>
         </p:spPr>
         <p:txBody>
-          <a:bodyPr anchorCtr="0" anchor="t" bIns="91425" lIns="91425" spcFirstLastPara="1" rIns="91425" wrap="square" tIns="91425">
+          <a:bodyPr spcFirstLastPara="1" wrap="square" lIns="91425" tIns="91425" rIns="91425" bIns="91425" anchor="t" anchorCtr="0">
             <a:normAutofit/>
           </a:bodyPr>
           <a:lstStyle>
-            <a:lvl1pPr lvl="0" rtl="0" algn="ctr">
+            <a:lvl1pPr lvl="0" algn="ctr" rtl="0">
               <a:lnSpc>
                 <a:spcPct val="100000"/>
               </a:lnSpc>
@@ -963,7 +1209,7 @@
               <a:buNone/>
               <a:defRPr sz="2800"/>
             </a:lvl1pPr>
-            <a:lvl2pPr lvl="1" rtl="0" algn="ctr">
+            <a:lvl2pPr lvl="1" algn="ctr" rtl="0">
               <a:lnSpc>
                 <a:spcPct val="100000"/>
               </a:lnSpc>
@@ -977,7 +1223,7 @@
               <a:buNone/>
               <a:defRPr sz="2800"/>
             </a:lvl2pPr>
-            <a:lvl3pPr lvl="2" rtl="0" algn="ctr">
+            <a:lvl3pPr lvl="2" algn="ctr" rtl="0">
               <a:lnSpc>
                 <a:spcPct val="100000"/>
               </a:lnSpc>
@@ -991,7 +1237,7 @@
               <a:buNone/>
               <a:defRPr sz="2800"/>
             </a:lvl3pPr>
-            <a:lvl4pPr lvl="3" rtl="0" algn="ctr">
+            <a:lvl4pPr lvl="3" algn="ctr" rtl="0">
               <a:lnSpc>
                 <a:spcPct val="100000"/>
               </a:lnSpc>
@@ -1005,7 +1251,7 @@
               <a:buNone/>
               <a:defRPr sz="2800"/>
             </a:lvl4pPr>
-            <a:lvl5pPr lvl="4" rtl="0" algn="ctr">
+            <a:lvl5pPr lvl="4" algn="ctr" rtl="0">
               <a:lnSpc>
                 <a:spcPct val="100000"/>
               </a:lnSpc>
@@ -1019,7 +1265,7 @@
               <a:buNone/>
               <a:defRPr sz="2800"/>
             </a:lvl5pPr>
-            <a:lvl6pPr lvl="5" rtl="0" algn="ctr">
+            <a:lvl6pPr lvl="5" algn="ctr" rtl="0">
               <a:lnSpc>
                 <a:spcPct val="100000"/>
               </a:lnSpc>
@@ -1033,7 +1279,7 @@
               <a:buNone/>
               <a:defRPr sz="2800"/>
             </a:lvl6pPr>
-            <a:lvl7pPr lvl="6" rtl="0" algn="ctr">
+            <a:lvl7pPr lvl="6" algn="ctr" rtl="0">
               <a:lnSpc>
                 <a:spcPct val="100000"/>
               </a:lnSpc>
@@ -1047,7 +1293,7 @@
               <a:buNone/>
               <a:defRPr sz="2800"/>
             </a:lvl7pPr>
-            <a:lvl8pPr lvl="7" rtl="0" algn="ctr">
+            <a:lvl8pPr lvl="7" algn="ctr" rtl="0">
               <a:lnSpc>
                 <a:spcPct val="100000"/>
               </a:lnSpc>
@@ -1061,7 +1307,7 @@
               <a:buNone/>
               <a:defRPr sz="2800"/>
             </a:lvl8pPr>
-            <a:lvl9pPr lvl="8" rtl="0" algn="ctr">
+            <a:lvl9pPr lvl="8" algn="ctr" rtl="0">
               <a:lnSpc>
                 <a:spcPct val="100000"/>
               </a:lnSpc>
@@ -1076,15 +1322,19 @@
               <a:defRPr sz="2800"/>
             </a:lvl9pPr>
           </a:lstStyle>
-          <a:p/>
+          <a:p>
+            <a:endParaRPr/>
+          </a:p>
         </p:txBody>
       </p:sp>
       <p:sp>
         <p:nvSpPr>
           <p:cNvPr id="12" name="Google Shape;12;p2"/>
-          <p:cNvSpPr txBox="1"/>
+          <p:cNvSpPr txBox="1">
+            <a:spLocks noGrp="1"/>
+          </p:cNvSpPr>
           <p:nvPr>
-            <p:ph idx="12" type="sldNum"/>
+            <p:ph type="sldNum" idx="12"/>
           </p:nvPr>
         </p:nvSpPr>
         <p:spPr>
@@ -1097,7 +1347,7 @@
           </a:prstGeom>
         </p:spPr>
         <p:txBody>
-          <a:bodyPr anchorCtr="0" anchor="ctr" bIns="91425" lIns="91425" spcFirstLastPara="1" rIns="91425" wrap="square" tIns="91425">
+          <a:bodyPr spcFirstLastPara="1" wrap="square" lIns="91425" tIns="91425" rIns="91425" bIns="91425" anchor="ctr" anchorCtr="0">
             <a:normAutofit/>
           </a:bodyPr>
           <a:lstStyle>
@@ -1139,7 +1389,7 @@
             </a:lvl9pPr>
           </a:lstStyle>
           <a:p>
-            <a:pPr indent="0" lvl="0" marL="0" rtl="0" algn="r">
+            <a:pPr marL="0" lvl="0" indent="0" algn="r" rtl="0">
               <a:spcBef>
                 <a:spcPts val="0"/>
               </a:spcBef>
@@ -1165,11 +1415,11 @@
 </file>
 
 <file path=ppt/slideLayouts/slideLayout10.xml><?xml version="1.0" encoding="utf-8"?>
-<p:sldLayout xmlns:a="http://schemas.openxmlformats.org/drawingml/2006/main" xmlns:r="http://schemas.openxmlformats.org/officeDocument/2006/relationships" xmlns:mc="http://schemas.openxmlformats.org/markup-compatibility/2006" xmlns:mv="urn:schemas-microsoft-com:mac:vml" xmlns:p="http://schemas.openxmlformats.org/presentationml/2006/main" xmlns:c="http://schemas.openxmlformats.org/drawingml/2006/chart" xmlns:dgm="http://schemas.openxmlformats.org/drawingml/2006/diagram" xmlns:o="urn:schemas-microsoft-com:office:office" xmlns:v="urn:schemas-microsoft-com:vml" xmlns:pvml="urn:schemas-microsoft-com:office:powerpoint" xmlns:com="http://schemas.openxmlformats.org/drawingml/2006/compatibility" xmlns:p14="http://schemas.microsoft.com/office/powerpoint/2010/main" xmlns:p15="http://schemas.microsoft.com/office/powerpoint/2012/main" xmlns:ahyp="http://schemas.microsoft.com/office/drawing/2018/hyperlinkcolor" matchingName="Big number">
+<p:sldLayout xmlns:a="http://schemas.openxmlformats.org/drawingml/2006/main" xmlns:r="http://schemas.openxmlformats.org/officeDocument/2006/relationships" xmlns:p="http://schemas.openxmlformats.org/presentationml/2006/main" matchingName="Big number">
   <p:cSld name="BIG_NUMBER">
     <p:spTree>
       <p:nvGrpSpPr>
-        <p:cNvPr id="44" name="Shape 44"/>
+        <p:cNvPr id="1" name="Shape 44"/>
         <p:cNvGrpSpPr/>
         <p:nvPr/>
       </p:nvGrpSpPr>
@@ -1184,9 +1434,11 @@
       <p:sp>
         <p:nvSpPr>
           <p:cNvPr id="45" name="Google Shape;45;p11"/>
-          <p:cNvSpPr txBox="1"/>
+          <p:cNvSpPr txBox="1">
+            <a:spLocks noGrp="1"/>
+          </p:cNvSpPr>
           <p:nvPr>
-            <p:ph hasCustomPrompt="1" type="title"/>
+            <p:ph type="title" hasCustomPrompt="1"/>
           </p:nvPr>
         </p:nvSpPr>
         <p:spPr>
@@ -1199,11 +1451,11 @@
           </a:prstGeom>
         </p:spPr>
         <p:txBody>
-          <a:bodyPr anchorCtr="0" anchor="b" bIns="91425" lIns="91425" spcFirstLastPara="1" rIns="91425" wrap="square" tIns="91425">
+          <a:bodyPr spcFirstLastPara="1" wrap="square" lIns="91425" tIns="91425" rIns="91425" bIns="91425" anchor="b" anchorCtr="0">
             <a:normAutofit/>
           </a:bodyPr>
           <a:lstStyle>
-            <a:lvl1pPr lvl="0" rtl="0" algn="ctr">
+            <a:lvl1pPr lvl="0" algn="ctr" rtl="0">
               <a:spcBef>
                 <a:spcPts val="0"/>
               </a:spcBef>
@@ -1214,7 +1466,7 @@
               <a:buNone/>
               <a:defRPr sz="12000"/>
             </a:lvl1pPr>
-            <a:lvl2pPr lvl="1" rtl="0" algn="ctr">
+            <a:lvl2pPr lvl="1" algn="ctr" rtl="0">
               <a:spcBef>
                 <a:spcPts val="0"/>
               </a:spcBef>
@@ -1225,7 +1477,7 @@
               <a:buNone/>
               <a:defRPr sz="12000"/>
             </a:lvl2pPr>
-            <a:lvl3pPr lvl="2" rtl="0" algn="ctr">
+            <a:lvl3pPr lvl="2" algn="ctr" rtl="0">
               <a:spcBef>
                 <a:spcPts val="0"/>
               </a:spcBef>
@@ -1236,7 +1488,7 @@
               <a:buNone/>
               <a:defRPr sz="12000"/>
             </a:lvl3pPr>
-            <a:lvl4pPr lvl="3" rtl="0" algn="ctr">
+            <a:lvl4pPr lvl="3" algn="ctr" rtl="0">
               <a:spcBef>
                 <a:spcPts val="0"/>
               </a:spcBef>
@@ -1247,7 +1499,7 @@
               <a:buNone/>
               <a:defRPr sz="12000"/>
             </a:lvl4pPr>
-            <a:lvl5pPr lvl="4" rtl="0" algn="ctr">
+            <a:lvl5pPr lvl="4" algn="ctr" rtl="0">
               <a:spcBef>
                 <a:spcPts val="0"/>
               </a:spcBef>
@@ -1258,7 +1510,7 @@
               <a:buNone/>
               <a:defRPr sz="12000"/>
             </a:lvl5pPr>
-            <a:lvl6pPr lvl="5" rtl="0" algn="ctr">
+            <a:lvl6pPr lvl="5" algn="ctr" rtl="0">
               <a:spcBef>
                 <a:spcPts val="0"/>
               </a:spcBef>
@@ -1269,7 +1521,7 @@
               <a:buNone/>
               <a:defRPr sz="12000"/>
             </a:lvl6pPr>
-            <a:lvl7pPr lvl="6" rtl="0" algn="ctr">
+            <a:lvl7pPr lvl="6" algn="ctr" rtl="0">
               <a:spcBef>
                 <a:spcPts val="0"/>
               </a:spcBef>
@@ -1280,7 +1532,7 @@
               <a:buNone/>
               <a:defRPr sz="12000"/>
             </a:lvl7pPr>
-            <a:lvl8pPr lvl="7" rtl="0" algn="ctr">
+            <a:lvl8pPr lvl="7" algn="ctr" rtl="0">
               <a:spcBef>
                 <a:spcPts val="0"/>
               </a:spcBef>
@@ -1291,7 +1543,7 @@
               <a:buNone/>
               <a:defRPr sz="12000"/>
             </a:lvl8pPr>
-            <a:lvl9pPr lvl="8" rtl="0" algn="ctr">
+            <a:lvl9pPr lvl="8" algn="ctr" rtl="0">
               <a:spcBef>
                 <a:spcPts val="0"/>
               </a:spcBef>
@@ -1313,9 +1565,11 @@
       <p:sp>
         <p:nvSpPr>
           <p:cNvPr id="46" name="Google Shape;46;p11"/>
-          <p:cNvSpPr txBox="1"/>
+          <p:cNvSpPr txBox="1">
+            <a:spLocks noGrp="1"/>
+          </p:cNvSpPr>
           <p:nvPr>
-            <p:ph idx="1" type="body"/>
+            <p:ph type="body" idx="1"/>
           </p:nvPr>
         </p:nvSpPr>
         <p:spPr>
@@ -1328,11 +1582,11 @@
           </a:prstGeom>
         </p:spPr>
         <p:txBody>
-          <a:bodyPr anchorCtr="0" anchor="t" bIns="91425" lIns="91425" spcFirstLastPara="1" rIns="91425" wrap="square" tIns="91425">
+          <a:bodyPr spcFirstLastPara="1" wrap="square" lIns="91425" tIns="91425" rIns="91425" bIns="91425" anchor="t" anchorCtr="0">
             <a:normAutofit/>
           </a:bodyPr>
           <a:lstStyle>
-            <a:lvl1pPr indent="-342900" lvl="0" marL="457200" rtl="0" algn="ctr">
+            <a:lvl1pPr marL="457200" lvl="0" indent="-342900" algn="ctr" rtl="0">
               <a:spcBef>
                 <a:spcPts val="0"/>
               </a:spcBef>
@@ -1343,7 +1597,7 @@
               <a:buChar char="●"/>
               <a:defRPr/>
             </a:lvl1pPr>
-            <a:lvl2pPr indent="-317500" lvl="1" marL="914400" rtl="0" algn="ctr">
+            <a:lvl2pPr marL="914400" lvl="1" indent="-317500" algn="ctr" rtl="0">
               <a:spcBef>
                 <a:spcPts val="0"/>
               </a:spcBef>
@@ -1354,7 +1608,7 @@
               <a:buChar char="○"/>
               <a:defRPr/>
             </a:lvl2pPr>
-            <a:lvl3pPr indent="-317500" lvl="2" marL="1371600" rtl="0" algn="ctr">
+            <a:lvl3pPr marL="1371600" lvl="2" indent="-317500" algn="ctr" rtl="0">
               <a:spcBef>
                 <a:spcPts val="0"/>
               </a:spcBef>
@@ -1365,7 +1619,7 @@
               <a:buChar char="■"/>
               <a:defRPr/>
             </a:lvl3pPr>
-            <a:lvl4pPr indent="-317500" lvl="3" marL="1828800" rtl="0" algn="ctr">
+            <a:lvl4pPr marL="1828800" lvl="3" indent="-317500" algn="ctr" rtl="0">
               <a:spcBef>
                 <a:spcPts val="0"/>
               </a:spcBef>
@@ -1376,7 +1630,7 @@
               <a:buChar char="●"/>
               <a:defRPr/>
             </a:lvl4pPr>
-            <a:lvl5pPr indent="-317500" lvl="4" marL="2286000" rtl="0" algn="ctr">
+            <a:lvl5pPr marL="2286000" lvl="4" indent="-317500" algn="ctr" rtl="0">
               <a:spcBef>
                 <a:spcPts val="0"/>
               </a:spcBef>
@@ -1387,7 +1641,7 @@
               <a:buChar char="○"/>
               <a:defRPr/>
             </a:lvl5pPr>
-            <a:lvl6pPr indent="-317500" lvl="5" marL="2743200" rtl="0" algn="ctr">
+            <a:lvl6pPr marL="2743200" lvl="5" indent="-317500" algn="ctr" rtl="0">
               <a:spcBef>
                 <a:spcPts val="0"/>
               </a:spcBef>
@@ -1398,7 +1652,7 @@
               <a:buChar char="■"/>
               <a:defRPr/>
             </a:lvl6pPr>
-            <a:lvl7pPr indent="-317500" lvl="6" marL="3200400" rtl="0" algn="ctr">
+            <a:lvl7pPr marL="3200400" lvl="6" indent="-317500" algn="ctr" rtl="0">
               <a:spcBef>
                 <a:spcPts val="0"/>
               </a:spcBef>
@@ -1409,7 +1663,7 @@
               <a:buChar char="●"/>
               <a:defRPr/>
             </a:lvl7pPr>
-            <a:lvl8pPr indent="-317500" lvl="7" marL="3657600" rtl="0" algn="ctr">
+            <a:lvl8pPr marL="3657600" lvl="7" indent="-317500" algn="ctr" rtl="0">
               <a:spcBef>
                 <a:spcPts val="0"/>
               </a:spcBef>
@@ -1420,7 +1674,7 @@
               <a:buChar char="○"/>
               <a:defRPr/>
             </a:lvl8pPr>
-            <a:lvl9pPr indent="-317500" lvl="8" marL="4114800" rtl="0" algn="ctr">
+            <a:lvl9pPr marL="4114800" lvl="8" indent="-317500" algn="ctr" rtl="0">
               <a:spcBef>
                 <a:spcPts val="0"/>
               </a:spcBef>
@@ -1432,15 +1686,19 @@
               <a:defRPr/>
             </a:lvl9pPr>
           </a:lstStyle>
-          <a:p/>
+          <a:p>
+            <a:endParaRPr/>
+          </a:p>
         </p:txBody>
       </p:sp>
       <p:sp>
         <p:nvSpPr>
           <p:cNvPr id="47" name="Google Shape;47;p11"/>
-          <p:cNvSpPr txBox="1"/>
+          <p:cNvSpPr txBox="1">
+            <a:spLocks noGrp="1"/>
+          </p:cNvSpPr>
           <p:nvPr>
-            <p:ph idx="12" type="sldNum"/>
+            <p:ph type="sldNum" idx="12"/>
           </p:nvPr>
         </p:nvSpPr>
         <p:spPr>
@@ -1453,7 +1711,7 @@
           </a:prstGeom>
         </p:spPr>
         <p:txBody>
-          <a:bodyPr anchorCtr="0" anchor="ctr" bIns="91425" lIns="91425" spcFirstLastPara="1" rIns="91425" wrap="square" tIns="91425">
+          <a:bodyPr spcFirstLastPara="1" wrap="square" lIns="91425" tIns="91425" rIns="91425" bIns="91425" anchor="ctr" anchorCtr="0">
             <a:normAutofit/>
           </a:bodyPr>
           <a:lstStyle>
@@ -1495,7 +1753,7 @@
             </a:lvl9pPr>
           </a:lstStyle>
           <a:p>
-            <a:pPr indent="0" lvl="0" marL="0" rtl="0" algn="r">
+            <a:pPr marL="0" lvl="0" indent="0" algn="r" rtl="0">
               <a:spcBef>
                 <a:spcPts val="0"/>
               </a:spcBef>
@@ -1521,11 +1779,11 @@
 </file>
 
 <file path=ppt/slideLayouts/slideLayout11.xml><?xml version="1.0" encoding="utf-8"?>
-<p:sldLayout xmlns:a="http://schemas.openxmlformats.org/drawingml/2006/main" xmlns:r="http://schemas.openxmlformats.org/officeDocument/2006/relationships" xmlns:mc="http://schemas.openxmlformats.org/markup-compatibility/2006" xmlns:mv="urn:schemas-microsoft-com:mac:vml" xmlns:p="http://schemas.openxmlformats.org/presentationml/2006/main" xmlns:c="http://schemas.openxmlformats.org/drawingml/2006/chart" xmlns:dgm="http://schemas.openxmlformats.org/drawingml/2006/diagram" xmlns:o="urn:schemas-microsoft-com:office:office" xmlns:v="urn:schemas-microsoft-com:vml" xmlns:pvml="urn:schemas-microsoft-com:office:powerpoint" xmlns:com="http://schemas.openxmlformats.org/drawingml/2006/compatibility" xmlns:p14="http://schemas.microsoft.com/office/powerpoint/2010/main" xmlns:p15="http://schemas.microsoft.com/office/powerpoint/2012/main" xmlns:ahyp="http://schemas.microsoft.com/office/drawing/2018/hyperlinkcolor" matchingName="Blank" type="blank">
+<p:sldLayout xmlns:a="http://schemas.openxmlformats.org/drawingml/2006/main" xmlns:r="http://schemas.openxmlformats.org/officeDocument/2006/relationships" xmlns:p="http://schemas.openxmlformats.org/presentationml/2006/main" matchingName="Blank" type="blank">
   <p:cSld name="BLANK">
     <p:spTree>
       <p:nvGrpSpPr>
-        <p:cNvPr id="48" name="Shape 48"/>
+        <p:cNvPr id="1" name="Shape 48"/>
         <p:cNvGrpSpPr/>
         <p:nvPr/>
       </p:nvGrpSpPr>
@@ -1540,9 +1798,11 @@
       <p:sp>
         <p:nvSpPr>
           <p:cNvPr id="49" name="Google Shape;49;p12"/>
-          <p:cNvSpPr txBox="1"/>
+          <p:cNvSpPr txBox="1">
+            <a:spLocks noGrp="1"/>
+          </p:cNvSpPr>
           <p:nvPr>
-            <p:ph idx="12" type="sldNum"/>
+            <p:ph type="sldNum" idx="12"/>
           </p:nvPr>
         </p:nvSpPr>
         <p:spPr>
@@ -1555,7 +1815,7 @@
           </a:prstGeom>
         </p:spPr>
         <p:txBody>
-          <a:bodyPr anchorCtr="0" anchor="ctr" bIns="91425" lIns="91425" spcFirstLastPara="1" rIns="91425" wrap="square" tIns="91425">
+          <a:bodyPr spcFirstLastPara="1" wrap="square" lIns="91425" tIns="91425" rIns="91425" bIns="91425" anchor="ctr" anchorCtr="0">
             <a:normAutofit/>
           </a:bodyPr>
           <a:lstStyle>
@@ -1597,7 +1857,7 @@
             </a:lvl9pPr>
           </a:lstStyle>
           <a:p>
-            <a:pPr indent="0" lvl="0" marL="0" rtl="0" algn="r">
+            <a:pPr marL="0" lvl="0" indent="0" algn="r" rtl="0">
               <a:spcBef>
                 <a:spcPts val="0"/>
               </a:spcBef>
@@ -1623,11 +1883,11 @@
 </file>
 
 <file path=ppt/slideLayouts/slideLayout2.xml><?xml version="1.0" encoding="utf-8"?>
-<p:sldLayout xmlns:a="http://schemas.openxmlformats.org/drawingml/2006/main" xmlns:r="http://schemas.openxmlformats.org/officeDocument/2006/relationships" xmlns:mc="http://schemas.openxmlformats.org/markup-compatibility/2006" xmlns:mv="urn:schemas-microsoft-com:mac:vml" xmlns:p="http://schemas.openxmlformats.org/presentationml/2006/main" xmlns:c="http://schemas.openxmlformats.org/drawingml/2006/chart" xmlns:dgm="http://schemas.openxmlformats.org/drawingml/2006/diagram" xmlns:o="urn:schemas-microsoft-com:office:office" xmlns:v="urn:schemas-microsoft-com:vml" xmlns:pvml="urn:schemas-microsoft-com:office:powerpoint" xmlns:com="http://schemas.openxmlformats.org/drawingml/2006/compatibility" xmlns:p14="http://schemas.microsoft.com/office/powerpoint/2010/main" xmlns:p15="http://schemas.microsoft.com/office/powerpoint/2012/main" xmlns:ahyp="http://schemas.microsoft.com/office/drawing/2018/hyperlinkcolor" matchingName="Section header" type="secHead">
+<p:sldLayout xmlns:a="http://schemas.openxmlformats.org/drawingml/2006/main" xmlns:r="http://schemas.openxmlformats.org/officeDocument/2006/relationships" xmlns:p="http://schemas.openxmlformats.org/presentationml/2006/main" matchingName="Section header" type="secHead">
   <p:cSld name="SECTION_HEADER">
     <p:spTree>
       <p:nvGrpSpPr>
-        <p:cNvPr id="13" name="Shape 13"/>
+        <p:cNvPr id="1" name="Shape 13"/>
         <p:cNvGrpSpPr/>
         <p:nvPr/>
       </p:nvGrpSpPr>
@@ -1642,7 +1902,9 @@
       <p:sp>
         <p:nvSpPr>
           <p:cNvPr id="14" name="Google Shape;14;p3"/>
-          <p:cNvSpPr txBox="1"/>
+          <p:cNvSpPr txBox="1">
+            <a:spLocks noGrp="1"/>
+          </p:cNvSpPr>
           <p:nvPr>
             <p:ph type="title"/>
           </p:nvPr>
@@ -1657,11 +1919,11 @@
           </a:prstGeom>
         </p:spPr>
         <p:txBody>
-          <a:bodyPr anchorCtr="0" anchor="ctr" bIns="91425" lIns="91425" spcFirstLastPara="1" rIns="91425" wrap="square" tIns="91425">
+          <a:bodyPr spcFirstLastPara="1" wrap="square" lIns="91425" tIns="91425" rIns="91425" bIns="91425" anchor="ctr" anchorCtr="0">
             <a:normAutofit/>
           </a:bodyPr>
           <a:lstStyle>
-            <a:lvl1pPr lvl="0" rtl="0" algn="ctr">
+            <a:lvl1pPr lvl="0" algn="ctr" rtl="0">
               <a:spcBef>
                 <a:spcPts val="0"/>
               </a:spcBef>
@@ -1672,7 +1934,7 @@
               <a:buNone/>
               <a:defRPr sz="3600"/>
             </a:lvl1pPr>
-            <a:lvl2pPr lvl="1" rtl="0" algn="ctr">
+            <a:lvl2pPr lvl="1" algn="ctr" rtl="0">
               <a:spcBef>
                 <a:spcPts val="0"/>
               </a:spcBef>
@@ -1683,7 +1945,7 @@
               <a:buNone/>
               <a:defRPr sz="3600"/>
             </a:lvl2pPr>
-            <a:lvl3pPr lvl="2" rtl="0" algn="ctr">
+            <a:lvl3pPr lvl="2" algn="ctr" rtl="0">
               <a:spcBef>
                 <a:spcPts val="0"/>
               </a:spcBef>
@@ -1694,7 +1956,7 @@
               <a:buNone/>
               <a:defRPr sz="3600"/>
             </a:lvl3pPr>
-            <a:lvl4pPr lvl="3" rtl="0" algn="ctr">
+            <a:lvl4pPr lvl="3" algn="ctr" rtl="0">
               <a:spcBef>
                 <a:spcPts val="0"/>
               </a:spcBef>
@@ -1705,7 +1967,7 @@
               <a:buNone/>
               <a:defRPr sz="3600"/>
             </a:lvl4pPr>
-            <a:lvl5pPr lvl="4" rtl="0" algn="ctr">
+            <a:lvl5pPr lvl="4" algn="ctr" rtl="0">
               <a:spcBef>
                 <a:spcPts val="0"/>
               </a:spcBef>
@@ -1716,7 +1978,7 @@
               <a:buNone/>
               <a:defRPr sz="3600"/>
             </a:lvl5pPr>
-            <a:lvl6pPr lvl="5" rtl="0" algn="ctr">
+            <a:lvl6pPr lvl="5" algn="ctr" rtl="0">
               <a:spcBef>
                 <a:spcPts val="0"/>
               </a:spcBef>
@@ -1727,7 +1989,7 @@
               <a:buNone/>
               <a:defRPr sz="3600"/>
             </a:lvl6pPr>
-            <a:lvl7pPr lvl="6" rtl="0" algn="ctr">
+            <a:lvl7pPr lvl="6" algn="ctr" rtl="0">
               <a:spcBef>
                 <a:spcPts val="0"/>
               </a:spcBef>
@@ -1738,7 +2000,7 @@
               <a:buNone/>
               <a:defRPr sz="3600"/>
             </a:lvl7pPr>
-            <a:lvl8pPr lvl="7" rtl="0" algn="ctr">
+            <a:lvl8pPr lvl="7" algn="ctr" rtl="0">
               <a:spcBef>
                 <a:spcPts val="0"/>
               </a:spcBef>
@@ -1749,7 +2011,7 @@
               <a:buNone/>
               <a:defRPr sz="3600"/>
             </a:lvl8pPr>
-            <a:lvl9pPr lvl="8" rtl="0" algn="ctr">
+            <a:lvl9pPr lvl="8" algn="ctr" rtl="0">
               <a:spcBef>
                 <a:spcPts val="0"/>
               </a:spcBef>
@@ -1761,15 +2023,19 @@
               <a:defRPr sz="3600"/>
             </a:lvl9pPr>
           </a:lstStyle>
-          <a:p/>
+          <a:p>
+            <a:endParaRPr/>
+          </a:p>
         </p:txBody>
       </p:sp>
       <p:sp>
         <p:nvSpPr>
           <p:cNvPr id="15" name="Google Shape;15;p3"/>
-          <p:cNvSpPr txBox="1"/>
+          <p:cNvSpPr txBox="1">
+            <a:spLocks noGrp="1"/>
+          </p:cNvSpPr>
           <p:nvPr>
-            <p:ph idx="12" type="sldNum"/>
+            <p:ph type="sldNum" idx="12"/>
           </p:nvPr>
         </p:nvSpPr>
         <p:spPr>
@@ -1782,7 +2048,7 @@
           </a:prstGeom>
         </p:spPr>
         <p:txBody>
-          <a:bodyPr anchorCtr="0" anchor="ctr" bIns="91425" lIns="91425" spcFirstLastPara="1" rIns="91425" wrap="square" tIns="91425">
+          <a:bodyPr spcFirstLastPara="1" wrap="square" lIns="91425" tIns="91425" rIns="91425" bIns="91425" anchor="ctr" anchorCtr="0">
             <a:normAutofit/>
           </a:bodyPr>
           <a:lstStyle>
@@ -1824,7 +2090,7 @@
             </a:lvl9pPr>
           </a:lstStyle>
           <a:p>
-            <a:pPr indent="0" lvl="0" marL="0" rtl="0" algn="r">
+            <a:pPr marL="0" lvl="0" indent="0" algn="r" rtl="0">
               <a:spcBef>
                 <a:spcPts val="0"/>
               </a:spcBef>
@@ -1850,11 +2116,11 @@
 </file>
 
 <file path=ppt/slideLayouts/slideLayout3.xml><?xml version="1.0" encoding="utf-8"?>
-<p:sldLayout xmlns:a="http://schemas.openxmlformats.org/drawingml/2006/main" xmlns:r="http://schemas.openxmlformats.org/officeDocument/2006/relationships" xmlns:mc="http://schemas.openxmlformats.org/markup-compatibility/2006" xmlns:mv="urn:schemas-microsoft-com:mac:vml" xmlns:p="http://schemas.openxmlformats.org/presentationml/2006/main" xmlns:c="http://schemas.openxmlformats.org/drawingml/2006/chart" xmlns:dgm="http://schemas.openxmlformats.org/drawingml/2006/diagram" xmlns:o="urn:schemas-microsoft-com:office:office" xmlns:v="urn:schemas-microsoft-com:vml" xmlns:pvml="urn:schemas-microsoft-com:office:powerpoint" xmlns:com="http://schemas.openxmlformats.org/drawingml/2006/compatibility" xmlns:p14="http://schemas.microsoft.com/office/powerpoint/2010/main" xmlns:p15="http://schemas.microsoft.com/office/powerpoint/2012/main" xmlns:ahyp="http://schemas.microsoft.com/office/drawing/2018/hyperlinkcolor" matchingName="Title and body" type="tx">
+<p:sldLayout xmlns:a="http://schemas.openxmlformats.org/drawingml/2006/main" xmlns:r="http://schemas.openxmlformats.org/officeDocument/2006/relationships" xmlns:p="http://schemas.openxmlformats.org/presentationml/2006/main" matchingName="Title and body" type="tx">
   <p:cSld name="TITLE_AND_BODY">
     <p:spTree>
       <p:nvGrpSpPr>
-        <p:cNvPr id="16" name="Shape 16"/>
+        <p:cNvPr id="1" name="Shape 16"/>
         <p:cNvGrpSpPr/>
         <p:nvPr/>
       </p:nvGrpSpPr>
@@ -1869,7 +2135,9 @@
       <p:sp>
         <p:nvSpPr>
           <p:cNvPr id="17" name="Google Shape;17;p4"/>
-          <p:cNvSpPr txBox="1"/>
+          <p:cNvSpPr txBox="1">
+            <a:spLocks noGrp="1"/>
+          </p:cNvSpPr>
           <p:nvPr>
             <p:ph type="title"/>
           </p:nvPr>
@@ -1884,7 +2152,7 @@
           </a:prstGeom>
         </p:spPr>
         <p:txBody>
-          <a:bodyPr anchorCtr="0" anchor="t" bIns="91425" lIns="91425" spcFirstLastPara="1" rIns="91425" wrap="square" tIns="91425">
+          <a:bodyPr spcFirstLastPara="1" wrap="square" lIns="91425" tIns="91425" rIns="91425" bIns="91425" anchor="t" anchorCtr="0">
             <a:normAutofit/>
           </a:bodyPr>
           <a:lstStyle>
@@ -1988,15 +2256,19 @@
               <a:defRPr/>
             </a:lvl9pPr>
           </a:lstStyle>
-          <a:p/>
+          <a:p>
+            <a:endParaRPr/>
+          </a:p>
         </p:txBody>
       </p:sp>
       <p:sp>
         <p:nvSpPr>
           <p:cNvPr id="18" name="Google Shape;18;p4"/>
-          <p:cNvSpPr txBox="1"/>
+          <p:cNvSpPr txBox="1">
+            <a:spLocks noGrp="1"/>
+          </p:cNvSpPr>
           <p:nvPr>
-            <p:ph idx="1" type="body"/>
+            <p:ph type="body" idx="1"/>
           </p:nvPr>
         </p:nvSpPr>
         <p:spPr>
@@ -2009,11 +2281,11 @@
           </a:prstGeom>
         </p:spPr>
         <p:txBody>
-          <a:bodyPr anchorCtr="0" anchor="t" bIns="91425" lIns="91425" spcFirstLastPara="1" rIns="91425" wrap="square" tIns="91425">
+          <a:bodyPr spcFirstLastPara="1" wrap="square" lIns="91425" tIns="91425" rIns="91425" bIns="91425" anchor="t" anchorCtr="0">
             <a:normAutofit/>
           </a:bodyPr>
           <a:lstStyle>
-            <a:lvl1pPr indent="-342900" lvl="0" marL="457200" rtl="0">
+            <a:lvl1pPr marL="457200" lvl="0" indent="-342900" rtl="0">
               <a:spcBef>
                 <a:spcPts val="0"/>
               </a:spcBef>
@@ -2024,7 +2296,7 @@
               <a:buChar char="●"/>
               <a:defRPr/>
             </a:lvl1pPr>
-            <a:lvl2pPr indent="-317500" lvl="1" marL="914400" rtl="0">
+            <a:lvl2pPr marL="914400" lvl="1" indent="-317500" rtl="0">
               <a:spcBef>
                 <a:spcPts val="0"/>
               </a:spcBef>
@@ -2035,7 +2307,7 @@
               <a:buChar char="○"/>
               <a:defRPr/>
             </a:lvl2pPr>
-            <a:lvl3pPr indent="-317500" lvl="2" marL="1371600" rtl="0">
+            <a:lvl3pPr marL="1371600" lvl="2" indent="-317500" rtl="0">
               <a:spcBef>
                 <a:spcPts val="0"/>
               </a:spcBef>
@@ -2046,7 +2318,7 @@
               <a:buChar char="■"/>
               <a:defRPr/>
             </a:lvl3pPr>
-            <a:lvl4pPr indent="-317500" lvl="3" marL="1828800" rtl="0">
+            <a:lvl4pPr marL="1828800" lvl="3" indent="-317500" rtl="0">
               <a:spcBef>
                 <a:spcPts val="0"/>
               </a:spcBef>
@@ -2057,7 +2329,7 @@
               <a:buChar char="●"/>
               <a:defRPr/>
             </a:lvl4pPr>
-            <a:lvl5pPr indent="-317500" lvl="4" marL="2286000" rtl="0">
+            <a:lvl5pPr marL="2286000" lvl="4" indent="-317500" rtl="0">
               <a:spcBef>
                 <a:spcPts val="0"/>
               </a:spcBef>
@@ -2068,7 +2340,7 @@
               <a:buChar char="○"/>
               <a:defRPr/>
             </a:lvl5pPr>
-            <a:lvl6pPr indent="-317500" lvl="5" marL="2743200" rtl="0">
+            <a:lvl6pPr marL="2743200" lvl="5" indent="-317500" rtl="0">
               <a:spcBef>
                 <a:spcPts val="0"/>
               </a:spcBef>
@@ -2079,7 +2351,7 @@
               <a:buChar char="■"/>
               <a:defRPr/>
             </a:lvl6pPr>
-            <a:lvl7pPr indent="-317500" lvl="6" marL="3200400" rtl="0">
+            <a:lvl7pPr marL="3200400" lvl="6" indent="-317500" rtl="0">
               <a:spcBef>
                 <a:spcPts val="0"/>
               </a:spcBef>
@@ -2090,7 +2362,7 @@
               <a:buChar char="●"/>
               <a:defRPr/>
             </a:lvl7pPr>
-            <a:lvl8pPr indent="-317500" lvl="7" marL="3657600" rtl="0">
+            <a:lvl8pPr marL="3657600" lvl="7" indent="-317500" rtl="0">
               <a:spcBef>
                 <a:spcPts val="0"/>
               </a:spcBef>
@@ -2101,7 +2373,7 @@
               <a:buChar char="○"/>
               <a:defRPr/>
             </a:lvl8pPr>
-            <a:lvl9pPr indent="-317500" lvl="8" marL="4114800" rtl="0">
+            <a:lvl9pPr marL="4114800" lvl="8" indent="-317500" rtl="0">
               <a:spcBef>
                 <a:spcPts val="0"/>
               </a:spcBef>
@@ -2113,15 +2385,19 @@
               <a:defRPr/>
             </a:lvl9pPr>
           </a:lstStyle>
-          <a:p/>
+          <a:p>
+            <a:endParaRPr/>
+          </a:p>
         </p:txBody>
       </p:sp>
       <p:sp>
         <p:nvSpPr>
           <p:cNvPr id="19" name="Google Shape;19;p4"/>
-          <p:cNvSpPr txBox="1"/>
+          <p:cNvSpPr txBox="1">
+            <a:spLocks noGrp="1"/>
+          </p:cNvSpPr>
           <p:nvPr>
-            <p:ph idx="12" type="sldNum"/>
+            <p:ph type="sldNum" idx="12"/>
           </p:nvPr>
         </p:nvSpPr>
         <p:spPr>
@@ -2134,7 +2410,7 @@
           </a:prstGeom>
         </p:spPr>
         <p:txBody>
-          <a:bodyPr anchorCtr="0" anchor="ctr" bIns="91425" lIns="91425" spcFirstLastPara="1" rIns="91425" wrap="square" tIns="91425">
+          <a:bodyPr spcFirstLastPara="1" wrap="square" lIns="91425" tIns="91425" rIns="91425" bIns="91425" anchor="ctr" anchorCtr="0">
             <a:normAutofit/>
           </a:bodyPr>
           <a:lstStyle>
@@ -2176,7 +2452,7 @@
             </a:lvl9pPr>
           </a:lstStyle>
           <a:p>
-            <a:pPr indent="0" lvl="0" marL="0" rtl="0" algn="r">
+            <a:pPr marL="0" lvl="0" indent="0" algn="r" rtl="0">
               <a:spcBef>
                 <a:spcPts val="0"/>
               </a:spcBef>
@@ -2202,11 +2478,11 @@
 </file>
 
 <file path=ppt/slideLayouts/slideLayout4.xml><?xml version="1.0" encoding="utf-8"?>
-<p:sldLayout xmlns:a="http://schemas.openxmlformats.org/drawingml/2006/main" xmlns:r="http://schemas.openxmlformats.org/officeDocument/2006/relationships" xmlns:mc="http://schemas.openxmlformats.org/markup-compatibility/2006" xmlns:mv="urn:schemas-microsoft-com:mac:vml" xmlns:p="http://schemas.openxmlformats.org/presentationml/2006/main" xmlns:c="http://schemas.openxmlformats.org/drawingml/2006/chart" xmlns:dgm="http://schemas.openxmlformats.org/drawingml/2006/diagram" xmlns:o="urn:schemas-microsoft-com:office:office" xmlns:v="urn:schemas-microsoft-com:vml" xmlns:pvml="urn:schemas-microsoft-com:office:powerpoint" xmlns:com="http://schemas.openxmlformats.org/drawingml/2006/compatibility" xmlns:p14="http://schemas.microsoft.com/office/powerpoint/2010/main" xmlns:p15="http://schemas.microsoft.com/office/powerpoint/2012/main" xmlns:ahyp="http://schemas.microsoft.com/office/drawing/2018/hyperlinkcolor" matchingName="Title and two columns" type="twoColTx">
+<p:sldLayout xmlns:a="http://schemas.openxmlformats.org/drawingml/2006/main" xmlns:r="http://schemas.openxmlformats.org/officeDocument/2006/relationships" xmlns:p="http://schemas.openxmlformats.org/presentationml/2006/main" matchingName="Title and two columns" type="twoColTx">
   <p:cSld name="TITLE_AND_TWO_COLUMNS">
     <p:spTree>
       <p:nvGrpSpPr>
-        <p:cNvPr id="20" name="Shape 20"/>
+        <p:cNvPr id="1" name="Shape 20"/>
         <p:cNvGrpSpPr/>
         <p:nvPr/>
       </p:nvGrpSpPr>
@@ -2221,7 +2497,9 @@
       <p:sp>
         <p:nvSpPr>
           <p:cNvPr id="21" name="Google Shape;21;p5"/>
-          <p:cNvSpPr txBox="1"/>
+          <p:cNvSpPr txBox="1">
+            <a:spLocks noGrp="1"/>
+          </p:cNvSpPr>
           <p:nvPr>
             <p:ph type="title"/>
           </p:nvPr>
@@ -2236,7 +2514,7 @@
           </a:prstGeom>
         </p:spPr>
         <p:txBody>
-          <a:bodyPr anchorCtr="0" anchor="t" bIns="91425" lIns="91425" spcFirstLastPara="1" rIns="91425" wrap="square" tIns="91425">
+          <a:bodyPr spcFirstLastPara="1" wrap="square" lIns="91425" tIns="91425" rIns="91425" bIns="91425" anchor="t" anchorCtr="0">
             <a:normAutofit/>
           </a:bodyPr>
           <a:lstStyle>
@@ -2340,15 +2618,19 @@
               <a:defRPr/>
             </a:lvl9pPr>
           </a:lstStyle>
-          <a:p/>
+          <a:p>
+            <a:endParaRPr/>
+          </a:p>
         </p:txBody>
       </p:sp>
       <p:sp>
         <p:nvSpPr>
           <p:cNvPr id="22" name="Google Shape;22;p5"/>
-          <p:cNvSpPr txBox="1"/>
+          <p:cNvSpPr txBox="1">
+            <a:spLocks noGrp="1"/>
+          </p:cNvSpPr>
           <p:nvPr>
-            <p:ph idx="1" type="body"/>
+            <p:ph type="body" idx="1"/>
           </p:nvPr>
         </p:nvSpPr>
         <p:spPr>
@@ -2361,11 +2643,11 @@
           </a:prstGeom>
         </p:spPr>
         <p:txBody>
-          <a:bodyPr anchorCtr="0" anchor="t" bIns="91425" lIns="91425" spcFirstLastPara="1" rIns="91425" wrap="square" tIns="91425">
+          <a:bodyPr spcFirstLastPara="1" wrap="square" lIns="91425" tIns="91425" rIns="91425" bIns="91425" anchor="t" anchorCtr="0">
             <a:normAutofit/>
           </a:bodyPr>
           <a:lstStyle>
-            <a:lvl1pPr indent="-317500" lvl="0" marL="457200" rtl="0">
+            <a:lvl1pPr marL="457200" lvl="0" indent="-317500" rtl="0">
               <a:spcBef>
                 <a:spcPts val="0"/>
               </a:spcBef>
@@ -2376,7 +2658,7 @@
               <a:buChar char="●"/>
               <a:defRPr sz="1400"/>
             </a:lvl1pPr>
-            <a:lvl2pPr indent="-304800" lvl="1" marL="914400" rtl="0">
+            <a:lvl2pPr marL="914400" lvl="1" indent="-304800" rtl="0">
               <a:spcBef>
                 <a:spcPts val="0"/>
               </a:spcBef>
@@ -2387,7 +2669,7 @@
               <a:buChar char="○"/>
               <a:defRPr sz="1200"/>
             </a:lvl2pPr>
-            <a:lvl3pPr indent="-304800" lvl="2" marL="1371600" rtl="0">
+            <a:lvl3pPr marL="1371600" lvl="2" indent="-304800" rtl="0">
               <a:spcBef>
                 <a:spcPts val="0"/>
               </a:spcBef>
@@ -2398,7 +2680,7 @@
               <a:buChar char="■"/>
               <a:defRPr sz="1200"/>
             </a:lvl3pPr>
-            <a:lvl4pPr indent="-304800" lvl="3" marL="1828800" rtl="0">
+            <a:lvl4pPr marL="1828800" lvl="3" indent="-304800" rtl="0">
               <a:spcBef>
                 <a:spcPts val="0"/>
               </a:spcBef>
@@ -2409,7 +2691,7 @@
               <a:buChar char="●"/>
               <a:defRPr sz="1200"/>
             </a:lvl4pPr>
-            <a:lvl5pPr indent="-304800" lvl="4" marL="2286000" rtl="0">
+            <a:lvl5pPr marL="2286000" lvl="4" indent="-304800" rtl="0">
               <a:spcBef>
                 <a:spcPts val="0"/>
               </a:spcBef>
@@ -2420,7 +2702,7 @@
               <a:buChar char="○"/>
               <a:defRPr sz="1200"/>
             </a:lvl5pPr>
-            <a:lvl6pPr indent="-304800" lvl="5" marL="2743200" rtl="0">
+            <a:lvl6pPr marL="2743200" lvl="5" indent="-304800" rtl="0">
               <a:spcBef>
                 <a:spcPts val="0"/>
               </a:spcBef>
@@ -2431,7 +2713,7 @@
               <a:buChar char="■"/>
               <a:defRPr sz="1200"/>
             </a:lvl6pPr>
-            <a:lvl7pPr indent="-304800" lvl="6" marL="3200400" rtl="0">
+            <a:lvl7pPr marL="3200400" lvl="6" indent="-304800" rtl="0">
               <a:spcBef>
                 <a:spcPts val="0"/>
               </a:spcBef>
@@ -2442,7 +2724,7 @@
               <a:buChar char="●"/>
               <a:defRPr sz="1200"/>
             </a:lvl7pPr>
-            <a:lvl8pPr indent="-304800" lvl="7" marL="3657600" rtl="0">
+            <a:lvl8pPr marL="3657600" lvl="7" indent="-304800" rtl="0">
               <a:spcBef>
                 <a:spcPts val="0"/>
               </a:spcBef>
@@ -2453,7 +2735,7 @@
               <a:buChar char="○"/>
               <a:defRPr sz="1200"/>
             </a:lvl8pPr>
-            <a:lvl9pPr indent="-304800" lvl="8" marL="4114800" rtl="0">
+            <a:lvl9pPr marL="4114800" lvl="8" indent="-304800" rtl="0">
               <a:spcBef>
                 <a:spcPts val="0"/>
               </a:spcBef>
@@ -2465,15 +2747,19 @@
               <a:defRPr sz="1200"/>
             </a:lvl9pPr>
           </a:lstStyle>
-          <a:p/>
+          <a:p>
+            <a:endParaRPr/>
+          </a:p>
         </p:txBody>
       </p:sp>
       <p:sp>
         <p:nvSpPr>
           <p:cNvPr id="23" name="Google Shape;23;p5"/>
-          <p:cNvSpPr txBox="1"/>
+          <p:cNvSpPr txBox="1">
+            <a:spLocks noGrp="1"/>
+          </p:cNvSpPr>
           <p:nvPr>
-            <p:ph idx="2" type="body"/>
+            <p:ph type="body" idx="2"/>
           </p:nvPr>
         </p:nvSpPr>
         <p:spPr>
@@ -2486,11 +2772,11 @@
           </a:prstGeom>
         </p:spPr>
         <p:txBody>
-          <a:bodyPr anchorCtr="0" anchor="t" bIns="91425" lIns="91425" spcFirstLastPara="1" rIns="91425" wrap="square" tIns="91425">
+          <a:bodyPr spcFirstLastPara="1" wrap="square" lIns="91425" tIns="91425" rIns="91425" bIns="91425" anchor="t" anchorCtr="0">
             <a:normAutofit/>
           </a:bodyPr>
           <a:lstStyle>
-            <a:lvl1pPr indent="-317500" lvl="0" marL="457200" rtl="0">
+            <a:lvl1pPr marL="457200" lvl="0" indent="-317500" rtl="0">
               <a:spcBef>
                 <a:spcPts val="0"/>
               </a:spcBef>
@@ -2501,7 +2787,7 @@
               <a:buChar char="●"/>
               <a:defRPr sz="1400"/>
             </a:lvl1pPr>
-            <a:lvl2pPr indent="-304800" lvl="1" marL="914400" rtl="0">
+            <a:lvl2pPr marL="914400" lvl="1" indent="-304800" rtl="0">
               <a:spcBef>
                 <a:spcPts val="0"/>
               </a:spcBef>
@@ -2512,7 +2798,7 @@
               <a:buChar char="○"/>
               <a:defRPr sz="1200"/>
             </a:lvl2pPr>
-            <a:lvl3pPr indent="-304800" lvl="2" marL="1371600" rtl="0">
+            <a:lvl3pPr marL="1371600" lvl="2" indent="-304800" rtl="0">
               <a:spcBef>
                 <a:spcPts val="0"/>
               </a:spcBef>
@@ -2523,7 +2809,7 @@
               <a:buChar char="■"/>
               <a:defRPr sz="1200"/>
             </a:lvl3pPr>
-            <a:lvl4pPr indent="-304800" lvl="3" marL="1828800" rtl="0">
+            <a:lvl4pPr marL="1828800" lvl="3" indent="-304800" rtl="0">
               <a:spcBef>
                 <a:spcPts val="0"/>
               </a:spcBef>
@@ -2534,7 +2820,7 @@
               <a:buChar char="●"/>
               <a:defRPr sz="1200"/>
             </a:lvl4pPr>
-            <a:lvl5pPr indent="-304800" lvl="4" marL="2286000" rtl="0">
+            <a:lvl5pPr marL="2286000" lvl="4" indent="-304800" rtl="0">
               <a:spcBef>
                 <a:spcPts val="0"/>
               </a:spcBef>
@@ -2545,7 +2831,7 @@
               <a:buChar char="○"/>
               <a:defRPr sz="1200"/>
             </a:lvl5pPr>
-            <a:lvl6pPr indent="-304800" lvl="5" marL="2743200" rtl="0">
+            <a:lvl6pPr marL="2743200" lvl="5" indent="-304800" rtl="0">
               <a:spcBef>
                 <a:spcPts val="0"/>
               </a:spcBef>
@@ -2556,7 +2842,7 @@
               <a:buChar char="■"/>
               <a:defRPr sz="1200"/>
             </a:lvl6pPr>
-            <a:lvl7pPr indent="-304800" lvl="6" marL="3200400" rtl="0">
+            <a:lvl7pPr marL="3200400" lvl="6" indent="-304800" rtl="0">
               <a:spcBef>
                 <a:spcPts val="0"/>
               </a:spcBef>
@@ -2567,7 +2853,7 @@
               <a:buChar char="●"/>
               <a:defRPr sz="1200"/>
             </a:lvl7pPr>
-            <a:lvl8pPr indent="-304800" lvl="7" marL="3657600" rtl="0">
+            <a:lvl8pPr marL="3657600" lvl="7" indent="-304800" rtl="0">
               <a:spcBef>
                 <a:spcPts val="0"/>
               </a:spcBef>
@@ -2578,7 +2864,7 @@
               <a:buChar char="○"/>
               <a:defRPr sz="1200"/>
             </a:lvl8pPr>
-            <a:lvl9pPr indent="-304800" lvl="8" marL="4114800" rtl="0">
+            <a:lvl9pPr marL="4114800" lvl="8" indent="-304800" rtl="0">
               <a:spcBef>
                 <a:spcPts val="0"/>
               </a:spcBef>
@@ -2590,15 +2876,19 @@
               <a:defRPr sz="1200"/>
             </a:lvl9pPr>
           </a:lstStyle>
-          <a:p/>
+          <a:p>
+            <a:endParaRPr/>
+          </a:p>
         </p:txBody>
       </p:sp>
       <p:sp>
         <p:nvSpPr>
           <p:cNvPr id="24" name="Google Shape;24;p5"/>
-          <p:cNvSpPr txBox="1"/>
+          <p:cNvSpPr txBox="1">
+            <a:spLocks noGrp="1"/>
+          </p:cNvSpPr>
           <p:nvPr>
-            <p:ph idx="12" type="sldNum"/>
+            <p:ph type="sldNum" idx="12"/>
           </p:nvPr>
         </p:nvSpPr>
         <p:spPr>
@@ -2611,7 +2901,7 @@
           </a:prstGeom>
         </p:spPr>
         <p:txBody>
-          <a:bodyPr anchorCtr="0" anchor="ctr" bIns="91425" lIns="91425" spcFirstLastPara="1" rIns="91425" wrap="square" tIns="91425">
+          <a:bodyPr spcFirstLastPara="1" wrap="square" lIns="91425" tIns="91425" rIns="91425" bIns="91425" anchor="ctr" anchorCtr="0">
             <a:normAutofit/>
           </a:bodyPr>
           <a:lstStyle>
@@ -2653,7 +2943,7 @@
             </a:lvl9pPr>
           </a:lstStyle>
           <a:p>
-            <a:pPr indent="0" lvl="0" marL="0" rtl="0" algn="r">
+            <a:pPr marL="0" lvl="0" indent="0" algn="r" rtl="0">
               <a:spcBef>
                 <a:spcPts val="0"/>
               </a:spcBef>
@@ -2679,11 +2969,11 @@
 </file>
 
 <file path=ppt/slideLayouts/slideLayout5.xml><?xml version="1.0" encoding="utf-8"?>
-<p:sldLayout xmlns:a="http://schemas.openxmlformats.org/drawingml/2006/main" xmlns:r="http://schemas.openxmlformats.org/officeDocument/2006/relationships" xmlns:mc="http://schemas.openxmlformats.org/markup-compatibility/2006" xmlns:mv="urn:schemas-microsoft-com:mac:vml" xmlns:p="http://schemas.openxmlformats.org/presentationml/2006/main" xmlns:c="http://schemas.openxmlformats.org/drawingml/2006/chart" xmlns:dgm="http://schemas.openxmlformats.org/drawingml/2006/diagram" xmlns:o="urn:schemas-microsoft-com:office:office" xmlns:v="urn:schemas-microsoft-com:vml" xmlns:pvml="urn:schemas-microsoft-com:office:powerpoint" xmlns:com="http://schemas.openxmlformats.org/drawingml/2006/compatibility" xmlns:p14="http://schemas.microsoft.com/office/powerpoint/2010/main" xmlns:p15="http://schemas.microsoft.com/office/powerpoint/2012/main" xmlns:ahyp="http://schemas.microsoft.com/office/drawing/2018/hyperlinkcolor" matchingName="Title only" type="titleOnly">
+<p:sldLayout xmlns:a="http://schemas.openxmlformats.org/drawingml/2006/main" xmlns:r="http://schemas.openxmlformats.org/officeDocument/2006/relationships" xmlns:p="http://schemas.openxmlformats.org/presentationml/2006/main" matchingName="Title only" type="titleOnly">
   <p:cSld name="TITLE_ONLY">
     <p:spTree>
       <p:nvGrpSpPr>
-        <p:cNvPr id="25" name="Shape 25"/>
+        <p:cNvPr id="1" name="Shape 25"/>
         <p:cNvGrpSpPr/>
         <p:nvPr/>
       </p:nvGrpSpPr>
@@ -2698,7 +2988,9 @@
       <p:sp>
         <p:nvSpPr>
           <p:cNvPr id="26" name="Google Shape;26;p6"/>
-          <p:cNvSpPr txBox="1"/>
+          <p:cNvSpPr txBox="1">
+            <a:spLocks noGrp="1"/>
+          </p:cNvSpPr>
           <p:nvPr>
             <p:ph type="title"/>
           </p:nvPr>
@@ -2713,7 +3005,7 @@
           </a:prstGeom>
         </p:spPr>
         <p:txBody>
-          <a:bodyPr anchorCtr="0" anchor="t" bIns="91425" lIns="91425" spcFirstLastPara="1" rIns="91425" wrap="square" tIns="91425">
+          <a:bodyPr spcFirstLastPara="1" wrap="square" lIns="91425" tIns="91425" rIns="91425" bIns="91425" anchor="t" anchorCtr="0">
             <a:normAutofit/>
           </a:bodyPr>
           <a:lstStyle>
@@ -2817,15 +3109,19 @@
               <a:defRPr/>
             </a:lvl9pPr>
           </a:lstStyle>
-          <a:p/>
+          <a:p>
+            <a:endParaRPr/>
+          </a:p>
         </p:txBody>
       </p:sp>
       <p:sp>
         <p:nvSpPr>
           <p:cNvPr id="27" name="Google Shape;27;p6"/>
-          <p:cNvSpPr txBox="1"/>
+          <p:cNvSpPr txBox="1">
+            <a:spLocks noGrp="1"/>
+          </p:cNvSpPr>
           <p:nvPr>
-            <p:ph idx="12" type="sldNum"/>
+            <p:ph type="sldNum" idx="12"/>
           </p:nvPr>
         </p:nvSpPr>
         <p:spPr>
@@ -2838,7 +3134,7 @@
           </a:prstGeom>
         </p:spPr>
         <p:txBody>
-          <a:bodyPr anchorCtr="0" anchor="ctr" bIns="91425" lIns="91425" spcFirstLastPara="1" rIns="91425" wrap="square" tIns="91425">
+          <a:bodyPr spcFirstLastPara="1" wrap="square" lIns="91425" tIns="91425" rIns="91425" bIns="91425" anchor="ctr" anchorCtr="0">
             <a:normAutofit/>
           </a:bodyPr>
           <a:lstStyle>
@@ -2880,7 +3176,7 @@
             </a:lvl9pPr>
           </a:lstStyle>
           <a:p>
-            <a:pPr indent="0" lvl="0" marL="0" rtl="0" algn="r">
+            <a:pPr marL="0" lvl="0" indent="0" algn="r" rtl="0">
               <a:spcBef>
                 <a:spcPts val="0"/>
               </a:spcBef>
@@ -2906,11 +3202,11 @@
 </file>
 
 <file path=ppt/slideLayouts/slideLayout6.xml><?xml version="1.0" encoding="utf-8"?>
-<p:sldLayout xmlns:a="http://schemas.openxmlformats.org/drawingml/2006/main" xmlns:r="http://schemas.openxmlformats.org/officeDocument/2006/relationships" xmlns:mc="http://schemas.openxmlformats.org/markup-compatibility/2006" xmlns:mv="urn:schemas-microsoft-com:mac:vml" xmlns:p="http://schemas.openxmlformats.org/presentationml/2006/main" xmlns:c="http://schemas.openxmlformats.org/drawingml/2006/chart" xmlns:dgm="http://schemas.openxmlformats.org/drawingml/2006/diagram" xmlns:o="urn:schemas-microsoft-com:office:office" xmlns:v="urn:schemas-microsoft-com:vml" xmlns:pvml="urn:schemas-microsoft-com:office:powerpoint" xmlns:com="http://schemas.openxmlformats.org/drawingml/2006/compatibility" xmlns:p14="http://schemas.microsoft.com/office/powerpoint/2010/main" xmlns:p15="http://schemas.microsoft.com/office/powerpoint/2012/main" xmlns:ahyp="http://schemas.microsoft.com/office/drawing/2018/hyperlinkcolor" matchingName="One column text">
+<p:sldLayout xmlns:a="http://schemas.openxmlformats.org/drawingml/2006/main" xmlns:r="http://schemas.openxmlformats.org/officeDocument/2006/relationships" xmlns:p="http://schemas.openxmlformats.org/presentationml/2006/main" matchingName="One column text">
   <p:cSld name="ONE_COLUMN_TEXT">
     <p:spTree>
       <p:nvGrpSpPr>
-        <p:cNvPr id="28" name="Shape 28"/>
+        <p:cNvPr id="1" name="Shape 28"/>
         <p:cNvGrpSpPr/>
         <p:nvPr/>
       </p:nvGrpSpPr>
@@ -2925,7 +3221,9 @@
       <p:sp>
         <p:nvSpPr>
           <p:cNvPr id="29" name="Google Shape;29;p7"/>
-          <p:cNvSpPr txBox="1"/>
+          <p:cNvSpPr txBox="1">
+            <a:spLocks noGrp="1"/>
+          </p:cNvSpPr>
           <p:nvPr>
             <p:ph type="title"/>
           </p:nvPr>
@@ -2940,7 +3238,7 @@
           </a:prstGeom>
         </p:spPr>
         <p:txBody>
-          <a:bodyPr anchorCtr="0" anchor="b" bIns="91425" lIns="91425" spcFirstLastPara="1" rIns="91425" wrap="square" tIns="91425">
+          <a:bodyPr spcFirstLastPara="1" wrap="square" lIns="91425" tIns="91425" rIns="91425" bIns="91425" anchor="b" anchorCtr="0">
             <a:normAutofit/>
           </a:bodyPr>
           <a:lstStyle>
@@ -3044,15 +3342,19 @@
               <a:defRPr sz="2400"/>
             </a:lvl9pPr>
           </a:lstStyle>
-          <a:p/>
+          <a:p>
+            <a:endParaRPr/>
+          </a:p>
         </p:txBody>
       </p:sp>
       <p:sp>
         <p:nvSpPr>
           <p:cNvPr id="30" name="Google Shape;30;p7"/>
-          <p:cNvSpPr txBox="1"/>
+          <p:cNvSpPr txBox="1">
+            <a:spLocks noGrp="1"/>
+          </p:cNvSpPr>
           <p:nvPr>
-            <p:ph idx="1" type="body"/>
+            <p:ph type="body" idx="1"/>
           </p:nvPr>
         </p:nvSpPr>
         <p:spPr>
@@ -3065,11 +3367,11 @@
           </a:prstGeom>
         </p:spPr>
         <p:txBody>
-          <a:bodyPr anchorCtr="0" anchor="t" bIns="91425" lIns="91425" spcFirstLastPara="1" rIns="91425" wrap="square" tIns="91425">
+          <a:bodyPr spcFirstLastPara="1" wrap="square" lIns="91425" tIns="91425" rIns="91425" bIns="91425" anchor="t" anchorCtr="0">
             <a:normAutofit/>
           </a:bodyPr>
           <a:lstStyle>
-            <a:lvl1pPr indent="-304800" lvl="0" marL="457200" rtl="0">
+            <a:lvl1pPr marL="457200" lvl="0" indent="-304800" rtl="0">
               <a:spcBef>
                 <a:spcPts val="0"/>
               </a:spcBef>
@@ -3080,7 +3382,7 @@
               <a:buChar char="●"/>
               <a:defRPr sz="1200"/>
             </a:lvl1pPr>
-            <a:lvl2pPr indent="-304800" lvl="1" marL="914400" rtl="0">
+            <a:lvl2pPr marL="914400" lvl="1" indent="-304800" rtl="0">
               <a:spcBef>
                 <a:spcPts val="0"/>
               </a:spcBef>
@@ -3091,7 +3393,7 @@
               <a:buChar char="○"/>
               <a:defRPr sz="1200"/>
             </a:lvl2pPr>
-            <a:lvl3pPr indent="-304800" lvl="2" marL="1371600" rtl="0">
+            <a:lvl3pPr marL="1371600" lvl="2" indent="-304800" rtl="0">
               <a:spcBef>
                 <a:spcPts val="0"/>
               </a:spcBef>
@@ -3102,7 +3404,7 @@
               <a:buChar char="■"/>
               <a:defRPr sz="1200"/>
             </a:lvl3pPr>
-            <a:lvl4pPr indent="-304800" lvl="3" marL="1828800" rtl="0">
+            <a:lvl4pPr marL="1828800" lvl="3" indent="-304800" rtl="0">
               <a:spcBef>
                 <a:spcPts val="0"/>
               </a:spcBef>
@@ -3113,7 +3415,7 @@
               <a:buChar char="●"/>
               <a:defRPr sz="1200"/>
             </a:lvl4pPr>
-            <a:lvl5pPr indent="-304800" lvl="4" marL="2286000" rtl="0">
+            <a:lvl5pPr marL="2286000" lvl="4" indent="-304800" rtl="0">
               <a:spcBef>
                 <a:spcPts val="0"/>
               </a:spcBef>
@@ -3124,7 +3426,7 @@
               <a:buChar char="○"/>
               <a:defRPr sz="1200"/>
             </a:lvl5pPr>
-            <a:lvl6pPr indent="-304800" lvl="5" marL="2743200" rtl="0">
+            <a:lvl6pPr marL="2743200" lvl="5" indent="-304800" rtl="0">
               <a:spcBef>
                 <a:spcPts val="0"/>
               </a:spcBef>
@@ -3135,7 +3437,7 @@
               <a:buChar char="■"/>
               <a:defRPr sz="1200"/>
             </a:lvl6pPr>
-            <a:lvl7pPr indent="-304800" lvl="6" marL="3200400" rtl="0">
+            <a:lvl7pPr marL="3200400" lvl="6" indent="-304800" rtl="0">
               <a:spcBef>
                 <a:spcPts val="0"/>
               </a:spcBef>
@@ -3146,7 +3448,7 @@
               <a:buChar char="●"/>
               <a:defRPr sz="1200"/>
             </a:lvl7pPr>
-            <a:lvl8pPr indent="-304800" lvl="7" marL="3657600" rtl="0">
+            <a:lvl8pPr marL="3657600" lvl="7" indent="-304800" rtl="0">
               <a:spcBef>
                 <a:spcPts val="0"/>
               </a:spcBef>
@@ -3157,7 +3459,7 @@
               <a:buChar char="○"/>
               <a:defRPr sz="1200"/>
             </a:lvl8pPr>
-            <a:lvl9pPr indent="-304800" lvl="8" marL="4114800" rtl="0">
+            <a:lvl9pPr marL="4114800" lvl="8" indent="-304800" rtl="0">
               <a:spcBef>
                 <a:spcPts val="0"/>
               </a:spcBef>
@@ -3169,15 +3471,19 @@
               <a:defRPr sz="1200"/>
             </a:lvl9pPr>
           </a:lstStyle>
-          <a:p/>
+          <a:p>
+            <a:endParaRPr/>
+          </a:p>
         </p:txBody>
       </p:sp>
       <p:sp>
         <p:nvSpPr>
           <p:cNvPr id="31" name="Google Shape;31;p7"/>
-          <p:cNvSpPr txBox="1"/>
+          <p:cNvSpPr txBox="1">
+            <a:spLocks noGrp="1"/>
+          </p:cNvSpPr>
           <p:nvPr>
-            <p:ph idx="12" type="sldNum"/>
+            <p:ph type="sldNum" idx="12"/>
           </p:nvPr>
         </p:nvSpPr>
         <p:spPr>
@@ -3190,7 +3496,7 @@
           </a:prstGeom>
         </p:spPr>
         <p:txBody>
-          <a:bodyPr anchorCtr="0" anchor="ctr" bIns="91425" lIns="91425" spcFirstLastPara="1" rIns="91425" wrap="square" tIns="91425">
+          <a:bodyPr spcFirstLastPara="1" wrap="square" lIns="91425" tIns="91425" rIns="91425" bIns="91425" anchor="ctr" anchorCtr="0">
             <a:normAutofit/>
           </a:bodyPr>
           <a:lstStyle>
@@ -3232,7 +3538,7 @@
             </a:lvl9pPr>
           </a:lstStyle>
           <a:p>
-            <a:pPr indent="0" lvl="0" marL="0" rtl="0" algn="r">
+            <a:pPr marL="0" lvl="0" indent="0" algn="r" rtl="0">
               <a:spcBef>
                 <a:spcPts val="0"/>
               </a:spcBef>
@@ -3258,11 +3564,11 @@
 </file>
 
 <file path=ppt/slideLayouts/slideLayout7.xml><?xml version="1.0" encoding="utf-8"?>
-<p:sldLayout xmlns:a="http://schemas.openxmlformats.org/drawingml/2006/main" xmlns:r="http://schemas.openxmlformats.org/officeDocument/2006/relationships" xmlns:mc="http://schemas.openxmlformats.org/markup-compatibility/2006" xmlns:mv="urn:schemas-microsoft-com:mac:vml" xmlns:p="http://schemas.openxmlformats.org/presentationml/2006/main" xmlns:c="http://schemas.openxmlformats.org/drawingml/2006/chart" xmlns:dgm="http://schemas.openxmlformats.org/drawingml/2006/diagram" xmlns:o="urn:schemas-microsoft-com:office:office" xmlns:v="urn:schemas-microsoft-com:vml" xmlns:pvml="urn:schemas-microsoft-com:office:powerpoint" xmlns:com="http://schemas.openxmlformats.org/drawingml/2006/compatibility" xmlns:p14="http://schemas.microsoft.com/office/powerpoint/2010/main" xmlns:p15="http://schemas.microsoft.com/office/powerpoint/2012/main" xmlns:ahyp="http://schemas.microsoft.com/office/drawing/2018/hyperlinkcolor" matchingName="Main point">
+<p:sldLayout xmlns:a="http://schemas.openxmlformats.org/drawingml/2006/main" xmlns:r="http://schemas.openxmlformats.org/officeDocument/2006/relationships" xmlns:p="http://schemas.openxmlformats.org/presentationml/2006/main" matchingName="Main point">
   <p:cSld name="MAIN_POINT">
     <p:spTree>
       <p:nvGrpSpPr>
-        <p:cNvPr id="32" name="Shape 32"/>
+        <p:cNvPr id="1" name="Shape 32"/>
         <p:cNvGrpSpPr/>
         <p:nvPr/>
       </p:nvGrpSpPr>
@@ -3277,7 +3583,9 @@
       <p:sp>
         <p:nvSpPr>
           <p:cNvPr id="33" name="Google Shape;33;p8"/>
-          <p:cNvSpPr txBox="1"/>
+          <p:cNvSpPr txBox="1">
+            <a:spLocks noGrp="1"/>
+          </p:cNvSpPr>
           <p:nvPr>
             <p:ph type="title"/>
           </p:nvPr>
@@ -3292,7 +3600,7 @@
           </a:prstGeom>
         </p:spPr>
         <p:txBody>
-          <a:bodyPr anchorCtr="0" anchor="ctr" bIns="91425" lIns="91425" spcFirstLastPara="1" rIns="91425" wrap="square" tIns="91425">
+          <a:bodyPr spcFirstLastPara="1" wrap="square" lIns="91425" tIns="91425" rIns="91425" bIns="91425" anchor="ctr" anchorCtr="0">
             <a:normAutofit/>
           </a:bodyPr>
           <a:lstStyle>
@@ -3396,15 +3704,19 @@
               <a:defRPr sz="4800"/>
             </a:lvl9pPr>
           </a:lstStyle>
-          <a:p/>
+          <a:p>
+            <a:endParaRPr/>
+          </a:p>
         </p:txBody>
       </p:sp>
       <p:sp>
         <p:nvSpPr>
           <p:cNvPr id="34" name="Google Shape;34;p8"/>
-          <p:cNvSpPr txBox="1"/>
+          <p:cNvSpPr txBox="1">
+            <a:spLocks noGrp="1"/>
+          </p:cNvSpPr>
           <p:nvPr>
-            <p:ph idx="12" type="sldNum"/>
+            <p:ph type="sldNum" idx="12"/>
           </p:nvPr>
         </p:nvSpPr>
         <p:spPr>
@@ -3417,7 +3729,7 @@
           </a:prstGeom>
         </p:spPr>
         <p:txBody>
-          <a:bodyPr anchorCtr="0" anchor="ctr" bIns="91425" lIns="91425" spcFirstLastPara="1" rIns="91425" wrap="square" tIns="91425">
+          <a:bodyPr spcFirstLastPara="1" wrap="square" lIns="91425" tIns="91425" rIns="91425" bIns="91425" anchor="ctr" anchorCtr="0">
             <a:normAutofit/>
           </a:bodyPr>
           <a:lstStyle>
@@ -3459,7 +3771,7 @@
             </a:lvl9pPr>
           </a:lstStyle>
           <a:p>
-            <a:pPr indent="0" lvl="0" marL="0" rtl="0" algn="r">
+            <a:pPr marL="0" lvl="0" indent="0" algn="r" rtl="0">
               <a:spcBef>
                 <a:spcPts val="0"/>
               </a:spcBef>
@@ -3485,11 +3797,11 @@
 </file>
 
 <file path=ppt/slideLayouts/slideLayout8.xml><?xml version="1.0" encoding="utf-8"?>
-<p:sldLayout xmlns:a="http://schemas.openxmlformats.org/drawingml/2006/main" xmlns:r="http://schemas.openxmlformats.org/officeDocument/2006/relationships" xmlns:mc="http://schemas.openxmlformats.org/markup-compatibility/2006" xmlns:mv="urn:schemas-microsoft-com:mac:vml" xmlns:p="http://schemas.openxmlformats.org/presentationml/2006/main" xmlns:c="http://schemas.openxmlformats.org/drawingml/2006/chart" xmlns:dgm="http://schemas.openxmlformats.org/drawingml/2006/diagram" xmlns:o="urn:schemas-microsoft-com:office:office" xmlns:v="urn:schemas-microsoft-com:vml" xmlns:pvml="urn:schemas-microsoft-com:office:powerpoint" xmlns:com="http://schemas.openxmlformats.org/drawingml/2006/compatibility" xmlns:p14="http://schemas.microsoft.com/office/powerpoint/2010/main" xmlns:p15="http://schemas.microsoft.com/office/powerpoint/2012/main" xmlns:ahyp="http://schemas.microsoft.com/office/drawing/2018/hyperlinkcolor" matchingName="Section title and description">
+<p:sldLayout xmlns:a="http://schemas.openxmlformats.org/drawingml/2006/main" xmlns:r="http://schemas.openxmlformats.org/officeDocument/2006/relationships" xmlns:p="http://schemas.openxmlformats.org/presentationml/2006/main" matchingName="Section title and description">
   <p:cSld name="SECTION_TITLE_AND_DESCRIPTION">
     <p:spTree>
       <p:nvGrpSpPr>
-        <p:cNvPr id="35" name="Shape 35"/>
+        <p:cNvPr id="1" name="Shape 35"/>
         <p:cNvGrpSpPr/>
         <p:nvPr/>
       </p:nvGrpSpPr>
@@ -3523,12 +3835,12 @@
           </a:ln>
         </p:spPr>
         <p:txBody>
-          <a:bodyPr anchorCtr="0" anchor="ctr" bIns="91425" lIns="91425" spcFirstLastPara="1" rIns="91425" wrap="square" tIns="91425">
+          <a:bodyPr spcFirstLastPara="1" wrap="square" lIns="91425" tIns="91425" rIns="91425" bIns="91425" anchor="ctr" anchorCtr="0">
             <a:noAutofit/>
           </a:bodyPr>
           <a:lstStyle/>
           <a:p>
-            <a:pPr indent="0" lvl="0" marL="0" rtl="0" algn="l">
+            <a:pPr marL="0" lvl="0" indent="0" algn="l" rtl="0">
               <a:spcBef>
                 <a:spcPts val="0"/>
               </a:spcBef>
@@ -3537,9 +3849,6 @@
               </a:spcAft>
               <a:buNone/>
             </a:pPr>
-            <a:r>
-              <a:t/>
-            </a:r>
             <a:endParaRPr/>
           </a:p>
         </p:txBody>
@@ -3547,7 +3856,9 @@
       <p:sp>
         <p:nvSpPr>
           <p:cNvPr id="37" name="Google Shape;37;p9"/>
-          <p:cNvSpPr txBox="1"/>
+          <p:cNvSpPr txBox="1">
+            <a:spLocks noGrp="1"/>
+          </p:cNvSpPr>
           <p:nvPr>
             <p:ph type="title"/>
           </p:nvPr>
@@ -3562,11 +3873,11 @@
           </a:prstGeom>
         </p:spPr>
         <p:txBody>
-          <a:bodyPr anchorCtr="0" anchor="b" bIns="91425" lIns="91425" spcFirstLastPara="1" rIns="91425" wrap="square" tIns="91425">
+          <a:bodyPr spcFirstLastPara="1" wrap="square" lIns="91425" tIns="91425" rIns="91425" bIns="91425" anchor="b" anchorCtr="0">
             <a:normAutofit/>
           </a:bodyPr>
           <a:lstStyle>
-            <a:lvl1pPr lvl="0" rtl="0" algn="ctr">
+            <a:lvl1pPr lvl="0" algn="ctr" rtl="0">
               <a:spcBef>
                 <a:spcPts val="0"/>
               </a:spcBef>
@@ -3577,7 +3888,7 @@
               <a:buNone/>
               <a:defRPr sz="4200"/>
             </a:lvl1pPr>
-            <a:lvl2pPr lvl="1" rtl="0" algn="ctr">
+            <a:lvl2pPr lvl="1" algn="ctr" rtl="0">
               <a:spcBef>
                 <a:spcPts val="0"/>
               </a:spcBef>
@@ -3588,7 +3899,7 @@
               <a:buNone/>
               <a:defRPr sz="4200"/>
             </a:lvl2pPr>
-            <a:lvl3pPr lvl="2" rtl="0" algn="ctr">
+            <a:lvl3pPr lvl="2" algn="ctr" rtl="0">
               <a:spcBef>
                 <a:spcPts val="0"/>
               </a:spcBef>
@@ -3599,7 +3910,7 @@
               <a:buNone/>
               <a:defRPr sz="4200"/>
             </a:lvl3pPr>
-            <a:lvl4pPr lvl="3" rtl="0" algn="ctr">
+            <a:lvl4pPr lvl="3" algn="ctr" rtl="0">
               <a:spcBef>
                 <a:spcPts val="0"/>
               </a:spcBef>
@@ -3610,7 +3921,7 @@
               <a:buNone/>
               <a:defRPr sz="4200"/>
             </a:lvl4pPr>
-            <a:lvl5pPr lvl="4" rtl="0" algn="ctr">
+            <a:lvl5pPr lvl="4" algn="ctr" rtl="0">
               <a:spcBef>
                 <a:spcPts val="0"/>
               </a:spcBef>
@@ -3621,7 +3932,7 @@
               <a:buNone/>
               <a:defRPr sz="4200"/>
             </a:lvl5pPr>
-            <a:lvl6pPr lvl="5" rtl="0" algn="ctr">
+            <a:lvl6pPr lvl="5" algn="ctr" rtl="0">
               <a:spcBef>
                 <a:spcPts val="0"/>
               </a:spcBef>
@@ -3632,7 +3943,7 @@
               <a:buNone/>
               <a:defRPr sz="4200"/>
             </a:lvl6pPr>
-            <a:lvl7pPr lvl="6" rtl="0" algn="ctr">
+            <a:lvl7pPr lvl="6" algn="ctr" rtl="0">
               <a:spcBef>
                 <a:spcPts val="0"/>
               </a:spcBef>
@@ -3643,7 +3954,7 @@
               <a:buNone/>
               <a:defRPr sz="4200"/>
             </a:lvl7pPr>
-            <a:lvl8pPr lvl="7" rtl="0" algn="ctr">
+            <a:lvl8pPr lvl="7" algn="ctr" rtl="0">
               <a:spcBef>
                 <a:spcPts val="0"/>
               </a:spcBef>
@@ -3654,7 +3965,7 @@
               <a:buNone/>
               <a:defRPr sz="4200"/>
             </a:lvl8pPr>
-            <a:lvl9pPr lvl="8" rtl="0" algn="ctr">
+            <a:lvl9pPr lvl="8" algn="ctr" rtl="0">
               <a:spcBef>
                 <a:spcPts val="0"/>
               </a:spcBef>
@@ -3666,15 +3977,19 @@
               <a:defRPr sz="4200"/>
             </a:lvl9pPr>
           </a:lstStyle>
-          <a:p/>
+          <a:p>
+            <a:endParaRPr/>
+          </a:p>
         </p:txBody>
       </p:sp>
       <p:sp>
         <p:nvSpPr>
           <p:cNvPr id="38" name="Google Shape;38;p9"/>
-          <p:cNvSpPr txBox="1"/>
+          <p:cNvSpPr txBox="1">
+            <a:spLocks noGrp="1"/>
+          </p:cNvSpPr>
           <p:nvPr>
-            <p:ph idx="1" type="subTitle"/>
+            <p:ph type="subTitle" idx="1"/>
           </p:nvPr>
         </p:nvSpPr>
         <p:spPr>
@@ -3687,11 +4002,11 @@
           </a:prstGeom>
         </p:spPr>
         <p:txBody>
-          <a:bodyPr anchorCtr="0" anchor="t" bIns="91425" lIns="91425" spcFirstLastPara="1" rIns="91425" wrap="square" tIns="91425">
+          <a:bodyPr spcFirstLastPara="1" wrap="square" lIns="91425" tIns="91425" rIns="91425" bIns="91425" anchor="t" anchorCtr="0">
             <a:normAutofit/>
           </a:bodyPr>
           <a:lstStyle>
-            <a:lvl1pPr lvl="0" rtl="0" algn="ctr">
+            <a:lvl1pPr lvl="0" algn="ctr" rtl="0">
               <a:lnSpc>
                 <a:spcPct val="100000"/>
               </a:lnSpc>
@@ -3705,7 +4020,7 @@
               <a:buNone/>
               <a:defRPr sz="2100"/>
             </a:lvl1pPr>
-            <a:lvl2pPr lvl="1" rtl="0" algn="ctr">
+            <a:lvl2pPr lvl="1" algn="ctr" rtl="0">
               <a:lnSpc>
                 <a:spcPct val="100000"/>
               </a:lnSpc>
@@ -3719,7 +4034,7 @@
               <a:buNone/>
               <a:defRPr sz="2100"/>
             </a:lvl2pPr>
-            <a:lvl3pPr lvl="2" rtl="0" algn="ctr">
+            <a:lvl3pPr lvl="2" algn="ctr" rtl="0">
               <a:lnSpc>
                 <a:spcPct val="100000"/>
               </a:lnSpc>
@@ -3733,7 +4048,7 @@
               <a:buNone/>
               <a:defRPr sz="2100"/>
             </a:lvl3pPr>
-            <a:lvl4pPr lvl="3" rtl="0" algn="ctr">
+            <a:lvl4pPr lvl="3" algn="ctr" rtl="0">
               <a:lnSpc>
                 <a:spcPct val="100000"/>
               </a:lnSpc>
@@ -3747,7 +4062,7 @@
               <a:buNone/>
               <a:defRPr sz="2100"/>
             </a:lvl4pPr>
-            <a:lvl5pPr lvl="4" rtl="0" algn="ctr">
+            <a:lvl5pPr lvl="4" algn="ctr" rtl="0">
               <a:lnSpc>
                 <a:spcPct val="100000"/>
               </a:lnSpc>
@@ -3761,7 +4076,7 @@
               <a:buNone/>
               <a:defRPr sz="2100"/>
             </a:lvl5pPr>
-            <a:lvl6pPr lvl="5" rtl="0" algn="ctr">
+            <a:lvl6pPr lvl="5" algn="ctr" rtl="0">
               <a:lnSpc>
                 <a:spcPct val="100000"/>
               </a:lnSpc>
@@ -3775,7 +4090,7 @@
               <a:buNone/>
               <a:defRPr sz="2100"/>
             </a:lvl6pPr>
-            <a:lvl7pPr lvl="6" rtl="0" algn="ctr">
+            <a:lvl7pPr lvl="6" algn="ctr" rtl="0">
               <a:lnSpc>
                 <a:spcPct val="100000"/>
               </a:lnSpc>
@@ -3789,7 +4104,7 @@
               <a:buNone/>
               <a:defRPr sz="2100"/>
             </a:lvl7pPr>
-            <a:lvl8pPr lvl="7" rtl="0" algn="ctr">
+            <a:lvl8pPr lvl="7" algn="ctr" rtl="0">
               <a:lnSpc>
                 <a:spcPct val="100000"/>
               </a:lnSpc>
@@ -3803,7 +4118,7 @@
               <a:buNone/>
               <a:defRPr sz="2100"/>
             </a:lvl8pPr>
-            <a:lvl9pPr lvl="8" rtl="0" algn="ctr">
+            <a:lvl9pPr lvl="8" algn="ctr" rtl="0">
               <a:lnSpc>
                 <a:spcPct val="100000"/>
               </a:lnSpc>
@@ -3818,15 +4133,19 @@
               <a:defRPr sz="2100"/>
             </a:lvl9pPr>
           </a:lstStyle>
-          <a:p/>
+          <a:p>
+            <a:endParaRPr/>
+          </a:p>
         </p:txBody>
       </p:sp>
       <p:sp>
         <p:nvSpPr>
           <p:cNvPr id="39" name="Google Shape;39;p9"/>
-          <p:cNvSpPr txBox="1"/>
+          <p:cNvSpPr txBox="1">
+            <a:spLocks noGrp="1"/>
+          </p:cNvSpPr>
           <p:nvPr>
-            <p:ph idx="2" type="body"/>
+            <p:ph type="body" idx="2"/>
           </p:nvPr>
         </p:nvSpPr>
         <p:spPr>
@@ -3839,11 +4158,11 @@
           </a:prstGeom>
         </p:spPr>
         <p:txBody>
-          <a:bodyPr anchorCtr="0" anchor="ctr" bIns="91425" lIns="91425" spcFirstLastPara="1" rIns="91425" wrap="square" tIns="91425">
+          <a:bodyPr spcFirstLastPara="1" wrap="square" lIns="91425" tIns="91425" rIns="91425" bIns="91425" anchor="ctr" anchorCtr="0">
             <a:normAutofit/>
           </a:bodyPr>
           <a:lstStyle>
-            <a:lvl1pPr indent="-342900" lvl="0" marL="457200" rtl="0">
+            <a:lvl1pPr marL="457200" lvl="0" indent="-342900" rtl="0">
               <a:spcBef>
                 <a:spcPts val="0"/>
               </a:spcBef>
@@ -3854,7 +4173,7 @@
               <a:buChar char="●"/>
               <a:defRPr/>
             </a:lvl1pPr>
-            <a:lvl2pPr indent="-317500" lvl="1" marL="914400" rtl="0">
+            <a:lvl2pPr marL="914400" lvl="1" indent="-317500" rtl="0">
               <a:spcBef>
                 <a:spcPts val="0"/>
               </a:spcBef>
@@ -3865,7 +4184,7 @@
               <a:buChar char="○"/>
               <a:defRPr/>
             </a:lvl2pPr>
-            <a:lvl3pPr indent="-317500" lvl="2" marL="1371600" rtl="0">
+            <a:lvl3pPr marL="1371600" lvl="2" indent="-317500" rtl="0">
               <a:spcBef>
                 <a:spcPts val="0"/>
               </a:spcBef>
@@ -3876,7 +4195,7 @@
               <a:buChar char="■"/>
               <a:defRPr/>
             </a:lvl3pPr>
-            <a:lvl4pPr indent="-317500" lvl="3" marL="1828800" rtl="0">
+            <a:lvl4pPr marL="1828800" lvl="3" indent="-317500" rtl="0">
               <a:spcBef>
                 <a:spcPts val="0"/>
               </a:spcBef>
@@ -3887,7 +4206,7 @@
               <a:buChar char="●"/>
               <a:defRPr/>
             </a:lvl4pPr>
-            <a:lvl5pPr indent="-317500" lvl="4" marL="2286000" rtl="0">
+            <a:lvl5pPr marL="2286000" lvl="4" indent="-317500" rtl="0">
               <a:spcBef>
                 <a:spcPts val="0"/>
               </a:spcBef>
@@ -3898,7 +4217,7 @@
               <a:buChar char="○"/>
               <a:defRPr/>
             </a:lvl5pPr>
-            <a:lvl6pPr indent="-317500" lvl="5" marL="2743200" rtl="0">
+            <a:lvl6pPr marL="2743200" lvl="5" indent="-317500" rtl="0">
               <a:spcBef>
                 <a:spcPts val="0"/>
               </a:spcBef>
@@ -3909,7 +4228,7 @@
               <a:buChar char="■"/>
               <a:defRPr/>
             </a:lvl6pPr>
-            <a:lvl7pPr indent="-317500" lvl="6" marL="3200400" rtl="0">
+            <a:lvl7pPr marL="3200400" lvl="6" indent="-317500" rtl="0">
               <a:spcBef>
                 <a:spcPts val="0"/>
               </a:spcBef>
@@ -3920,7 +4239,7 @@
               <a:buChar char="●"/>
               <a:defRPr/>
             </a:lvl7pPr>
-            <a:lvl8pPr indent="-317500" lvl="7" marL="3657600" rtl="0">
+            <a:lvl8pPr marL="3657600" lvl="7" indent="-317500" rtl="0">
               <a:spcBef>
                 <a:spcPts val="0"/>
               </a:spcBef>
@@ -3931,7 +4250,7 @@
               <a:buChar char="○"/>
               <a:defRPr/>
             </a:lvl8pPr>
-            <a:lvl9pPr indent="-317500" lvl="8" marL="4114800" rtl="0">
+            <a:lvl9pPr marL="4114800" lvl="8" indent="-317500" rtl="0">
               <a:spcBef>
                 <a:spcPts val="0"/>
               </a:spcBef>
@@ -3943,15 +4262,19 @@
               <a:defRPr/>
             </a:lvl9pPr>
           </a:lstStyle>
-          <a:p/>
+          <a:p>
+            <a:endParaRPr/>
+          </a:p>
         </p:txBody>
       </p:sp>
       <p:sp>
         <p:nvSpPr>
           <p:cNvPr id="40" name="Google Shape;40;p9"/>
-          <p:cNvSpPr txBox="1"/>
+          <p:cNvSpPr txBox="1">
+            <a:spLocks noGrp="1"/>
+          </p:cNvSpPr>
           <p:nvPr>
-            <p:ph idx="12" type="sldNum"/>
+            <p:ph type="sldNum" idx="12"/>
           </p:nvPr>
         </p:nvSpPr>
         <p:spPr>
@@ -3964,7 +4287,7 @@
           </a:prstGeom>
         </p:spPr>
         <p:txBody>
-          <a:bodyPr anchorCtr="0" anchor="ctr" bIns="91425" lIns="91425" spcFirstLastPara="1" rIns="91425" wrap="square" tIns="91425">
+          <a:bodyPr spcFirstLastPara="1" wrap="square" lIns="91425" tIns="91425" rIns="91425" bIns="91425" anchor="ctr" anchorCtr="0">
             <a:normAutofit/>
           </a:bodyPr>
           <a:lstStyle>
@@ -4006,7 +4329,7 @@
             </a:lvl9pPr>
           </a:lstStyle>
           <a:p>
-            <a:pPr indent="0" lvl="0" marL="0" rtl="0" algn="r">
+            <a:pPr marL="0" lvl="0" indent="0" algn="r" rtl="0">
               <a:spcBef>
                 <a:spcPts val="0"/>
               </a:spcBef>
@@ -4032,11 +4355,11 @@
 </file>
 
 <file path=ppt/slideLayouts/slideLayout9.xml><?xml version="1.0" encoding="utf-8"?>
-<p:sldLayout xmlns:a="http://schemas.openxmlformats.org/drawingml/2006/main" xmlns:r="http://schemas.openxmlformats.org/officeDocument/2006/relationships" xmlns:mc="http://schemas.openxmlformats.org/markup-compatibility/2006" xmlns:mv="urn:schemas-microsoft-com:mac:vml" xmlns:p="http://schemas.openxmlformats.org/presentationml/2006/main" xmlns:c="http://schemas.openxmlformats.org/drawingml/2006/chart" xmlns:dgm="http://schemas.openxmlformats.org/drawingml/2006/diagram" xmlns:o="urn:schemas-microsoft-com:office:office" xmlns:v="urn:schemas-microsoft-com:vml" xmlns:pvml="urn:schemas-microsoft-com:office:powerpoint" xmlns:com="http://schemas.openxmlformats.org/drawingml/2006/compatibility" xmlns:p14="http://schemas.microsoft.com/office/powerpoint/2010/main" xmlns:p15="http://schemas.microsoft.com/office/powerpoint/2012/main" xmlns:ahyp="http://schemas.microsoft.com/office/drawing/2018/hyperlinkcolor" matchingName="Caption">
+<p:sldLayout xmlns:a="http://schemas.openxmlformats.org/drawingml/2006/main" xmlns:r="http://schemas.openxmlformats.org/officeDocument/2006/relationships" xmlns:p="http://schemas.openxmlformats.org/presentationml/2006/main" matchingName="Caption">
   <p:cSld name="CAPTION_ONLY">
     <p:spTree>
       <p:nvGrpSpPr>
-        <p:cNvPr id="41" name="Shape 41"/>
+        <p:cNvPr id="1" name="Shape 41"/>
         <p:cNvGrpSpPr/>
         <p:nvPr/>
       </p:nvGrpSpPr>
@@ -4051,9 +4374,11 @@
       <p:sp>
         <p:nvSpPr>
           <p:cNvPr id="42" name="Google Shape;42;p10"/>
-          <p:cNvSpPr txBox="1"/>
+          <p:cNvSpPr txBox="1">
+            <a:spLocks noGrp="1"/>
+          </p:cNvSpPr>
           <p:nvPr>
-            <p:ph idx="1" type="body"/>
+            <p:ph type="body" idx="1"/>
           </p:nvPr>
         </p:nvSpPr>
         <p:spPr>
@@ -4066,11 +4391,11 @@
           </a:prstGeom>
         </p:spPr>
         <p:txBody>
-          <a:bodyPr anchorCtr="0" anchor="ctr" bIns="91425" lIns="91425" spcFirstLastPara="1" rIns="91425" wrap="square" tIns="91425">
+          <a:bodyPr spcFirstLastPara="1" wrap="square" lIns="91425" tIns="91425" rIns="91425" bIns="91425" anchor="ctr" anchorCtr="0">
             <a:normAutofit/>
           </a:bodyPr>
           <a:lstStyle>
-            <a:lvl1pPr indent="-228600" lvl="0" marL="457200" rtl="0">
+            <a:lvl1pPr marL="457200" lvl="0" indent="-228600" rtl="0">
               <a:lnSpc>
                 <a:spcPct val="100000"/>
               </a:lnSpc>
@@ -4085,15 +4410,19 @@
               <a:defRPr/>
             </a:lvl1pPr>
           </a:lstStyle>
-          <a:p/>
+          <a:p>
+            <a:endParaRPr/>
+          </a:p>
         </p:txBody>
       </p:sp>
       <p:sp>
         <p:nvSpPr>
           <p:cNvPr id="43" name="Google Shape;43;p10"/>
-          <p:cNvSpPr txBox="1"/>
+          <p:cNvSpPr txBox="1">
+            <a:spLocks noGrp="1"/>
+          </p:cNvSpPr>
           <p:nvPr>
-            <p:ph idx="12" type="sldNum"/>
+            <p:ph type="sldNum" idx="12"/>
           </p:nvPr>
         </p:nvSpPr>
         <p:spPr>
@@ -4106,7 +4435,7 @@
           </a:prstGeom>
         </p:spPr>
         <p:txBody>
-          <a:bodyPr anchorCtr="0" anchor="ctr" bIns="91425" lIns="91425" spcFirstLastPara="1" rIns="91425" wrap="square" tIns="91425">
+          <a:bodyPr spcFirstLastPara="1" wrap="square" lIns="91425" tIns="91425" rIns="91425" bIns="91425" anchor="ctr" anchorCtr="0">
             <a:normAutofit/>
           </a:bodyPr>
           <a:lstStyle>
@@ -4148,7 +4477,7 @@
             </a:lvl9pPr>
           </a:lstStyle>
           <a:p>
-            <a:pPr indent="0" lvl="0" marL="0" rtl="0" algn="r">
+            <a:pPr marL="0" lvl="0" indent="0" algn="r" rtl="0">
               <a:spcBef>
                 <a:spcPts val="0"/>
               </a:spcBef>
@@ -4174,23 +4503,24 @@
 </file>
 
 <file path=ppt/slideMasters/slideMaster1.xml><?xml version="1.0" encoding="utf-8"?>
-<p:sldMaster xmlns:a="http://schemas.openxmlformats.org/drawingml/2006/main" xmlns:r="http://schemas.openxmlformats.org/officeDocument/2006/relationships" xmlns:mc="http://schemas.openxmlformats.org/markup-compatibility/2006" xmlns:mv="urn:schemas-microsoft-com:mac:vml" xmlns:p="http://schemas.openxmlformats.org/presentationml/2006/main" xmlns:c="http://schemas.openxmlformats.org/drawingml/2006/chart" xmlns:dgm="http://schemas.openxmlformats.org/drawingml/2006/diagram" xmlns:o="urn:schemas-microsoft-com:office:office" xmlns:v="urn:schemas-microsoft-com:vml" xmlns:pvml="urn:schemas-microsoft-com:office:powerpoint" xmlns:com="http://schemas.openxmlformats.org/drawingml/2006/compatibility" xmlns:p14="http://schemas.microsoft.com/office/powerpoint/2010/main" xmlns:p15="http://schemas.microsoft.com/office/powerpoint/2012/main" xmlns:ahyp="http://schemas.microsoft.com/office/drawing/2018/hyperlinkcolor">
+<p:sldMaster xmlns:a="http://schemas.openxmlformats.org/drawingml/2006/main" xmlns:r="http://schemas.openxmlformats.org/officeDocument/2006/relationships" xmlns:p="http://schemas.openxmlformats.org/presentationml/2006/main">
   <p:cSld name="simple-light-2">
     <p:bg>
       <p:bgPr>
         <a:blipFill>
-          <a:blip r:embed="rId1">
+          <a:blip r:embed="rId13">
             <a:alphaModFix/>
           </a:blip>
           <a:stretch>
             <a:fillRect/>
           </a:stretch>
         </a:blipFill>
+        <a:effectLst/>
       </p:bgPr>
     </p:bg>
     <p:spTree>
       <p:nvGrpSpPr>
-        <p:cNvPr id="5" name="Shape 5"/>
+        <p:cNvPr id="1" name="Shape 5"/>
         <p:cNvGrpSpPr/>
         <p:nvPr/>
       </p:nvGrpSpPr>
@@ -4205,7 +4535,9 @@
       <p:sp>
         <p:nvSpPr>
           <p:cNvPr id="6" name="Google Shape;6;p1"/>
-          <p:cNvSpPr txBox="1"/>
+          <p:cNvSpPr txBox="1">
+            <a:spLocks noGrp="1"/>
+          </p:cNvSpPr>
           <p:nvPr>
             <p:ph type="title"/>
           </p:nvPr>
@@ -4224,7 +4556,7 @@
           </a:ln>
         </p:spPr>
         <p:txBody>
-          <a:bodyPr anchorCtr="0" anchor="t" bIns="91425" lIns="91425" spcFirstLastPara="1" rIns="91425" wrap="square" tIns="91425">
+          <a:bodyPr spcFirstLastPara="1" wrap="square" lIns="91425" tIns="91425" rIns="91425" bIns="91425" anchor="t" anchorCtr="0">
             <a:normAutofit/>
           </a:bodyPr>
           <a:lstStyle>
@@ -4391,15 +4723,19 @@
               </a:defRPr>
             </a:lvl9pPr>
           </a:lstStyle>
-          <a:p/>
+          <a:p>
+            <a:endParaRPr/>
+          </a:p>
         </p:txBody>
       </p:sp>
       <p:sp>
         <p:nvSpPr>
           <p:cNvPr id="7" name="Google Shape;7;p1"/>
-          <p:cNvSpPr txBox="1"/>
+          <p:cNvSpPr txBox="1">
+            <a:spLocks noGrp="1"/>
+          </p:cNvSpPr>
           <p:nvPr>
-            <p:ph idx="1" type="body"/>
+            <p:ph type="body" idx="1"/>
           </p:nvPr>
         </p:nvSpPr>
         <p:spPr>
@@ -4416,11 +4752,11 @@
           </a:ln>
         </p:spPr>
         <p:txBody>
-          <a:bodyPr anchorCtr="0" anchor="t" bIns="91425" lIns="91425" spcFirstLastPara="1" rIns="91425" wrap="square" tIns="91425">
+          <a:bodyPr spcFirstLastPara="1" wrap="square" lIns="91425" tIns="91425" rIns="91425" bIns="91425" anchor="t" anchorCtr="0">
             <a:normAutofit/>
           </a:bodyPr>
           <a:lstStyle>
-            <a:lvl1pPr indent="-342900" lvl="0" marL="457200" rtl="0">
+            <a:lvl1pPr marL="457200" lvl="0" indent="-342900" rtl="0">
               <a:lnSpc>
                 <a:spcPct val="115000"/>
               </a:lnSpc>
@@ -4441,7 +4777,7 @@
                 </a:solidFill>
               </a:defRPr>
             </a:lvl1pPr>
-            <a:lvl2pPr indent="-317500" lvl="1" marL="914400" rtl="0">
+            <a:lvl2pPr marL="914400" lvl="1" indent="-317500" rtl="0">
               <a:lnSpc>
                 <a:spcPct val="115000"/>
               </a:lnSpc>
@@ -4462,7 +4798,7 @@
                 </a:solidFill>
               </a:defRPr>
             </a:lvl2pPr>
-            <a:lvl3pPr indent="-317500" lvl="2" marL="1371600" rtl="0">
+            <a:lvl3pPr marL="1371600" lvl="2" indent="-317500" rtl="0">
               <a:lnSpc>
                 <a:spcPct val="115000"/>
               </a:lnSpc>
@@ -4483,7 +4819,7 @@
                 </a:solidFill>
               </a:defRPr>
             </a:lvl3pPr>
-            <a:lvl4pPr indent="-317500" lvl="3" marL="1828800" rtl="0">
+            <a:lvl4pPr marL="1828800" lvl="3" indent="-317500" rtl="0">
               <a:lnSpc>
                 <a:spcPct val="115000"/>
               </a:lnSpc>
@@ -4504,7 +4840,7 @@
                 </a:solidFill>
               </a:defRPr>
             </a:lvl4pPr>
-            <a:lvl5pPr indent="-317500" lvl="4" marL="2286000" rtl="0">
+            <a:lvl5pPr marL="2286000" lvl="4" indent="-317500" rtl="0">
               <a:lnSpc>
                 <a:spcPct val="115000"/>
               </a:lnSpc>
@@ -4525,7 +4861,7 @@
                 </a:solidFill>
               </a:defRPr>
             </a:lvl5pPr>
-            <a:lvl6pPr indent="-317500" lvl="5" marL="2743200" rtl="0">
+            <a:lvl6pPr marL="2743200" lvl="5" indent="-317500" rtl="0">
               <a:lnSpc>
                 <a:spcPct val="115000"/>
               </a:lnSpc>
@@ -4546,7 +4882,7 @@
                 </a:solidFill>
               </a:defRPr>
             </a:lvl6pPr>
-            <a:lvl7pPr indent="-317500" lvl="6" marL="3200400" rtl="0">
+            <a:lvl7pPr marL="3200400" lvl="6" indent="-317500" rtl="0">
               <a:lnSpc>
                 <a:spcPct val="115000"/>
               </a:lnSpc>
@@ -4567,7 +4903,7 @@
                 </a:solidFill>
               </a:defRPr>
             </a:lvl7pPr>
-            <a:lvl8pPr indent="-317500" lvl="7" marL="3657600" rtl="0">
+            <a:lvl8pPr marL="3657600" lvl="7" indent="-317500" rtl="0">
               <a:lnSpc>
                 <a:spcPct val="115000"/>
               </a:lnSpc>
@@ -4588,7 +4924,7 @@
                 </a:solidFill>
               </a:defRPr>
             </a:lvl8pPr>
-            <a:lvl9pPr indent="-317500" lvl="8" marL="4114800" rtl="0">
+            <a:lvl9pPr marL="4114800" lvl="8" indent="-317500" rtl="0">
               <a:lnSpc>
                 <a:spcPct val="115000"/>
               </a:lnSpc>
@@ -4610,15 +4946,19 @@
               </a:defRPr>
             </a:lvl9pPr>
           </a:lstStyle>
-          <a:p/>
+          <a:p>
+            <a:endParaRPr/>
+          </a:p>
         </p:txBody>
       </p:sp>
       <p:sp>
         <p:nvSpPr>
           <p:cNvPr id="8" name="Google Shape;8;p1"/>
-          <p:cNvSpPr txBox="1"/>
+          <p:cNvSpPr txBox="1">
+            <a:spLocks noGrp="1"/>
+          </p:cNvSpPr>
           <p:nvPr>
-            <p:ph idx="12" type="sldNum"/>
+            <p:ph type="sldNum" idx="12"/>
           </p:nvPr>
         </p:nvSpPr>
         <p:spPr>
@@ -4635,11 +4975,11 @@
           </a:ln>
         </p:spPr>
         <p:txBody>
-          <a:bodyPr anchorCtr="0" anchor="ctr" bIns="91425" lIns="91425" spcFirstLastPara="1" rIns="91425" wrap="square" tIns="91425">
+          <a:bodyPr spcFirstLastPara="1" wrap="square" lIns="91425" tIns="91425" rIns="91425" bIns="91425" anchor="ctr" anchorCtr="0">
             <a:normAutofit/>
           </a:bodyPr>
           <a:lstStyle>
-            <a:lvl1pPr lvl="0" rtl="0" algn="r">
+            <a:lvl1pPr lvl="0" algn="r" rtl="0">
               <a:buNone/>
               <a:defRPr sz="1000">
                 <a:solidFill>
@@ -4647,7 +4987,7 @@
                 </a:solidFill>
               </a:defRPr>
             </a:lvl1pPr>
-            <a:lvl2pPr lvl="1" rtl="0" algn="r">
+            <a:lvl2pPr lvl="1" algn="r" rtl="0">
               <a:buNone/>
               <a:defRPr sz="1000">
                 <a:solidFill>
@@ -4655,7 +4995,7 @@
                 </a:solidFill>
               </a:defRPr>
             </a:lvl2pPr>
-            <a:lvl3pPr lvl="2" rtl="0" algn="r">
+            <a:lvl3pPr lvl="2" algn="r" rtl="0">
               <a:buNone/>
               <a:defRPr sz="1000">
                 <a:solidFill>
@@ -4663,7 +5003,7 @@
                 </a:solidFill>
               </a:defRPr>
             </a:lvl3pPr>
-            <a:lvl4pPr lvl="3" rtl="0" algn="r">
+            <a:lvl4pPr lvl="3" algn="r" rtl="0">
               <a:buNone/>
               <a:defRPr sz="1000">
                 <a:solidFill>
@@ -4671,7 +5011,7 @@
                 </a:solidFill>
               </a:defRPr>
             </a:lvl4pPr>
-            <a:lvl5pPr lvl="4" rtl="0" algn="r">
+            <a:lvl5pPr lvl="4" algn="r" rtl="0">
               <a:buNone/>
               <a:defRPr sz="1000">
                 <a:solidFill>
@@ -4679,7 +5019,7 @@
                 </a:solidFill>
               </a:defRPr>
             </a:lvl5pPr>
-            <a:lvl6pPr lvl="5" rtl="0" algn="r">
+            <a:lvl6pPr lvl="5" algn="r" rtl="0">
               <a:buNone/>
               <a:defRPr sz="1000">
                 <a:solidFill>
@@ -4687,7 +5027,7 @@
                 </a:solidFill>
               </a:defRPr>
             </a:lvl6pPr>
-            <a:lvl7pPr lvl="6" rtl="0" algn="r">
+            <a:lvl7pPr lvl="6" algn="r" rtl="0">
               <a:buNone/>
               <a:defRPr sz="1000">
                 <a:solidFill>
@@ -4695,7 +5035,7 @@
                 </a:solidFill>
               </a:defRPr>
             </a:lvl7pPr>
-            <a:lvl8pPr lvl="7" rtl="0" algn="r">
+            <a:lvl8pPr lvl="7" algn="r" rtl="0">
               <a:buNone/>
               <a:defRPr sz="1000">
                 <a:solidFill>
@@ -4703,7 +5043,7 @@
                 </a:solidFill>
               </a:defRPr>
             </a:lvl8pPr>
-            <a:lvl9pPr lvl="8" rtl="0" algn="r">
+            <a:lvl9pPr lvl="8" algn="r" rtl="0">
               <a:buNone/>
               <a:defRPr sz="1000">
                 <a:solidFill>
@@ -4713,7 +5053,7 @@
             </a:lvl9pPr>
           </a:lstStyle>
           <a:p>
-            <a:pPr indent="0" lvl="0" marL="0" rtl="0" algn="r">
+            <a:pPr marL="0" lvl="0" indent="0" algn="r" rtl="0">
               <a:spcBef>
                 <a:spcPts val="0"/>
               </a:spcBef>
@@ -4732,24 +5072,24 @@
       </p:sp>
     </p:spTree>
   </p:cSld>
-  <p:clrMap accent1="accent1" accent2="accent2" accent3="accent3" accent4="accent4" accent5="accent5" accent6="accent6" bg1="lt1" bg2="dk2" tx1="dk1" tx2="lt2" folHlink="folHlink" hlink="hlink"/>
+  <p:clrMap bg1="lt1" tx1="dk1" bg2="dk2" tx2="lt2" accent1="accent1" accent2="accent2" accent3="accent3" accent4="accent4" accent5="accent5" accent6="accent6" hlink="hlink" folHlink="folHlink"/>
   <p:sldLayoutIdLst>
-    <p:sldLayoutId id="2147483648" r:id="rId2"/>
-    <p:sldLayoutId id="2147483649" r:id="rId3"/>
-    <p:sldLayoutId id="2147483650" r:id="rId4"/>
-    <p:sldLayoutId id="2147483651" r:id="rId5"/>
-    <p:sldLayoutId id="2147483652" r:id="rId6"/>
-    <p:sldLayoutId id="2147483653" r:id="rId7"/>
-    <p:sldLayoutId id="2147483654" r:id="rId8"/>
-    <p:sldLayoutId id="2147483655" r:id="rId9"/>
-    <p:sldLayoutId id="2147483656" r:id="rId10"/>
-    <p:sldLayoutId id="2147483657" r:id="rId11"/>
-    <p:sldLayoutId id="2147483658" r:id="rId12"/>
+    <p:sldLayoutId id="2147483648" r:id="rId1"/>
+    <p:sldLayoutId id="2147483649" r:id="rId2"/>
+    <p:sldLayoutId id="2147483650" r:id="rId3"/>
+    <p:sldLayoutId id="2147483651" r:id="rId4"/>
+    <p:sldLayoutId id="2147483652" r:id="rId5"/>
+    <p:sldLayoutId id="2147483653" r:id="rId6"/>
+    <p:sldLayoutId id="2147483654" r:id="rId7"/>
+    <p:sldLayoutId id="2147483655" r:id="rId8"/>
+    <p:sldLayoutId id="2147483656" r:id="rId9"/>
+    <p:sldLayoutId id="2147483657" r:id="rId10"/>
+    <p:sldLayoutId id="2147483658" r:id="rId11"/>
   </p:sldLayoutIdLst>
-  <p:hf dt="0" ftr="0" hdr="0" sldNum="0"/>
+  <p:hf sldNum="0" hdr="0" ftr="0" dt="0"/>
   <p:txStyles>
     <p:titleStyle>
-      <a:defPPr lvl="0" marR="0" rtl="0" algn="l">
+      <a:defPPr marR="0" lvl="0" algn="l" rtl="0">
         <a:lnSpc>
           <a:spcPct val="100000"/>
         </a:lnSpc>
@@ -4760,7 +5100,7 @@
           <a:spcPts val="0"/>
         </a:spcAft>
       </a:defPPr>
-      <a:lvl1pPr lvl="0" marR="0" rtl="0" algn="l">
+      <a:lvl1pPr marR="0" lvl="0" algn="l" rtl="0">
         <a:lnSpc>
           <a:spcPct val="100000"/>
         </a:lnSpc>
@@ -4774,7 +5114,7 @@
           <a:srgbClr val="000000"/>
         </a:buClr>
         <a:buFont typeface="Arial"/>
-        <a:defRPr b="0" i="0" sz="1400" u="none" cap="none" strike="noStrike">
+        <a:defRPr sz="1400" b="0" i="0" u="none" strike="noStrike" cap="none">
           <a:solidFill>
             <a:srgbClr val="000000"/>
           </a:solidFill>
@@ -4784,7 +5124,7 @@
           <a:sym typeface="Arial"/>
         </a:defRPr>
       </a:lvl1pPr>
-      <a:lvl2pPr lvl="1" marR="0" rtl="0" algn="l">
+      <a:lvl2pPr marR="0" lvl="1" algn="l" rtl="0">
         <a:lnSpc>
           <a:spcPct val="100000"/>
         </a:lnSpc>
@@ -4798,7 +5138,7 @@
           <a:srgbClr val="000000"/>
         </a:buClr>
         <a:buFont typeface="Arial"/>
-        <a:defRPr b="0" i="0" sz="1400" u="none" cap="none" strike="noStrike">
+        <a:defRPr sz="1400" b="0" i="0" u="none" strike="noStrike" cap="none">
           <a:solidFill>
             <a:srgbClr val="000000"/>
           </a:solidFill>
@@ -4808,7 +5148,7 @@
           <a:sym typeface="Arial"/>
         </a:defRPr>
       </a:lvl2pPr>
-      <a:lvl3pPr lvl="2" marR="0" rtl="0" algn="l">
+      <a:lvl3pPr marR="0" lvl="2" algn="l" rtl="0">
         <a:lnSpc>
           <a:spcPct val="100000"/>
         </a:lnSpc>
@@ -4822,7 +5162,7 @@
           <a:srgbClr val="000000"/>
         </a:buClr>
         <a:buFont typeface="Arial"/>
-        <a:defRPr b="0" i="0" sz="1400" u="none" cap="none" strike="noStrike">
+        <a:defRPr sz="1400" b="0" i="0" u="none" strike="noStrike" cap="none">
           <a:solidFill>
             <a:srgbClr val="000000"/>
           </a:solidFill>
@@ -4832,7 +5172,7 @@
           <a:sym typeface="Arial"/>
         </a:defRPr>
       </a:lvl3pPr>
-      <a:lvl4pPr lvl="3" marR="0" rtl="0" algn="l">
+      <a:lvl4pPr marR="0" lvl="3" algn="l" rtl="0">
         <a:lnSpc>
           <a:spcPct val="100000"/>
         </a:lnSpc>
@@ -4846,7 +5186,7 @@
           <a:srgbClr val="000000"/>
         </a:buClr>
         <a:buFont typeface="Arial"/>
-        <a:defRPr b="0" i="0" sz="1400" u="none" cap="none" strike="noStrike">
+        <a:defRPr sz="1400" b="0" i="0" u="none" strike="noStrike" cap="none">
           <a:solidFill>
             <a:srgbClr val="000000"/>
           </a:solidFill>
@@ -4856,7 +5196,7 @@
           <a:sym typeface="Arial"/>
         </a:defRPr>
       </a:lvl4pPr>
-      <a:lvl5pPr lvl="4" marR="0" rtl="0" algn="l">
+      <a:lvl5pPr marR="0" lvl="4" algn="l" rtl="0">
         <a:lnSpc>
           <a:spcPct val="100000"/>
         </a:lnSpc>
@@ -4870,7 +5210,7 @@
           <a:srgbClr val="000000"/>
         </a:buClr>
         <a:buFont typeface="Arial"/>
-        <a:defRPr b="0" i="0" sz="1400" u="none" cap="none" strike="noStrike">
+        <a:defRPr sz="1400" b="0" i="0" u="none" strike="noStrike" cap="none">
           <a:solidFill>
             <a:srgbClr val="000000"/>
           </a:solidFill>
@@ -4880,7 +5220,7 @@
           <a:sym typeface="Arial"/>
         </a:defRPr>
       </a:lvl5pPr>
-      <a:lvl6pPr lvl="5" marR="0" rtl="0" algn="l">
+      <a:lvl6pPr marR="0" lvl="5" algn="l" rtl="0">
         <a:lnSpc>
           <a:spcPct val="100000"/>
         </a:lnSpc>
@@ -4894,7 +5234,7 @@
           <a:srgbClr val="000000"/>
         </a:buClr>
         <a:buFont typeface="Arial"/>
-        <a:defRPr b="0" i="0" sz="1400" u="none" cap="none" strike="noStrike">
+        <a:defRPr sz="1400" b="0" i="0" u="none" strike="noStrike" cap="none">
           <a:solidFill>
             <a:srgbClr val="000000"/>
           </a:solidFill>
@@ -4904,7 +5244,7 @@
           <a:sym typeface="Arial"/>
         </a:defRPr>
       </a:lvl6pPr>
-      <a:lvl7pPr lvl="6" marR="0" rtl="0" algn="l">
+      <a:lvl7pPr marR="0" lvl="6" algn="l" rtl="0">
         <a:lnSpc>
           <a:spcPct val="100000"/>
         </a:lnSpc>
@@ -4918,7 +5258,7 @@
           <a:srgbClr val="000000"/>
         </a:buClr>
         <a:buFont typeface="Arial"/>
-        <a:defRPr b="0" i="0" sz="1400" u="none" cap="none" strike="noStrike">
+        <a:defRPr sz="1400" b="0" i="0" u="none" strike="noStrike" cap="none">
           <a:solidFill>
             <a:srgbClr val="000000"/>
           </a:solidFill>
@@ -4928,7 +5268,7 @@
           <a:sym typeface="Arial"/>
         </a:defRPr>
       </a:lvl7pPr>
-      <a:lvl8pPr lvl="7" marR="0" rtl="0" algn="l">
+      <a:lvl8pPr marR="0" lvl="7" algn="l" rtl="0">
         <a:lnSpc>
           <a:spcPct val="100000"/>
         </a:lnSpc>
@@ -4942,7 +5282,7 @@
           <a:srgbClr val="000000"/>
         </a:buClr>
         <a:buFont typeface="Arial"/>
-        <a:defRPr b="0" i="0" sz="1400" u="none" cap="none" strike="noStrike">
+        <a:defRPr sz="1400" b="0" i="0" u="none" strike="noStrike" cap="none">
           <a:solidFill>
             <a:srgbClr val="000000"/>
           </a:solidFill>
@@ -4952,7 +5292,7 @@
           <a:sym typeface="Arial"/>
         </a:defRPr>
       </a:lvl8pPr>
-      <a:lvl9pPr lvl="8" marR="0" rtl="0" algn="l">
+      <a:lvl9pPr marR="0" lvl="8" algn="l" rtl="0">
         <a:lnSpc>
           <a:spcPct val="100000"/>
         </a:lnSpc>
@@ -4966,7 +5306,7 @@
           <a:srgbClr val="000000"/>
         </a:buClr>
         <a:buFont typeface="Arial"/>
-        <a:defRPr b="0" i="0" sz="1400" u="none" cap="none" strike="noStrike">
+        <a:defRPr sz="1400" b="0" i="0" u="none" strike="noStrike" cap="none">
           <a:solidFill>
             <a:srgbClr val="000000"/>
           </a:solidFill>
@@ -4978,7 +5318,7 @@
       </a:lvl9pPr>
     </p:titleStyle>
     <p:bodyStyle>
-      <a:defPPr lvl="0" marR="0" rtl="0" algn="l">
+      <a:defPPr marR="0" lvl="0" algn="l" rtl="0">
         <a:lnSpc>
           <a:spcPct val="100000"/>
         </a:lnSpc>
@@ -4989,7 +5329,7 @@
           <a:spcPts val="0"/>
         </a:spcAft>
       </a:defPPr>
-      <a:lvl1pPr lvl="0" marR="0" rtl="0" algn="l">
+      <a:lvl1pPr marR="0" lvl="0" algn="l" rtl="0">
         <a:lnSpc>
           <a:spcPct val="100000"/>
         </a:lnSpc>
@@ -5003,7 +5343,7 @@
           <a:srgbClr val="000000"/>
         </a:buClr>
         <a:buFont typeface="Arial"/>
-        <a:defRPr b="0" i="0" sz="1400" u="none" cap="none" strike="noStrike">
+        <a:defRPr sz="1400" b="0" i="0" u="none" strike="noStrike" cap="none">
           <a:solidFill>
             <a:srgbClr val="000000"/>
           </a:solidFill>
@@ -5013,7 +5353,7 @@
           <a:sym typeface="Arial"/>
         </a:defRPr>
       </a:lvl1pPr>
-      <a:lvl2pPr lvl="1" marR="0" rtl="0" algn="l">
+      <a:lvl2pPr marR="0" lvl="1" algn="l" rtl="0">
         <a:lnSpc>
           <a:spcPct val="100000"/>
         </a:lnSpc>
@@ -5027,7 +5367,7 @@
           <a:srgbClr val="000000"/>
         </a:buClr>
         <a:buFont typeface="Arial"/>
-        <a:defRPr b="0" i="0" sz="1400" u="none" cap="none" strike="noStrike">
+        <a:defRPr sz="1400" b="0" i="0" u="none" strike="noStrike" cap="none">
           <a:solidFill>
             <a:srgbClr val="000000"/>
           </a:solidFill>
@@ -5037,7 +5377,7 @@
           <a:sym typeface="Arial"/>
         </a:defRPr>
       </a:lvl2pPr>
-      <a:lvl3pPr lvl="2" marR="0" rtl="0" algn="l">
+      <a:lvl3pPr marR="0" lvl="2" algn="l" rtl="0">
         <a:lnSpc>
           <a:spcPct val="100000"/>
         </a:lnSpc>
@@ -5051,7 +5391,7 @@
           <a:srgbClr val="000000"/>
         </a:buClr>
         <a:buFont typeface="Arial"/>
-        <a:defRPr b="0" i="0" sz="1400" u="none" cap="none" strike="noStrike">
+        <a:defRPr sz="1400" b="0" i="0" u="none" strike="noStrike" cap="none">
           <a:solidFill>
             <a:srgbClr val="000000"/>
           </a:solidFill>
@@ -5061,7 +5401,7 @@
           <a:sym typeface="Arial"/>
         </a:defRPr>
       </a:lvl3pPr>
-      <a:lvl4pPr lvl="3" marR="0" rtl="0" algn="l">
+      <a:lvl4pPr marR="0" lvl="3" algn="l" rtl="0">
         <a:lnSpc>
           <a:spcPct val="100000"/>
         </a:lnSpc>
@@ -5075,7 +5415,7 @@
           <a:srgbClr val="000000"/>
         </a:buClr>
         <a:buFont typeface="Arial"/>
-        <a:defRPr b="0" i="0" sz="1400" u="none" cap="none" strike="noStrike">
+        <a:defRPr sz="1400" b="0" i="0" u="none" strike="noStrike" cap="none">
           <a:solidFill>
             <a:srgbClr val="000000"/>
           </a:solidFill>
@@ -5085,7 +5425,7 @@
           <a:sym typeface="Arial"/>
         </a:defRPr>
       </a:lvl4pPr>
-      <a:lvl5pPr lvl="4" marR="0" rtl="0" algn="l">
+      <a:lvl5pPr marR="0" lvl="4" algn="l" rtl="0">
         <a:lnSpc>
           <a:spcPct val="100000"/>
         </a:lnSpc>
@@ -5099,7 +5439,7 @@
           <a:srgbClr val="000000"/>
         </a:buClr>
         <a:buFont typeface="Arial"/>
-        <a:defRPr b="0" i="0" sz="1400" u="none" cap="none" strike="noStrike">
+        <a:defRPr sz="1400" b="0" i="0" u="none" strike="noStrike" cap="none">
           <a:solidFill>
             <a:srgbClr val="000000"/>
           </a:solidFill>
@@ -5109,7 +5449,7 @@
           <a:sym typeface="Arial"/>
         </a:defRPr>
       </a:lvl5pPr>
-      <a:lvl6pPr lvl="5" marR="0" rtl="0" algn="l">
+      <a:lvl6pPr marR="0" lvl="5" algn="l" rtl="0">
         <a:lnSpc>
           <a:spcPct val="100000"/>
         </a:lnSpc>
@@ -5123,7 +5463,7 @@
           <a:srgbClr val="000000"/>
         </a:buClr>
         <a:buFont typeface="Arial"/>
-        <a:defRPr b="0" i="0" sz="1400" u="none" cap="none" strike="noStrike">
+        <a:defRPr sz="1400" b="0" i="0" u="none" strike="noStrike" cap="none">
           <a:solidFill>
             <a:srgbClr val="000000"/>
           </a:solidFill>
@@ -5133,7 +5473,7 @@
           <a:sym typeface="Arial"/>
         </a:defRPr>
       </a:lvl6pPr>
-      <a:lvl7pPr lvl="6" marR="0" rtl="0" algn="l">
+      <a:lvl7pPr marR="0" lvl="6" algn="l" rtl="0">
         <a:lnSpc>
           <a:spcPct val="100000"/>
         </a:lnSpc>
@@ -5147,7 +5487,7 @@
           <a:srgbClr val="000000"/>
         </a:buClr>
         <a:buFont typeface="Arial"/>
-        <a:defRPr b="0" i="0" sz="1400" u="none" cap="none" strike="noStrike">
+        <a:defRPr sz="1400" b="0" i="0" u="none" strike="noStrike" cap="none">
           <a:solidFill>
             <a:srgbClr val="000000"/>
           </a:solidFill>
@@ -5157,7 +5497,7 @@
           <a:sym typeface="Arial"/>
         </a:defRPr>
       </a:lvl7pPr>
-      <a:lvl8pPr lvl="7" marR="0" rtl="0" algn="l">
+      <a:lvl8pPr marR="0" lvl="7" algn="l" rtl="0">
         <a:lnSpc>
           <a:spcPct val="100000"/>
         </a:lnSpc>
@@ -5171,7 +5511,7 @@
           <a:srgbClr val="000000"/>
         </a:buClr>
         <a:buFont typeface="Arial"/>
-        <a:defRPr b="0" i="0" sz="1400" u="none" cap="none" strike="noStrike">
+        <a:defRPr sz="1400" b="0" i="0" u="none" strike="noStrike" cap="none">
           <a:solidFill>
             <a:srgbClr val="000000"/>
           </a:solidFill>
@@ -5181,7 +5521,7 @@
           <a:sym typeface="Arial"/>
         </a:defRPr>
       </a:lvl8pPr>
-      <a:lvl9pPr lvl="8" marR="0" rtl="0" algn="l">
+      <a:lvl9pPr marR="0" lvl="8" algn="l" rtl="0">
         <a:lnSpc>
           <a:spcPct val="100000"/>
         </a:lnSpc>
@@ -5195,7 +5535,7 @@
           <a:srgbClr val="000000"/>
         </a:buClr>
         <a:buFont typeface="Arial"/>
-        <a:defRPr b="0" i="0" sz="1400" u="none" cap="none" strike="noStrike">
+        <a:defRPr sz="1400" b="0" i="0" u="none" strike="noStrike" cap="none">
           <a:solidFill>
             <a:srgbClr val="000000"/>
           </a:solidFill>
@@ -5207,7 +5547,7 @@
       </a:lvl9pPr>
     </p:bodyStyle>
     <p:otherStyle>
-      <a:defPPr lvl="0" marR="0" rtl="0" algn="l">
+      <a:defPPr marR="0" lvl="0" algn="l" rtl="0">
         <a:lnSpc>
           <a:spcPct val="100000"/>
         </a:lnSpc>
@@ -5218,7 +5558,7 @@
           <a:spcPts val="0"/>
         </a:spcAft>
       </a:defPPr>
-      <a:lvl1pPr lvl="0" marR="0" rtl="0" algn="l">
+      <a:lvl1pPr marR="0" lvl="0" algn="l" rtl="0">
         <a:lnSpc>
           <a:spcPct val="100000"/>
         </a:lnSpc>
@@ -5232,7 +5572,7 @@
           <a:srgbClr val="000000"/>
         </a:buClr>
         <a:buFont typeface="Arial"/>
-        <a:defRPr b="0" i="0" sz="1400" u="none" cap="none" strike="noStrike">
+        <a:defRPr sz="1400" b="0" i="0" u="none" strike="noStrike" cap="none">
           <a:solidFill>
             <a:srgbClr val="000000"/>
           </a:solidFill>
@@ -5242,7 +5582,7 @@
           <a:sym typeface="Arial"/>
         </a:defRPr>
       </a:lvl1pPr>
-      <a:lvl2pPr lvl="1" marR="0" rtl="0" algn="l">
+      <a:lvl2pPr marR="0" lvl="1" algn="l" rtl="0">
         <a:lnSpc>
           <a:spcPct val="100000"/>
         </a:lnSpc>
@@ -5256,7 +5596,7 @@
           <a:srgbClr val="000000"/>
         </a:buClr>
         <a:buFont typeface="Arial"/>
-        <a:defRPr b="0" i="0" sz="1400" u="none" cap="none" strike="noStrike">
+        <a:defRPr sz="1400" b="0" i="0" u="none" strike="noStrike" cap="none">
           <a:solidFill>
             <a:srgbClr val="000000"/>
           </a:solidFill>
@@ -5266,7 +5606,7 @@
           <a:sym typeface="Arial"/>
         </a:defRPr>
       </a:lvl2pPr>
-      <a:lvl3pPr lvl="2" marR="0" rtl="0" algn="l">
+      <a:lvl3pPr marR="0" lvl="2" algn="l" rtl="0">
         <a:lnSpc>
           <a:spcPct val="100000"/>
         </a:lnSpc>
@@ -5280,7 +5620,7 @@
           <a:srgbClr val="000000"/>
         </a:buClr>
         <a:buFont typeface="Arial"/>
-        <a:defRPr b="0" i="0" sz="1400" u="none" cap="none" strike="noStrike">
+        <a:defRPr sz="1400" b="0" i="0" u="none" strike="noStrike" cap="none">
           <a:solidFill>
             <a:srgbClr val="000000"/>
           </a:solidFill>
@@ -5290,7 +5630,7 @@
           <a:sym typeface="Arial"/>
         </a:defRPr>
       </a:lvl3pPr>
-      <a:lvl4pPr lvl="3" marR="0" rtl="0" algn="l">
+      <a:lvl4pPr marR="0" lvl="3" algn="l" rtl="0">
         <a:lnSpc>
           <a:spcPct val="100000"/>
         </a:lnSpc>
@@ -5304,7 +5644,7 @@
           <a:srgbClr val="000000"/>
         </a:buClr>
         <a:buFont typeface="Arial"/>
-        <a:defRPr b="0" i="0" sz="1400" u="none" cap="none" strike="noStrike">
+        <a:defRPr sz="1400" b="0" i="0" u="none" strike="noStrike" cap="none">
           <a:solidFill>
             <a:srgbClr val="000000"/>
           </a:solidFill>
@@ -5314,7 +5654,7 @@
           <a:sym typeface="Arial"/>
         </a:defRPr>
       </a:lvl4pPr>
-      <a:lvl5pPr lvl="4" marR="0" rtl="0" algn="l">
+      <a:lvl5pPr marR="0" lvl="4" algn="l" rtl="0">
         <a:lnSpc>
           <a:spcPct val="100000"/>
         </a:lnSpc>
@@ -5328,7 +5668,7 @@
           <a:srgbClr val="000000"/>
         </a:buClr>
         <a:buFont typeface="Arial"/>
-        <a:defRPr b="0" i="0" sz="1400" u="none" cap="none" strike="noStrike">
+        <a:defRPr sz="1400" b="0" i="0" u="none" strike="noStrike" cap="none">
           <a:solidFill>
             <a:srgbClr val="000000"/>
           </a:solidFill>
@@ -5338,7 +5678,7 @@
           <a:sym typeface="Arial"/>
         </a:defRPr>
       </a:lvl5pPr>
-      <a:lvl6pPr lvl="5" marR="0" rtl="0" algn="l">
+      <a:lvl6pPr marR="0" lvl="5" algn="l" rtl="0">
         <a:lnSpc>
           <a:spcPct val="100000"/>
         </a:lnSpc>
@@ -5352,7 +5692,7 @@
           <a:srgbClr val="000000"/>
         </a:buClr>
         <a:buFont typeface="Arial"/>
-        <a:defRPr b="0" i="0" sz="1400" u="none" cap="none" strike="noStrike">
+        <a:defRPr sz="1400" b="0" i="0" u="none" strike="noStrike" cap="none">
           <a:solidFill>
             <a:srgbClr val="000000"/>
           </a:solidFill>
@@ -5362,7 +5702,7 @@
           <a:sym typeface="Arial"/>
         </a:defRPr>
       </a:lvl6pPr>
-      <a:lvl7pPr lvl="6" marR="0" rtl="0" algn="l">
+      <a:lvl7pPr marR="0" lvl="6" algn="l" rtl="0">
         <a:lnSpc>
           <a:spcPct val="100000"/>
         </a:lnSpc>
@@ -5376,7 +5716,7 @@
           <a:srgbClr val="000000"/>
         </a:buClr>
         <a:buFont typeface="Arial"/>
-        <a:defRPr b="0" i="0" sz="1400" u="none" cap="none" strike="noStrike">
+        <a:defRPr sz="1400" b="0" i="0" u="none" strike="noStrike" cap="none">
           <a:solidFill>
             <a:srgbClr val="000000"/>
           </a:solidFill>
@@ -5386,7 +5726,7 @@
           <a:sym typeface="Arial"/>
         </a:defRPr>
       </a:lvl7pPr>
-      <a:lvl8pPr lvl="7" marR="0" rtl="0" algn="l">
+      <a:lvl8pPr marR="0" lvl="7" algn="l" rtl="0">
         <a:lnSpc>
           <a:spcPct val="100000"/>
         </a:lnSpc>
@@ -5400,7 +5740,7 @@
           <a:srgbClr val="000000"/>
         </a:buClr>
         <a:buFont typeface="Arial"/>
-        <a:defRPr b="0" i="0" sz="1400" u="none" cap="none" strike="noStrike">
+        <a:defRPr sz="1400" b="0" i="0" u="none" strike="noStrike" cap="none">
           <a:solidFill>
             <a:srgbClr val="000000"/>
           </a:solidFill>
@@ -5410,7 +5750,7 @@
           <a:sym typeface="Arial"/>
         </a:defRPr>
       </a:lvl8pPr>
-      <a:lvl9pPr lvl="8" marR="0" rtl="0" algn="l">
+      <a:lvl9pPr marR="0" lvl="8" algn="l" rtl="0">
         <a:lnSpc>
           <a:spcPct val="100000"/>
         </a:lnSpc>
@@ -5424,7 +5764,7 @@
           <a:srgbClr val="000000"/>
         </a:buClr>
         <a:buFont typeface="Arial"/>
-        <a:defRPr b="0" i="0" sz="1400" u="none" cap="none" strike="noStrike">
+        <a:defRPr sz="1400" b="0" i="0" u="none" strike="noStrike" cap="none">
           <a:solidFill>
             <a:srgbClr val="000000"/>
           </a:solidFill>
@@ -5440,11 +5780,11 @@
 </file>
 
 <file path=ppt/slides/slide1.xml><?xml version="1.0" encoding="utf-8"?>
-<p:sld xmlns:a="http://schemas.openxmlformats.org/drawingml/2006/main" xmlns:r="http://schemas.openxmlformats.org/officeDocument/2006/relationships" xmlns:mc="http://schemas.openxmlformats.org/markup-compatibility/2006" xmlns:mv="urn:schemas-microsoft-com:mac:vml" xmlns:p="http://schemas.openxmlformats.org/presentationml/2006/main" xmlns:c="http://schemas.openxmlformats.org/drawingml/2006/chart" xmlns:dgm="http://schemas.openxmlformats.org/drawingml/2006/diagram" xmlns:o="urn:schemas-microsoft-com:office:office" xmlns:v="urn:schemas-microsoft-com:vml" xmlns:pvml="urn:schemas-microsoft-com:office:powerpoint" xmlns:com="http://schemas.openxmlformats.org/drawingml/2006/compatibility" xmlns:p14="http://schemas.microsoft.com/office/powerpoint/2010/main" xmlns:p15="http://schemas.microsoft.com/office/powerpoint/2012/main" xmlns:ahyp="http://schemas.microsoft.com/office/drawing/2018/hyperlinkcolor">
+<p:sld xmlns:a="http://schemas.openxmlformats.org/drawingml/2006/main" xmlns:r="http://schemas.openxmlformats.org/officeDocument/2006/relationships" xmlns:p="http://schemas.openxmlformats.org/presentationml/2006/main">
   <p:cSld>
     <p:spTree>
       <p:nvGrpSpPr>
-        <p:cNvPr id="53" name="Shape 53"/>
+        <p:cNvPr id="1" name="Shape 53"/>
         <p:cNvGrpSpPr/>
         <p:nvPr/>
       </p:nvGrpSpPr>
@@ -5459,7 +5799,9 @@
       <p:sp>
         <p:nvSpPr>
           <p:cNvPr id="54" name="Google Shape;54;p13"/>
-          <p:cNvSpPr txBox="1"/>
+          <p:cNvSpPr txBox="1">
+            <a:spLocks noGrp="1"/>
+          </p:cNvSpPr>
           <p:nvPr>
             <p:ph type="title"/>
           </p:nvPr>
@@ -5474,12 +5816,12 @@
           </a:prstGeom>
         </p:spPr>
         <p:txBody>
-          <a:bodyPr anchorCtr="0" anchor="t" bIns="91425" lIns="91425" spcFirstLastPara="1" rIns="91425" wrap="square" tIns="91425">
+          <a:bodyPr spcFirstLastPara="1" wrap="square" lIns="91425" tIns="91425" rIns="91425" bIns="91425" anchor="t" anchorCtr="0">
             <a:normAutofit/>
           </a:bodyPr>
           <a:lstStyle/>
           <a:p>
-            <a:pPr indent="0" lvl="0" marL="0" rtl="0" algn="ctr">
+            <a:pPr marL="0" lvl="0" indent="0" algn="ctr" rtl="0">
               <a:spcBef>
                 <a:spcPts val="0"/>
               </a:spcBef>
@@ -5490,14 +5832,14 @@
               <a:buNone/>
             </a:pPr>
             <a:r>
-              <a:rPr b="1" lang="en" sz="2220">
+              <a:rPr lang="en" sz="2220" b="1">
                 <a:solidFill>
                   <a:schemeClr val="lt1"/>
                 </a:solidFill>
               </a:rPr>
               <a:t>Annual Customer Activity Growth Analysis</a:t>
             </a:r>
-            <a:endParaRPr b="1" sz="2220">
+            <a:endParaRPr sz="2220" b="1">
               <a:solidFill>
                 <a:schemeClr val="lt1"/>
               </a:solidFill>
@@ -5525,12 +5867,12 @@
           </a:ln>
         </p:spPr>
         <p:txBody>
-          <a:bodyPr anchorCtr="0" anchor="t" bIns="91425" lIns="91425" spcFirstLastPara="1" rIns="91425" wrap="square" tIns="91425">
+          <a:bodyPr spcFirstLastPara="1" wrap="square" lIns="91425" tIns="91425" rIns="91425" bIns="91425" anchor="t" anchorCtr="0">
             <a:spAutoFit/>
           </a:bodyPr>
           <a:lstStyle/>
           <a:p>
-            <a:pPr indent="0" lvl="0" marL="0" rtl="0" algn="r">
+            <a:pPr marL="0" lvl="0" indent="0" algn="r" rtl="0">
               <a:lnSpc>
                 <a:spcPct val="100000"/>
               </a:lnSpc>
@@ -5542,17 +5884,14 @@
               </a:spcAft>
               <a:buNone/>
             </a:pPr>
-            <a:r>
-              <a:t/>
-            </a:r>
-            <a:endParaRPr sz="1100">
+            <a:endParaRPr sz="1100" dirty="0">
               <a:solidFill>
                 <a:schemeClr val="dk1"/>
               </a:solidFill>
             </a:endParaRPr>
           </a:p>
           <a:p>
-            <a:pPr indent="0" lvl="0" marL="0" rtl="0" algn="r">
+            <a:pPr marL="0" lvl="0" indent="0" algn="r" rtl="0">
               <a:lnSpc>
                 <a:spcPct val="100000"/>
               </a:lnSpc>
@@ -5565,14 +5904,23 @@
               <a:buNone/>
             </a:pPr>
             <a:r>
-              <a:rPr lang="en" sz="1100">
+              <a:rPr lang="en-US" sz="1100" dirty="0">
                 <a:solidFill>
                   <a:schemeClr val="dk1"/>
                 </a:solidFill>
               </a:rPr>
-              <a:t>Query selengkapnya dapat dilihat disini</a:t>
+              <a:t>The full query can be found </a:t>
             </a:r>
-            <a:endParaRPr sz="1100">
+            <a:r>
+              <a:rPr lang="en-US" sz="1100" dirty="0">
+                <a:solidFill>
+                  <a:schemeClr val="dk1"/>
+                </a:solidFill>
+                <a:hlinkClick r:id="rId3"/>
+              </a:rPr>
+              <a:t>here</a:t>
+            </a:r>
+            <a:endParaRPr lang="en-US" sz="1100" dirty="0">
               <a:solidFill>
                 <a:schemeClr val="dk1"/>
               </a:solidFill>
@@ -5583,9 +5931,11 @@
       <p:sp>
         <p:nvSpPr>
           <p:cNvPr id="56" name="Google Shape;56;p13"/>
-          <p:cNvSpPr txBox="1"/>
+          <p:cNvSpPr txBox="1">
+            <a:spLocks noGrp="1"/>
+          </p:cNvSpPr>
           <p:nvPr>
-            <p:ph idx="1" type="body"/>
+            <p:ph type="body" idx="1"/>
           </p:nvPr>
         </p:nvSpPr>
         <p:spPr>
@@ -5598,12 +5948,12 @@
           </a:prstGeom>
         </p:spPr>
         <p:txBody>
-          <a:bodyPr anchorCtr="0" anchor="t" bIns="91425" lIns="91425" spcFirstLastPara="1" rIns="91425" wrap="square" tIns="91425">
-            <a:normAutofit lnSpcReduction="20000"/>
+          <a:bodyPr spcFirstLastPara="1" wrap="square" lIns="91425" tIns="91425" rIns="91425" bIns="91425" anchor="t" anchorCtr="0">
+            <a:normAutofit/>
           </a:bodyPr>
           <a:lstStyle/>
           <a:p>
-            <a:pPr indent="-323850" lvl="0" marL="457200" rtl="0" algn="l">
+            <a:pPr marL="133350" lvl="0" indent="0" algn="l" rtl="0">
               <a:spcBef>
                 <a:spcPts val="0"/>
               </a:spcBef>
@@ -5614,106 +5964,39 @@
                 <a:schemeClr val="dk1"/>
               </a:buClr>
               <a:buSzPts val="1500"/>
-              <a:buChar char="●"/>
+              <a:buNone/>
             </a:pPr>
             <a:r>
-              <a:rPr lang="en" sz="1500">
+              <a:rPr lang="en-US" sz="1300" b="1" dirty="0">
                 <a:solidFill>
                   <a:schemeClr val="dk1"/>
                 </a:solidFill>
               </a:rPr>
-              <a:t>Masukkan master tabel yang berisi informasi: </a:t>
+              <a:t>Overview :</a:t>
             </a:r>
-            <a:br>
-              <a:rPr lang="en" sz="1500">
-                <a:solidFill>
-                  <a:schemeClr val="dk1"/>
-                </a:solidFill>
-              </a:rPr>
-            </a:br>
-            <a:r>
-              <a:rPr lang="en" sz="1500">
-                <a:solidFill>
-                  <a:schemeClr val="dk1"/>
-                </a:solidFill>
-              </a:rPr>
-              <a:t>- Rata-rata Monthly Active User (MAU) per tahun, </a:t>
-            </a:r>
-            <a:br>
-              <a:rPr lang="en" sz="1500">
-                <a:solidFill>
-                  <a:schemeClr val="dk1"/>
-                </a:solidFill>
-              </a:rPr>
-            </a:br>
-            <a:r>
-              <a:rPr lang="en" sz="1500">
-                <a:solidFill>
-                  <a:schemeClr val="dk1"/>
-                </a:solidFill>
-              </a:rPr>
-              <a:t>- total customer baru per tahun, </a:t>
-            </a:r>
-            <a:br>
-              <a:rPr lang="en" sz="1500">
-                <a:solidFill>
-                  <a:schemeClr val="dk1"/>
-                </a:solidFill>
-              </a:rPr>
-            </a:br>
-            <a:r>
-              <a:rPr lang="en" sz="1500">
-                <a:solidFill>
-                  <a:schemeClr val="dk1"/>
-                </a:solidFill>
-              </a:rPr>
-              <a:t>- jumlah customer yang melakukan repeat order per tahun, </a:t>
-            </a:r>
-            <a:br>
-              <a:rPr lang="en" sz="1500">
-                <a:solidFill>
-                  <a:schemeClr val="dk1"/>
-                </a:solidFill>
-              </a:rPr>
-            </a:br>
-            <a:r>
-              <a:rPr lang="en" sz="1500">
-                <a:solidFill>
-                  <a:schemeClr val="dk1"/>
-                </a:solidFill>
-              </a:rPr>
-              <a:t>- rata-rata frekuensi order untuk setiap tahun.</a:t>
-            </a:r>
-            <a:br>
-              <a:rPr lang="en" sz="1500">
-                <a:solidFill>
-                  <a:schemeClr val="dk1"/>
-                </a:solidFill>
-              </a:rPr>
-            </a:br>
-            <a:r>
-              <a:rPr lang="en" sz="1500">
-                <a:solidFill>
-                  <a:schemeClr val="dk1"/>
-                </a:solidFill>
-              </a:rPr>
-              <a:t>(Hasil dari langkah 5)</a:t>
-            </a:r>
-            <a:br>
-              <a:rPr lang="en" sz="1500">
-                <a:solidFill>
-                  <a:schemeClr val="dk1"/>
-                </a:solidFill>
-              </a:rPr>
-            </a:br>
-            <a:endParaRPr sz="1500">
+          </a:p>
+          <a:p>
+            <a:pPr marL="133350" lvl="0" indent="0" algn="l" rtl="0">
+              <a:spcBef>
+                <a:spcPts val="0"/>
+              </a:spcBef>
+              <a:spcAft>
+                <a:spcPts val="0"/>
+              </a:spcAft>
+              <a:buClr>
+                <a:schemeClr val="dk1"/>
+              </a:buClr>
+              <a:buSzPts val="1500"/>
+              <a:buNone/>
+            </a:pPr>
+            <a:endParaRPr lang="en-US" sz="1300" dirty="0">
               <a:solidFill>
                 <a:schemeClr val="dk1"/>
               </a:solidFill>
             </a:endParaRPr>
           </a:p>
           <a:p>
-            <a:pPr indent="-323850" lvl="0" marL="457200" rtl="0" algn="l">
+            <a:pPr marL="133350" lvl="0" indent="0" algn="l" rtl="0">
               <a:spcBef>
                 <a:spcPts val="0"/>
               </a:spcBef>
@@ -5724,47 +6007,39 @@
                 <a:schemeClr val="dk1"/>
               </a:buClr>
               <a:buSzPts val="1500"/>
-              <a:buChar char="●"/>
+              <a:buNone/>
             </a:pPr>
             <a:r>
-              <a:rPr lang="en" sz="1500">
+              <a:rPr lang="en-US" sz="1300" dirty="0">
                 <a:solidFill>
                   <a:schemeClr val="dk1"/>
                 </a:solidFill>
               </a:rPr>
-              <a:t>Silakan tambahkan visualisasi lainnya bisa berupa gambar, grafik, dsb untuk informasi yang menurutmu penting mengenai </a:t>
+              <a:t>In this section, we will conduct an Annual Customer Activity Growth Analysis by analyzing the development of several business metrics per year such as monthly active users, total new customers, total customers who make repeat orders, and average order value. This will provide insight into whether the eCommerce business's performance in terms of customer activity has grown, remained stagnant, or even declined over the past year.</a:t>
             </a:r>
-            <a:r>
-              <a:rPr b="1" lang="en" sz="1500">
-                <a:solidFill>
-                  <a:schemeClr val="dk1"/>
-                </a:solidFill>
-              </a:rPr>
-              <a:t>pertumbuhan pelanggan</a:t>
-            </a:r>
-            <a:r>
-              <a:rPr lang="en" sz="1500">
-                <a:solidFill>
-                  <a:schemeClr val="dk1"/>
-                </a:solidFill>
-              </a:rPr>
-              <a:t> berdasarkan tabel di atas kemudian tulislah interpretasi-mu.</a:t>
-            </a:r>
-            <a:br>
-              <a:rPr lang="en" sz="1500">
-                <a:solidFill>
-                  <a:schemeClr val="dk1"/>
-                </a:solidFill>
-              </a:rPr>
-            </a:br>
-            <a:endParaRPr sz="1500">
+          </a:p>
+          <a:p>
+            <a:pPr marL="133350" lvl="0" indent="0" algn="l" rtl="0">
+              <a:spcBef>
+                <a:spcPts val="0"/>
+              </a:spcBef>
+              <a:spcAft>
+                <a:spcPts val="0"/>
+              </a:spcAft>
+              <a:buClr>
+                <a:schemeClr val="dk1"/>
+              </a:buClr>
+              <a:buSzPts val="1500"/>
+              <a:buNone/>
+            </a:pPr>
+            <a:endParaRPr lang="en" sz="1300" dirty="0">
               <a:solidFill>
                 <a:schemeClr val="dk1"/>
               </a:solidFill>
             </a:endParaRPr>
           </a:p>
           <a:p>
-            <a:pPr indent="-323850" lvl="0" marL="457200" rtl="0" algn="l">
+            <a:pPr marL="133350" lvl="0" indent="0" algn="l" rtl="0">
               <a:spcBef>
                 <a:spcPts val="0"/>
               </a:spcBef>
@@ -5775,68 +6050,32 @@
                 <a:schemeClr val="dk1"/>
               </a:buClr>
               <a:buSzPts val="1500"/>
-              <a:buChar char="●"/>
+              <a:buNone/>
             </a:pPr>
             <a:r>
-              <a:rPr lang="en" sz="1500">
+              <a:rPr lang="en" sz="1300" dirty="0">
                 <a:solidFill>
                   <a:schemeClr val="dk1"/>
                 </a:solidFill>
               </a:rPr>
-              <a:t>Tambahkan query yang kamu gunakan pada tugas ini, ke dalam </a:t>
+              <a:t>Here is the summary table of </a:t>
             </a:r>
             <a:r>
-              <a:rPr lang="en" sz="1500">
+              <a:rPr lang="en-US" sz="1300" dirty="0">
                 <a:solidFill>
                   <a:schemeClr val="dk1"/>
                 </a:solidFill>
               </a:rPr>
-              <a:t>file doc yang sudah dibuat pada tugas sebelumnya, dan</a:t>
-            </a:r>
-            <a:r>
-              <a:rPr lang="en" sz="1500">
-                <a:solidFill>
-                  <a:schemeClr val="dk1"/>
-                </a:solidFill>
-              </a:rPr>
-              <a:t> jangan lupa sematkan link-nya di pojok kanan bawah.</a:t>
+              <a:t>monthly active users, total new customers, total customers who make repeat orders, and average order value performance :</a:t>
             </a:r>
             <a:br>
-              <a:rPr lang="en" sz="1500">
+              <a:rPr lang="en" sz="1500" dirty="0">
                 <a:solidFill>
                   <a:schemeClr val="dk1"/>
                 </a:solidFill>
               </a:rPr>
             </a:br>
-            <a:endParaRPr sz="1500">
-              <a:solidFill>
-                <a:schemeClr val="dk1"/>
-              </a:solidFill>
-            </a:endParaRPr>
-          </a:p>
-          <a:p>
-            <a:pPr indent="-323850" lvl="0" marL="457200" rtl="0" algn="l">
-              <a:spcBef>
-                <a:spcPts val="0"/>
-              </a:spcBef>
-              <a:spcAft>
-                <a:spcPts val="0"/>
-              </a:spcAft>
-              <a:buClr>
-                <a:schemeClr val="dk1"/>
-              </a:buClr>
-              <a:buSzPts val="1500"/>
-              <a:buChar char="●"/>
-            </a:pPr>
-            <a:r>
-              <a:rPr lang="en" sz="1500">
-                <a:solidFill>
-                  <a:schemeClr val="dk1"/>
-                </a:solidFill>
-              </a:rPr>
-              <a:t>Maksimal 4 slide.</a:t>
-            </a:r>
-            <a:endParaRPr sz="1500">
+            <a:endParaRPr sz="1500" dirty="0">
               <a:solidFill>
                 <a:schemeClr val="dk1"/>
               </a:solidFill>
@@ -5844,6 +6083,36 @@
           </a:p>
         </p:txBody>
       </p:sp>
+      <p:pic>
+        <p:nvPicPr>
+          <p:cNvPr id="8" name="Picture 7">
+            <a:extLst>
+              <a:ext uri="{FF2B5EF4-FFF2-40B4-BE49-F238E27FC236}">
+                <a16:creationId xmlns:a16="http://schemas.microsoft.com/office/drawing/2014/main" id="{8E427E3D-C657-B98A-48BC-027DC9F5627A}"/>
+              </a:ext>
+            </a:extLst>
+          </p:cNvPr>
+          <p:cNvPicPr>
+            <a:picLocks noChangeAspect="1"/>
+          </p:cNvPicPr>
+          <p:nvPr/>
+        </p:nvPicPr>
+        <p:blipFill>
+          <a:blip r:embed="rId4"/>
+          <a:stretch>
+            <a:fillRect/>
+          </a:stretch>
+        </p:blipFill>
+        <p:spPr>
+          <a:xfrm>
+            <a:off x="503671" y="3247750"/>
+            <a:ext cx="8136657" cy="1321200"/>
+          </a:xfrm>
+          <a:prstGeom prst="rect">
+            <a:avLst/>
+          </a:prstGeom>
+        </p:spPr>
+      </p:pic>
     </p:spTree>
   </p:cSld>
   <p:clrMapOvr>
@@ -5852,8 +6121,1822 @@
 </p:sld>
 </file>
 
+<file path=ppt/slides/slide2.xml><?xml version="1.0" encoding="utf-8"?>
+<p:sld xmlns:a="http://schemas.openxmlformats.org/drawingml/2006/main" xmlns:r="http://schemas.openxmlformats.org/officeDocument/2006/relationships" xmlns:p="http://schemas.openxmlformats.org/presentationml/2006/main">
+  <p:cSld>
+    <p:spTree>
+      <p:nvGrpSpPr>
+        <p:cNvPr id="1" name="Shape 53"/>
+        <p:cNvGrpSpPr/>
+        <p:nvPr/>
+      </p:nvGrpSpPr>
+      <p:grpSpPr>
+        <a:xfrm>
+          <a:off x="0" y="0"/>
+          <a:ext cx="0" cy="0"/>
+          <a:chOff x="0" y="0"/>
+          <a:chExt cx="0" cy="0"/>
+        </a:xfrm>
+      </p:grpSpPr>
+      <p:sp>
+        <p:nvSpPr>
+          <p:cNvPr id="54" name="Google Shape;54;p13"/>
+          <p:cNvSpPr txBox="1">
+            <a:spLocks noGrp="1"/>
+          </p:cNvSpPr>
+          <p:nvPr>
+            <p:ph type="title"/>
+          </p:nvPr>
+        </p:nvSpPr>
+        <p:spPr>
+          <a:xfrm>
+            <a:off x="311700" y="-12175"/>
+            <a:ext cx="8520600" cy="572700"/>
+          </a:xfrm>
+          <a:prstGeom prst="rect">
+            <a:avLst/>
+          </a:prstGeom>
+        </p:spPr>
+        <p:txBody>
+          <a:bodyPr spcFirstLastPara="1" wrap="square" lIns="91425" tIns="91425" rIns="91425" bIns="91425" anchor="t" anchorCtr="0">
+            <a:normAutofit/>
+          </a:bodyPr>
+          <a:lstStyle/>
+          <a:p>
+            <a:pPr marL="0" lvl="0" indent="0" algn="ctr" rtl="0">
+              <a:spcBef>
+                <a:spcPts val="0"/>
+              </a:spcBef>
+              <a:spcAft>
+                <a:spcPts val="0"/>
+              </a:spcAft>
+              <a:buSzPts val="990"/>
+              <a:buNone/>
+            </a:pPr>
+            <a:r>
+              <a:rPr lang="en" sz="2220" b="1">
+                <a:solidFill>
+                  <a:schemeClr val="lt1"/>
+                </a:solidFill>
+              </a:rPr>
+              <a:t>Annual Customer Activity Growth Analysis</a:t>
+            </a:r>
+            <a:endParaRPr sz="2220" b="1">
+              <a:solidFill>
+                <a:schemeClr val="lt1"/>
+              </a:solidFill>
+            </a:endParaRPr>
+          </a:p>
+        </p:txBody>
+      </p:sp>
+      <p:sp>
+        <p:nvSpPr>
+          <p:cNvPr id="6" name="Google Shape;56;p13">
+            <a:extLst>
+              <a:ext uri="{FF2B5EF4-FFF2-40B4-BE49-F238E27FC236}">
+                <a16:creationId xmlns:a16="http://schemas.microsoft.com/office/drawing/2014/main" id="{607FCFFB-55EE-3086-C30D-DD3B4F160B21}"/>
+              </a:ext>
+            </a:extLst>
+          </p:cNvPr>
+          <p:cNvSpPr txBox="1">
+            <a:spLocks/>
+          </p:cNvSpPr>
+          <p:nvPr/>
+        </p:nvSpPr>
+        <p:spPr>
+          <a:xfrm>
+            <a:off x="311700" y="863950"/>
+            <a:ext cx="3470591" cy="3004828"/>
+          </a:xfrm>
+          <a:prstGeom prst="rect">
+            <a:avLst/>
+          </a:prstGeom>
+          <a:noFill/>
+          <a:ln>
+            <a:noFill/>
+          </a:ln>
+        </p:spPr>
+        <p:txBody>
+          <a:bodyPr spcFirstLastPara="1" wrap="square" lIns="91425" tIns="91425" rIns="91425" bIns="91425" anchor="t" anchorCtr="0">
+            <a:normAutofit/>
+          </a:bodyPr>
+          <a:lstStyle>
+            <a:defPPr marR="0" lvl="0" algn="l" rtl="0">
+              <a:lnSpc>
+                <a:spcPct val="100000"/>
+              </a:lnSpc>
+              <a:spcBef>
+                <a:spcPts val="0"/>
+              </a:spcBef>
+              <a:spcAft>
+                <a:spcPts val="0"/>
+              </a:spcAft>
+            </a:defPPr>
+            <a:lvl1pPr marL="457200" marR="0" lvl="0" indent="-342900" algn="l" rtl="0">
+              <a:lnSpc>
+                <a:spcPct val="115000"/>
+              </a:lnSpc>
+              <a:spcBef>
+                <a:spcPts val="0"/>
+              </a:spcBef>
+              <a:spcAft>
+                <a:spcPts val="0"/>
+              </a:spcAft>
+              <a:buClr>
+                <a:schemeClr val="dk2"/>
+              </a:buClr>
+              <a:buSzPts val="1800"/>
+              <a:buFont typeface="Arial"/>
+              <a:buChar char="●"/>
+              <a:defRPr sz="1800" b="0" i="0" u="none" strike="noStrike" cap="none">
+                <a:solidFill>
+                  <a:schemeClr val="dk2"/>
+                </a:solidFill>
+                <a:latin typeface="Arial"/>
+                <a:ea typeface="Arial"/>
+                <a:cs typeface="Arial"/>
+                <a:sym typeface="Arial"/>
+              </a:defRPr>
+            </a:lvl1pPr>
+            <a:lvl2pPr marL="914400" marR="0" lvl="1" indent="-317500" algn="l" rtl="0">
+              <a:lnSpc>
+                <a:spcPct val="115000"/>
+              </a:lnSpc>
+              <a:spcBef>
+                <a:spcPts val="0"/>
+              </a:spcBef>
+              <a:spcAft>
+                <a:spcPts val="0"/>
+              </a:spcAft>
+              <a:buClr>
+                <a:schemeClr val="dk2"/>
+              </a:buClr>
+              <a:buSzPts val="1400"/>
+              <a:buFont typeface="Arial"/>
+              <a:buChar char="○"/>
+              <a:defRPr sz="1400" b="0" i="0" u="none" strike="noStrike" cap="none">
+                <a:solidFill>
+                  <a:schemeClr val="dk2"/>
+                </a:solidFill>
+                <a:latin typeface="Arial"/>
+                <a:ea typeface="Arial"/>
+                <a:cs typeface="Arial"/>
+                <a:sym typeface="Arial"/>
+              </a:defRPr>
+            </a:lvl2pPr>
+            <a:lvl3pPr marL="1371600" marR="0" lvl="2" indent="-317500" algn="l" rtl="0">
+              <a:lnSpc>
+                <a:spcPct val="115000"/>
+              </a:lnSpc>
+              <a:spcBef>
+                <a:spcPts val="0"/>
+              </a:spcBef>
+              <a:spcAft>
+                <a:spcPts val="0"/>
+              </a:spcAft>
+              <a:buClr>
+                <a:schemeClr val="dk2"/>
+              </a:buClr>
+              <a:buSzPts val="1400"/>
+              <a:buFont typeface="Arial"/>
+              <a:buChar char="■"/>
+              <a:defRPr sz="1400" b="0" i="0" u="none" strike="noStrike" cap="none">
+                <a:solidFill>
+                  <a:schemeClr val="dk2"/>
+                </a:solidFill>
+                <a:latin typeface="Arial"/>
+                <a:ea typeface="Arial"/>
+                <a:cs typeface="Arial"/>
+                <a:sym typeface="Arial"/>
+              </a:defRPr>
+            </a:lvl3pPr>
+            <a:lvl4pPr marL="1828800" marR="0" lvl="3" indent="-317500" algn="l" rtl="0">
+              <a:lnSpc>
+                <a:spcPct val="115000"/>
+              </a:lnSpc>
+              <a:spcBef>
+                <a:spcPts val="0"/>
+              </a:spcBef>
+              <a:spcAft>
+                <a:spcPts val="0"/>
+              </a:spcAft>
+              <a:buClr>
+                <a:schemeClr val="dk2"/>
+              </a:buClr>
+              <a:buSzPts val="1400"/>
+              <a:buFont typeface="Arial"/>
+              <a:buChar char="●"/>
+              <a:defRPr sz="1400" b="0" i="0" u="none" strike="noStrike" cap="none">
+                <a:solidFill>
+                  <a:schemeClr val="dk2"/>
+                </a:solidFill>
+                <a:latin typeface="Arial"/>
+                <a:ea typeface="Arial"/>
+                <a:cs typeface="Arial"/>
+                <a:sym typeface="Arial"/>
+              </a:defRPr>
+            </a:lvl4pPr>
+            <a:lvl5pPr marL="2286000" marR="0" lvl="4" indent="-317500" algn="l" rtl="0">
+              <a:lnSpc>
+                <a:spcPct val="115000"/>
+              </a:lnSpc>
+              <a:spcBef>
+                <a:spcPts val="0"/>
+              </a:spcBef>
+              <a:spcAft>
+                <a:spcPts val="0"/>
+              </a:spcAft>
+              <a:buClr>
+                <a:schemeClr val="dk2"/>
+              </a:buClr>
+              <a:buSzPts val="1400"/>
+              <a:buFont typeface="Arial"/>
+              <a:buChar char="○"/>
+              <a:defRPr sz="1400" b="0" i="0" u="none" strike="noStrike" cap="none">
+                <a:solidFill>
+                  <a:schemeClr val="dk2"/>
+                </a:solidFill>
+                <a:latin typeface="Arial"/>
+                <a:ea typeface="Arial"/>
+                <a:cs typeface="Arial"/>
+                <a:sym typeface="Arial"/>
+              </a:defRPr>
+            </a:lvl5pPr>
+            <a:lvl6pPr marL="2743200" marR="0" lvl="5" indent="-317500" algn="l" rtl="0">
+              <a:lnSpc>
+                <a:spcPct val="115000"/>
+              </a:lnSpc>
+              <a:spcBef>
+                <a:spcPts val="0"/>
+              </a:spcBef>
+              <a:spcAft>
+                <a:spcPts val="0"/>
+              </a:spcAft>
+              <a:buClr>
+                <a:schemeClr val="dk2"/>
+              </a:buClr>
+              <a:buSzPts val="1400"/>
+              <a:buFont typeface="Arial"/>
+              <a:buChar char="■"/>
+              <a:defRPr sz="1400" b="0" i="0" u="none" strike="noStrike" cap="none">
+                <a:solidFill>
+                  <a:schemeClr val="dk2"/>
+                </a:solidFill>
+                <a:latin typeface="Arial"/>
+                <a:ea typeface="Arial"/>
+                <a:cs typeface="Arial"/>
+                <a:sym typeface="Arial"/>
+              </a:defRPr>
+            </a:lvl6pPr>
+            <a:lvl7pPr marL="3200400" marR="0" lvl="6" indent="-317500" algn="l" rtl="0">
+              <a:lnSpc>
+                <a:spcPct val="115000"/>
+              </a:lnSpc>
+              <a:spcBef>
+                <a:spcPts val="0"/>
+              </a:spcBef>
+              <a:spcAft>
+                <a:spcPts val="0"/>
+              </a:spcAft>
+              <a:buClr>
+                <a:schemeClr val="dk2"/>
+              </a:buClr>
+              <a:buSzPts val="1400"/>
+              <a:buFont typeface="Arial"/>
+              <a:buChar char="●"/>
+              <a:defRPr sz="1400" b="0" i="0" u="none" strike="noStrike" cap="none">
+                <a:solidFill>
+                  <a:schemeClr val="dk2"/>
+                </a:solidFill>
+                <a:latin typeface="Arial"/>
+                <a:ea typeface="Arial"/>
+                <a:cs typeface="Arial"/>
+                <a:sym typeface="Arial"/>
+              </a:defRPr>
+            </a:lvl7pPr>
+            <a:lvl8pPr marL="3657600" marR="0" lvl="7" indent="-317500" algn="l" rtl="0">
+              <a:lnSpc>
+                <a:spcPct val="115000"/>
+              </a:lnSpc>
+              <a:spcBef>
+                <a:spcPts val="0"/>
+              </a:spcBef>
+              <a:spcAft>
+                <a:spcPts val="0"/>
+              </a:spcAft>
+              <a:buClr>
+                <a:schemeClr val="dk2"/>
+              </a:buClr>
+              <a:buSzPts val="1400"/>
+              <a:buFont typeface="Arial"/>
+              <a:buChar char="○"/>
+              <a:defRPr sz="1400" b="0" i="0" u="none" strike="noStrike" cap="none">
+                <a:solidFill>
+                  <a:schemeClr val="dk2"/>
+                </a:solidFill>
+                <a:latin typeface="Arial"/>
+                <a:ea typeface="Arial"/>
+                <a:cs typeface="Arial"/>
+                <a:sym typeface="Arial"/>
+              </a:defRPr>
+            </a:lvl8pPr>
+            <a:lvl9pPr marL="4114800" marR="0" lvl="8" indent="-317500" algn="l" rtl="0">
+              <a:lnSpc>
+                <a:spcPct val="115000"/>
+              </a:lnSpc>
+              <a:spcBef>
+                <a:spcPts val="0"/>
+              </a:spcBef>
+              <a:spcAft>
+                <a:spcPts val="0"/>
+              </a:spcAft>
+              <a:buClr>
+                <a:schemeClr val="dk2"/>
+              </a:buClr>
+              <a:buSzPts val="1400"/>
+              <a:buFont typeface="Arial"/>
+              <a:buChar char="■"/>
+              <a:defRPr sz="1400" b="0" i="0" u="none" strike="noStrike" cap="none">
+                <a:solidFill>
+                  <a:schemeClr val="dk2"/>
+                </a:solidFill>
+                <a:latin typeface="Arial"/>
+                <a:ea typeface="Arial"/>
+                <a:cs typeface="Arial"/>
+                <a:sym typeface="Arial"/>
+              </a:defRPr>
+            </a:lvl9pPr>
+          </a:lstStyle>
+          <a:p>
+            <a:pPr marL="133350" indent="0">
+              <a:buClr>
+                <a:schemeClr val="dk1"/>
+              </a:buClr>
+              <a:buSzPts val="1500"/>
+              <a:buFont typeface="Arial"/>
+              <a:buNone/>
+            </a:pPr>
+            <a:r>
+              <a:rPr lang="en-US" sz="1000" b="1" dirty="0">
+                <a:solidFill>
+                  <a:schemeClr val="dk1"/>
+                </a:solidFill>
+              </a:rPr>
+              <a:t>1. Average monthly active user (MAU) per year</a:t>
+            </a:r>
+          </a:p>
+          <a:p>
+            <a:pPr marL="133350" indent="0">
+              <a:buClr>
+                <a:schemeClr val="dk1"/>
+              </a:buClr>
+              <a:buSzPts val="1500"/>
+              <a:buFont typeface="Arial"/>
+              <a:buNone/>
+            </a:pPr>
+            <a:endParaRPr lang="en-US" sz="1000" dirty="0">
+              <a:solidFill>
+                <a:schemeClr val="dk1"/>
+              </a:solidFill>
+            </a:endParaRPr>
+          </a:p>
+          <a:p>
+            <a:pPr marL="133350" indent="0">
+              <a:buClr>
+                <a:schemeClr val="dk1"/>
+              </a:buClr>
+              <a:buSzPts val="1500"/>
+              <a:buFont typeface="Arial"/>
+              <a:buNone/>
+            </a:pPr>
+            <a:endParaRPr lang="en-US" sz="1000" dirty="0">
+              <a:solidFill>
+                <a:schemeClr val="dk1"/>
+              </a:solidFill>
+            </a:endParaRPr>
+          </a:p>
+          <a:p>
+            <a:pPr marL="133350" indent="0">
+              <a:buClr>
+                <a:schemeClr val="dk1"/>
+              </a:buClr>
+              <a:buSzPts val="1500"/>
+              <a:buFont typeface="Arial"/>
+              <a:buNone/>
+            </a:pPr>
+            <a:endParaRPr lang="en-US" sz="1000" dirty="0">
+              <a:solidFill>
+                <a:schemeClr val="dk1"/>
+              </a:solidFill>
+            </a:endParaRPr>
+          </a:p>
+          <a:p>
+            <a:pPr marL="133350" indent="0">
+              <a:buClr>
+                <a:schemeClr val="dk1"/>
+              </a:buClr>
+              <a:buSzPts val="1500"/>
+              <a:buFont typeface="Arial"/>
+              <a:buNone/>
+            </a:pPr>
+            <a:endParaRPr lang="en-US" sz="1000" dirty="0">
+              <a:solidFill>
+                <a:schemeClr val="dk1"/>
+              </a:solidFill>
+            </a:endParaRPr>
+          </a:p>
+          <a:p>
+            <a:pPr marL="133350" indent="0">
+              <a:buClr>
+                <a:schemeClr val="dk1"/>
+              </a:buClr>
+              <a:buSzPts val="1500"/>
+              <a:buFont typeface="Arial"/>
+              <a:buNone/>
+            </a:pPr>
+            <a:endParaRPr lang="en-US" sz="1000" dirty="0">
+              <a:solidFill>
+                <a:schemeClr val="dk1"/>
+              </a:solidFill>
+            </a:endParaRPr>
+          </a:p>
+          <a:p>
+            <a:pPr marL="133350" indent="0">
+              <a:buClr>
+                <a:schemeClr val="dk1"/>
+              </a:buClr>
+              <a:buSzPts val="1500"/>
+              <a:buFont typeface="Arial"/>
+              <a:buNone/>
+            </a:pPr>
+            <a:endParaRPr lang="en-US" sz="1000" dirty="0">
+              <a:solidFill>
+                <a:schemeClr val="dk1"/>
+              </a:solidFill>
+            </a:endParaRPr>
+          </a:p>
+          <a:p>
+            <a:pPr marL="133350" indent="0">
+              <a:buClr>
+                <a:schemeClr val="dk1"/>
+              </a:buClr>
+              <a:buSzPts val="1500"/>
+              <a:buNone/>
+            </a:pPr>
+            <a:endParaRPr lang="en-US" sz="1000" b="1" dirty="0">
+              <a:solidFill>
+                <a:schemeClr val="dk1"/>
+              </a:solidFill>
+            </a:endParaRPr>
+          </a:p>
+          <a:p>
+            <a:pPr marL="133350" indent="0">
+              <a:buClr>
+                <a:schemeClr val="dk1"/>
+              </a:buClr>
+              <a:buSzPts val="1500"/>
+              <a:buNone/>
+            </a:pPr>
+            <a:r>
+              <a:rPr lang="en-US" sz="1000" b="1" dirty="0">
+                <a:solidFill>
+                  <a:schemeClr val="dk1"/>
+                </a:solidFill>
+              </a:rPr>
+              <a:t>2. Total new customers per year</a:t>
+            </a:r>
+          </a:p>
+          <a:p>
+            <a:pPr marL="133350" indent="0">
+              <a:buClr>
+                <a:schemeClr val="dk1"/>
+              </a:buClr>
+              <a:buSzPts val="1500"/>
+              <a:buFont typeface="Arial"/>
+              <a:buNone/>
+            </a:pPr>
+            <a:br>
+              <a:rPr lang="en-US" sz="1000" dirty="0">
+                <a:solidFill>
+                  <a:schemeClr val="dk1"/>
+                </a:solidFill>
+              </a:rPr>
+            </a:br>
+            <a:endParaRPr lang="en-US" sz="1000" dirty="0">
+              <a:solidFill>
+                <a:schemeClr val="dk1"/>
+              </a:solidFill>
+            </a:endParaRPr>
+          </a:p>
+        </p:txBody>
+      </p:sp>
+      <p:pic>
+        <p:nvPicPr>
+          <p:cNvPr id="8" name="Picture 7">
+            <a:extLst>
+              <a:ext uri="{FF2B5EF4-FFF2-40B4-BE49-F238E27FC236}">
+                <a16:creationId xmlns:a16="http://schemas.microsoft.com/office/drawing/2014/main" id="{2AB3DD8B-26D2-D04A-D02A-390FAB61D65B}"/>
+              </a:ext>
+            </a:extLst>
+          </p:cNvPr>
+          <p:cNvPicPr>
+            <a:picLocks noChangeAspect="1"/>
+          </p:cNvPicPr>
+          <p:nvPr/>
+        </p:nvPicPr>
+        <p:blipFill>
+          <a:blip r:embed="rId3"/>
+          <a:stretch>
+            <a:fillRect/>
+          </a:stretch>
+        </p:blipFill>
+        <p:spPr>
+          <a:xfrm>
+            <a:off x="505103" y="1274722"/>
+            <a:ext cx="2302948" cy="900442"/>
+          </a:xfrm>
+          <a:prstGeom prst="rect">
+            <a:avLst/>
+          </a:prstGeom>
+        </p:spPr>
+      </p:pic>
+      <p:pic>
+        <p:nvPicPr>
+          <p:cNvPr id="10" name="Picture 9">
+            <a:extLst>
+              <a:ext uri="{FF2B5EF4-FFF2-40B4-BE49-F238E27FC236}">
+                <a16:creationId xmlns:a16="http://schemas.microsoft.com/office/drawing/2014/main" id="{496B1D21-12F8-E05E-5AEB-571B34238A77}"/>
+              </a:ext>
+            </a:extLst>
+          </p:cNvPr>
+          <p:cNvPicPr>
+            <a:picLocks noChangeAspect="1"/>
+          </p:cNvPicPr>
+          <p:nvPr/>
+        </p:nvPicPr>
+        <p:blipFill>
+          <a:blip r:embed="rId4"/>
+          <a:stretch>
+            <a:fillRect/>
+          </a:stretch>
+        </p:blipFill>
+        <p:spPr>
+          <a:xfrm>
+            <a:off x="505102" y="2716450"/>
+            <a:ext cx="2279661" cy="972735"/>
+          </a:xfrm>
+          <a:prstGeom prst="rect">
+            <a:avLst/>
+          </a:prstGeom>
+        </p:spPr>
+      </p:pic>
+      <p:sp>
+        <p:nvSpPr>
+          <p:cNvPr id="11" name="Google Shape;56;p13">
+            <a:extLst>
+              <a:ext uri="{FF2B5EF4-FFF2-40B4-BE49-F238E27FC236}">
+                <a16:creationId xmlns:a16="http://schemas.microsoft.com/office/drawing/2014/main" id="{C484E014-C125-1E4F-5453-97F17AA00D1B}"/>
+              </a:ext>
+            </a:extLst>
+          </p:cNvPr>
+          <p:cNvSpPr txBox="1">
+            <a:spLocks noGrp="1"/>
+          </p:cNvSpPr>
+          <p:nvPr>
+            <p:ph type="body" idx="1"/>
+          </p:nvPr>
+        </p:nvSpPr>
+        <p:spPr>
+          <a:xfrm>
+            <a:off x="173182" y="3760310"/>
+            <a:ext cx="9026235" cy="1357872"/>
+          </a:xfrm>
+          <a:prstGeom prst="rect">
+            <a:avLst/>
+          </a:prstGeom>
+        </p:spPr>
+        <p:txBody>
+          <a:bodyPr spcFirstLastPara="1" wrap="square" lIns="91425" tIns="91425" rIns="91425" bIns="91425" anchor="t" anchorCtr="0">
+            <a:noAutofit/>
+          </a:bodyPr>
+          <a:lstStyle/>
+          <a:p>
+            <a:pPr marL="133350" lvl="0" indent="0" algn="l" rtl="0">
+              <a:spcBef>
+                <a:spcPts val="0"/>
+              </a:spcBef>
+              <a:spcAft>
+                <a:spcPts val="0"/>
+              </a:spcAft>
+              <a:buClr>
+                <a:schemeClr val="dk1"/>
+              </a:buClr>
+              <a:buSzPts val="1500"/>
+              <a:buNone/>
+            </a:pPr>
+            <a:r>
+              <a:rPr lang="en-US" sz="1000" b="1" dirty="0">
+                <a:solidFill>
+                  <a:schemeClr val="dk1"/>
+                </a:solidFill>
+              </a:rPr>
+              <a:t>Insight :</a:t>
+            </a:r>
+          </a:p>
+          <a:p>
+            <a:pPr marL="133350" lvl="0" indent="0" algn="l" rtl="0">
+              <a:spcBef>
+                <a:spcPts val="0"/>
+              </a:spcBef>
+              <a:spcAft>
+                <a:spcPts val="0"/>
+              </a:spcAft>
+              <a:buClr>
+                <a:schemeClr val="dk1"/>
+              </a:buClr>
+              <a:buSzPts val="1500"/>
+              <a:buNone/>
+            </a:pPr>
+            <a:endParaRPr lang="en-US" sz="1000" dirty="0">
+              <a:solidFill>
+                <a:schemeClr val="dk1"/>
+              </a:solidFill>
+            </a:endParaRPr>
+          </a:p>
+          <a:p>
+            <a:pPr marL="304800" lvl="0" indent="-171450" algn="l" rtl="0">
+              <a:spcBef>
+                <a:spcPts val="0"/>
+              </a:spcBef>
+              <a:spcAft>
+                <a:spcPts val="0"/>
+              </a:spcAft>
+              <a:buClr>
+                <a:schemeClr val="dk1"/>
+              </a:buClr>
+              <a:buSzPts val="1500"/>
+              <a:buFont typeface="Arial" panose="020B0604020202020204" pitchFamily="34" charset="0"/>
+              <a:buChar char="•"/>
+            </a:pPr>
+            <a:r>
+              <a:rPr lang="en-US" sz="1000" dirty="0">
+                <a:solidFill>
+                  <a:schemeClr val="dk1"/>
+                </a:solidFill>
+              </a:rPr>
+              <a:t>More active users suggest that the e-commerce platform is effectively engaging its audience, leading to higher user retention and loyalty. It indicates that the platform is providing valuable products or services that resonate with customers.</a:t>
+            </a:r>
+          </a:p>
+          <a:p>
+            <a:pPr marL="133350" lvl="0" indent="0" algn="l" rtl="0">
+              <a:spcBef>
+                <a:spcPts val="0"/>
+              </a:spcBef>
+              <a:spcAft>
+                <a:spcPts val="0"/>
+              </a:spcAft>
+              <a:buClr>
+                <a:schemeClr val="dk1"/>
+              </a:buClr>
+              <a:buSzPts val="1500"/>
+              <a:buNone/>
+            </a:pPr>
+            <a:endParaRPr lang="en-US" sz="1000" dirty="0">
+              <a:solidFill>
+                <a:schemeClr val="dk1"/>
+              </a:solidFill>
+            </a:endParaRPr>
+          </a:p>
+          <a:p>
+            <a:pPr marL="304800" lvl="0" indent="-171450" algn="l" rtl="0">
+              <a:spcBef>
+                <a:spcPts val="0"/>
+              </a:spcBef>
+              <a:spcAft>
+                <a:spcPts val="0"/>
+              </a:spcAft>
+              <a:buClr>
+                <a:schemeClr val="dk1"/>
+              </a:buClr>
+              <a:buSzPts val="1500"/>
+              <a:buFont typeface="Arial" panose="020B0604020202020204" pitchFamily="34" charset="0"/>
+              <a:buChar char="•"/>
+            </a:pPr>
+            <a:r>
+              <a:rPr lang="en-US" sz="1000" dirty="0">
+                <a:solidFill>
+                  <a:schemeClr val="dk1"/>
+                </a:solidFill>
+              </a:rPr>
+              <a:t>A rise in the total number of new customers indicates that the e-commerce business is successfully acquiring new clients. This could be due to effective marketing strategies, improved product offerings, or enhanced user experience, all of which contribute to business growth.</a:t>
+            </a:r>
+            <a:br>
+              <a:rPr lang="en" sz="1000" dirty="0">
+                <a:solidFill>
+                  <a:schemeClr val="dk1"/>
+                </a:solidFill>
+              </a:rPr>
+            </a:br>
+            <a:endParaRPr sz="1000" dirty="0">
+              <a:solidFill>
+                <a:schemeClr val="dk1"/>
+              </a:solidFill>
+            </a:endParaRPr>
+          </a:p>
+        </p:txBody>
+      </p:sp>
+      <p:pic>
+        <p:nvPicPr>
+          <p:cNvPr id="15" name="Picture 14">
+            <a:extLst>
+              <a:ext uri="{FF2B5EF4-FFF2-40B4-BE49-F238E27FC236}">
+                <a16:creationId xmlns:a16="http://schemas.microsoft.com/office/drawing/2014/main" id="{8F4886C9-FB70-C1B5-041D-7FF0407271D9}"/>
+              </a:ext>
+            </a:extLst>
+          </p:cNvPr>
+          <p:cNvPicPr>
+            <a:picLocks noChangeAspect="1"/>
+          </p:cNvPicPr>
+          <p:nvPr/>
+        </p:nvPicPr>
+        <p:blipFill>
+          <a:blip r:embed="rId5"/>
+          <a:stretch>
+            <a:fillRect/>
+          </a:stretch>
+        </p:blipFill>
+        <p:spPr>
+          <a:xfrm>
+            <a:off x="3975693" y="786185"/>
+            <a:ext cx="4330107" cy="3242289"/>
+          </a:xfrm>
+          <a:prstGeom prst="rect">
+            <a:avLst/>
+          </a:prstGeom>
+        </p:spPr>
+      </p:pic>
+    </p:spTree>
+    <p:extLst>
+      <p:ext uri="{BB962C8B-B14F-4D97-AF65-F5344CB8AC3E}">
+        <p14:creationId xmlns:p14="http://schemas.microsoft.com/office/powerpoint/2010/main" val="586546174"/>
+      </p:ext>
+    </p:extLst>
+  </p:cSld>
+  <p:clrMapOvr>
+    <a:masterClrMapping/>
+  </p:clrMapOvr>
+</p:sld>
+</file>
+
+<file path=ppt/slides/slide3.xml><?xml version="1.0" encoding="utf-8"?>
+<p:sld xmlns:a="http://schemas.openxmlformats.org/drawingml/2006/main" xmlns:r="http://schemas.openxmlformats.org/officeDocument/2006/relationships" xmlns:p="http://schemas.openxmlformats.org/presentationml/2006/main">
+  <p:cSld>
+    <p:spTree>
+      <p:nvGrpSpPr>
+        <p:cNvPr id="1" name="Shape 53"/>
+        <p:cNvGrpSpPr/>
+        <p:nvPr/>
+      </p:nvGrpSpPr>
+      <p:grpSpPr>
+        <a:xfrm>
+          <a:off x="0" y="0"/>
+          <a:ext cx="0" cy="0"/>
+          <a:chOff x="0" y="0"/>
+          <a:chExt cx="0" cy="0"/>
+        </a:xfrm>
+      </p:grpSpPr>
+      <p:sp>
+        <p:nvSpPr>
+          <p:cNvPr id="54" name="Google Shape;54;p13"/>
+          <p:cNvSpPr txBox="1">
+            <a:spLocks noGrp="1"/>
+          </p:cNvSpPr>
+          <p:nvPr>
+            <p:ph type="title"/>
+          </p:nvPr>
+        </p:nvSpPr>
+        <p:spPr>
+          <a:xfrm>
+            <a:off x="311700" y="-12175"/>
+            <a:ext cx="8520600" cy="572700"/>
+          </a:xfrm>
+          <a:prstGeom prst="rect">
+            <a:avLst/>
+          </a:prstGeom>
+        </p:spPr>
+        <p:txBody>
+          <a:bodyPr spcFirstLastPara="1" wrap="square" lIns="91425" tIns="91425" rIns="91425" bIns="91425" anchor="t" anchorCtr="0">
+            <a:normAutofit/>
+          </a:bodyPr>
+          <a:lstStyle/>
+          <a:p>
+            <a:pPr marL="0" lvl="0" indent="0" algn="ctr" rtl="0">
+              <a:spcBef>
+                <a:spcPts val="0"/>
+              </a:spcBef>
+              <a:spcAft>
+                <a:spcPts val="0"/>
+              </a:spcAft>
+              <a:buSzPts val="990"/>
+              <a:buNone/>
+            </a:pPr>
+            <a:r>
+              <a:rPr lang="en" sz="2220" b="1">
+                <a:solidFill>
+                  <a:schemeClr val="lt1"/>
+                </a:solidFill>
+              </a:rPr>
+              <a:t>Annual Customer Activity Growth Analysis</a:t>
+            </a:r>
+            <a:endParaRPr sz="2220" b="1">
+              <a:solidFill>
+                <a:schemeClr val="lt1"/>
+              </a:solidFill>
+            </a:endParaRPr>
+          </a:p>
+        </p:txBody>
+      </p:sp>
+      <p:sp>
+        <p:nvSpPr>
+          <p:cNvPr id="6" name="Google Shape;56;p13">
+            <a:extLst>
+              <a:ext uri="{FF2B5EF4-FFF2-40B4-BE49-F238E27FC236}">
+                <a16:creationId xmlns:a16="http://schemas.microsoft.com/office/drawing/2014/main" id="{607FCFFB-55EE-3086-C30D-DD3B4F160B21}"/>
+              </a:ext>
+            </a:extLst>
+          </p:cNvPr>
+          <p:cNvSpPr txBox="1">
+            <a:spLocks/>
+          </p:cNvSpPr>
+          <p:nvPr/>
+        </p:nvSpPr>
+        <p:spPr>
+          <a:xfrm>
+            <a:off x="311700" y="682787"/>
+            <a:ext cx="3803100" cy="3091523"/>
+          </a:xfrm>
+          <a:prstGeom prst="rect">
+            <a:avLst/>
+          </a:prstGeom>
+          <a:noFill/>
+          <a:ln>
+            <a:noFill/>
+          </a:ln>
+        </p:spPr>
+        <p:txBody>
+          <a:bodyPr spcFirstLastPara="1" wrap="square" lIns="91425" tIns="91425" rIns="91425" bIns="91425" anchor="t" anchorCtr="0">
+            <a:normAutofit/>
+          </a:bodyPr>
+          <a:lstStyle>
+            <a:defPPr marR="0" lvl="0" algn="l" rtl="0">
+              <a:lnSpc>
+                <a:spcPct val="100000"/>
+              </a:lnSpc>
+              <a:spcBef>
+                <a:spcPts val="0"/>
+              </a:spcBef>
+              <a:spcAft>
+                <a:spcPts val="0"/>
+              </a:spcAft>
+            </a:defPPr>
+            <a:lvl1pPr marL="457200" marR="0" lvl="0" indent="-342900" algn="l" rtl="0">
+              <a:lnSpc>
+                <a:spcPct val="115000"/>
+              </a:lnSpc>
+              <a:spcBef>
+                <a:spcPts val="0"/>
+              </a:spcBef>
+              <a:spcAft>
+                <a:spcPts val="0"/>
+              </a:spcAft>
+              <a:buClr>
+                <a:schemeClr val="dk2"/>
+              </a:buClr>
+              <a:buSzPts val="1800"/>
+              <a:buFont typeface="Arial"/>
+              <a:buChar char="●"/>
+              <a:defRPr sz="1800" b="0" i="0" u="none" strike="noStrike" cap="none">
+                <a:solidFill>
+                  <a:schemeClr val="dk2"/>
+                </a:solidFill>
+                <a:latin typeface="Arial"/>
+                <a:ea typeface="Arial"/>
+                <a:cs typeface="Arial"/>
+                <a:sym typeface="Arial"/>
+              </a:defRPr>
+            </a:lvl1pPr>
+            <a:lvl2pPr marL="914400" marR="0" lvl="1" indent="-317500" algn="l" rtl="0">
+              <a:lnSpc>
+                <a:spcPct val="115000"/>
+              </a:lnSpc>
+              <a:spcBef>
+                <a:spcPts val="0"/>
+              </a:spcBef>
+              <a:spcAft>
+                <a:spcPts val="0"/>
+              </a:spcAft>
+              <a:buClr>
+                <a:schemeClr val="dk2"/>
+              </a:buClr>
+              <a:buSzPts val="1400"/>
+              <a:buFont typeface="Arial"/>
+              <a:buChar char="○"/>
+              <a:defRPr sz="1400" b="0" i="0" u="none" strike="noStrike" cap="none">
+                <a:solidFill>
+                  <a:schemeClr val="dk2"/>
+                </a:solidFill>
+                <a:latin typeface="Arial"/>
+                <a:ea typeface="Arial"/>
+                <a:cs typeface="Arial"/>
+                <a:sym typeface="Arial"/>
+              </a:defRPr>
+            </a:lvl2pPr>
+            <a:lvl3pPr marL="1371600" marR="0" lvl="2" indent="-317500" algn="l" rtl="0">
+              <a:lnSpc>
+                <a:spcPct val="115000"/>
+              </a:lnSpc>
+              <a:spcBef>
+                <a:spcPts val="0"/>
+              </a:spcBef>
+              <a:spcAft>
+                <a:spcPts val="0"/>
+              </a:spcAft>
+              <a:buClr>
+                <a:schemeClr val="dk2"/>
+              </a:buClr>
+              <a:buSzPts val="1400"/>
+              <a:buFont typeface="Arial"/>
+              <a:buChar char="■"/>
+              <a:defRPr sz="1400" b="0" i="0" u="none" strike="noStrike" cap="none">
+                <a:solidFill>
+                  <a:schemeClr val="dk2"/>
+                </a:solidFill>
+                <a:latin typeface="Arial"/>
+                <a:ea typeface="Arial"/>
+                <a:cs typeface="Arial"/>
+                <a:sym typeface="Arial"/>
+              </a:defRPr>
+            </a:lvl3pPr>
+            <a:lvl4pPr marL="1828800" marR="0" lvl="3" indent="-317500" algn="l" rtl="0">
+              <a:lnSpc>
+                <a:spcPct val="115000"/>
+              </a:lnSpc>
+              <a:spcBef>
+                <a:spcPts val="0"/>
+              </a:spcBef>
+              <a:spcAft>
+                <a:spcPts val="0"/>
+              </a:spcAft>
+              <a:buClr>
+                <a:schemeClr val="dk2"/>
+              </a:buClr>
+              <a:buSzPts val="1400"/>
+              <a:buFont typeface="Arial"/>
+              <a:buChar char="●"/>
+              <a:defRPr sz="1400" b="0" i="0" u="none" strike="noStrike" cap="none">
+                <a:solidFill>
+                  <a:schemeClr val="dk2"/>
+                </a:solidFill>
+                <a:latin typeface="Arial"/>
+                <a:ea typeface="Arial"/>
+                <a:cs typeface="Arial"/>
+                <a:sym typeface="Arial"/>
+              </a:defRPr>
+            </a:lvl4pPr>
+            <a:lvl5pPr marL="2286000" marR="0" lvl="4" indent="-317500" algn="l" rtl="0">
+              <a:lnSpc>
+                <a:spcPct val="115000"/>
+              </a:lnSpc>
+              <a:spcBef>
+                <a:spcPts val="0"/>
+              </a:spcBef>
+              <a:spcAft>
+                <a:spcPts val="0"/>
+              </a:spcAft>
+              <a:buClr>
+                <a:schemeClr val="dk2"/>
+              </a:buClr>
+              <a:buSzPts val="1400"/>
+              <a:buFont typeface="Arial"/>
+              <a:buChar char="○"/>
+              <a:defRPr sz="1400" b="0" i="0" u="none" strike="noStrike" cap="none">
+                <a:solidFill>
+                  <a:schemeClr val="dk2"/>
+                </a:solidFill>
+                <a:latin typeface="Arial"/>
+                <a:ea typeface="Arial"/>
+                <a:cs typeface="Arial"/>
+                <a:sym typeface="Arial"/>
+              </a:defRPr>
+            </a:lvl5pPr>
+            <a:lvl6pPr marL="2743200" marR="0" lvl="5" indent="-317500" algn="l" rtl="0">
+              <a:lnSpc>
+                <a:spcPct val="115000"/>
+              </a:lnSpc>
+              <a:spcBef>
+                <a:spcPts val="0"/>
+              </a:spcBef>
+              <a:spcAft>
+                <a:spcPts val="0"/>
+              </a:spcAft>
+              <a:buClr>
+                <a:schemeClr val="dk2"/>
+              </a:buClr>
+              <a:buSzPts val="1400"/>
+              <a:buFont typeface="Arial"/>
+              <a:buChar char="■"/>
+              <a:defRPr sz="1400" b="0" i="0" u="none" strike="noStrike" cap="none">
+                <a:solidFill>
+                  <a:schemeClr val="dk2"/>
+                </a:solidFill>
+                <a:latin typeface="Arial"/>
+                <a:ea typeface="Arial"/>
+                <a:cs typeface="Arial"/>
+                <a:sym typeface="Arial"/>
+              </a:defRPr>
+            </a:lvl6pPr>
+            <a:lvl7pPr marL="3200400" marR="0" lvl="6" indent="-317500" algn="l" rtl="0">
+              <a:lnSpc>
+                <a:spcPct val="115000"/>
+              </a:lnSpc>
+              <a:spcBef>
+                <a:spcPts val="0"/>
+              </a:spcBef>
+              <a:spcAft>
+                <a:spcPts val="0"/>
+              </a:spcAft>
+              <a:buClr>
+                <a:schemeClr val="dk2"/>
+              </a:buClr>
+              <a:buSzPts val="1400"/>
+              <a:buFont typeface="Arial"/>
+              <a:buChar char="●"/>
+              <a:defRPr sz="1400" b="0" i="0" u="none" strike="noStrike" cap="none">
+                <a:solidFill>
+                  <a:schemeClr val="dk2"/>
+                </a:solidFill>
+                <a:latin typeface="Arial"/>
+                <a:ea typeface="Arial"/>
+                <a:cs typeface="Arial"/>
+                <a:sym typeface="Arial"/>
+              </a:defRPr>
+            </a:lvl7pPr>
+            <a:lvl8pPr marL="3657600" marR="0" lvl="7" indent="-317500" algn="l" rtl="0">
+              <a:lnSpc>
+                <a:spcPct val="115000"/>
+              </a:lnSpc>
+              <a:spcBef>
+                <a:spcPts val="0"/>
+              </a:spcBef>
+              <a:spcAft>
+                <a:spcPts val="0"/>
+              </a:spcAft>
+              <a:buClr>
+                <a:schemeClr val="dk2"/>
+              </a:buClr>
+              <a:buSzPts val="1400"/>
+              <a:buFont typeface="Arial"/>
+              <a:buChar char="○"/>
+              <a:defRPr sz="1400" b="0" i="0" u="none" strike="noStrike" cap="none">
+                <a:solidFill>
+                  <a:schemeClr val="dk2"/>
+                </a:solidFill>
+                <a:latin typeface="Arial"/>
+                <a:ea typeface="Arial"/>
+                <a:cs typeface="Arial"/>
+                <a:sym typeface="Arial"/>
+              </a:defRPr>
+            </a:lvl8pPr>
+            <a:lvl9pPr marL="4114800" marR="0" lvl="8" indent="-317500" algn="l" rtl="0">
+              <a:lnSpc>
+                <a:spcPct val="115000"/>
+              </a:lnSpc>
+              <a:spcBef>
+                <a:spcPts val="0"/>
+              </a:spcBef>
+              <a:spcAft>
+                <a:spcPts val="0"/>
+              </a:spcAft>
+              <a:buClr>
+                <a:schemeClr val="dk2"/>
+              </a:buClr>
+              <a:buSzPts val="1400"/>
+              <a:buFont typeface="Arial"/>
+              <a:buChar char="■"/>
+              <a:defRPr sz="1400" b="0" i="0" u="none" strike="noStrike" cap="none">
+                <a:solidFill>
+                  <a:schemeClr val="dk2"/>
+                </a:solidFill>
+                <a:latin typeface="Arial"/>
+                <a:ea typeface="Arial"/>
+                <a:cs typeface="Arial"/>
+                <a:sym typeface="Arial"/>
+              </a:defRPr>
+            </a:lvl9pPr>
+          </a:lstStyle>
+          <a:p>
+            <a:pPr marL="133350" indent="0">
+              <a:buClr>
+                <a:schemeClr val="dk1"/>
+              </a:buClr>
+              <a:buSzPts val="1500"/>
+              <a:buFont typeface="Arial"/>
+              <a:buNone/>
+            </a:pPr>
+            <a:r>
+              <a:rPr lang="en-US" sz="1000" b="1" dirty="0">
+                <a:solidFill>
+                  <a:schemeClr val="dk1"/>
+                </a:solidFill>
+              </a:rPr>
+              <a:t>3. Total customers who make repeat orders per year</a:t>
+            </a:r>
+          </a:p>
+          <a:p>
+            <a:pPr marL="133350" indent="0">
+              <a:buClr>
+                <a:schemeClr val="dk1"/>
+              </a:buClr>
+              <a:buSzPts val="1500"/>
+              <a:buFont typeface="Arial"/>
+              <a:buNone/>
+            </a:pPr>
+            <a:endParaRPr lang="en-US" sz="1000" dirty="0">
+              <a:solidFill>
+                <a:schemeClr val="dk1"/>
+              </a:solidFill>
+            </a:endParaRPr>
+          </a:p>
+          <a:p>
+            <a:pPr marL="133350" indent="0">
+              <a:buClr>
+                <a:schemeClr val="dk1"/>
+              </a:buClr>
+              <a:buSzPts val="1500"/>
+              <a:buFont typeface="Arial"/>
+              <a:buNone/>
+            </a:pPr>
+            <a:endParaRPr lang="en-US" sz="1000" dirty="0">
+              <a:solidFill>
+                <a:schemeClr val="dk1"/>
+              </a:solidFill>
+            </a:endParaRPr>
+          </a:p>
+          <a:p>
+            <a:pPr marL="133350" indent="0">
+              <a:buClr>
+                <a:schemeClr val="dk1"/>
+              </a:buClr>
+              <a:buSzPts val="1500"/>
+              <a:buFont typeface="Arial"/>
+              <a:buNone/>
+            </a:pPr>
+            <a:endParaRPr lang="en-US" sz="1000" dirty="0">
+              <a:solidFill>
+                <a:schemeClr val="dk1"/>
+              </a:solidFill>
+            </a:endParaRPr>
+          </a:p>
+          <a:p>
+            <a:pPr marL="133350" indent="0">
+              <a:buClr>
+                <a:schemeClr val="dk1"/>
+              </a:buClr>
+              <a:buSzPts val="1500"/>
+              <a:buFont typeface="Arial"/>
+              <a:buNone/>
+            </a:pPr>
+            <a:endParaRPr lang="en-US" sz="1000" dirty="0">
+              <a:solidFill>
+                <a:schemeClr val="dk1"/>
+              </a:solidFill>
+            </a:endParaRPr>
+          </a:p>
+          <a:p>
+            <a:pPr marL="133350" indent="0">
+              <a:buClr>
+                <a:schemeClr val="dk1"/>
+              </a:buClr>
+              <a:buSzPts val="1500"/>
+              <a:buFont typeface="Arial"/>
+              <a:buNone/>
+            </a:pPr>
+            <a:endParaRPr lang="en-US" sz="1000" dirty="0">
+              <a:solidFill>
+                <a:schemeClr val="dk1"/>
+              </a:solidFill>
+            </a:endParaRPr>
+          </a:p>
+          <a:p>
+            <a:pPr marL="133350" indent="0">
+              <a:buClr>
+                <a:schemeClr val="dk1"/>
+              </a:buClr>
+              <a:buSzPts val="1500"/>
+              <a:buNone/>
+            </a:pPr>
+            <a:endParaRPr lang="en-US" sz="1000" b="1" dirty="0">
+              <a:solidFill>
+                <a:schemeClr val="dk1"/>
+              </a:solidFill>
+            </a:endParaRPr>
+          </a:p>
+          <a:p>
+            <a:pPr marL="133350" indent="0">
+              <a:buClr>
+                <a:schemeClr val="dk1"/>
+              </a:buClr>
+              <a:buSzPts val="1500"/>
+              <a:buNone/>
+            </a:pPr>
+            <a:endParaRPr lang="en-US" sz="1000" b="1" dirty="0">
+              <a:solidFill>
+                <a:schemeClr val="dk1"/>
+              </a:solidFill>
+            </a:endParaRPr>
+          </a:p>
+          <a:p>
+            <a:pPr marL="133350" indent="0">
+              <a:buClr>
+                <a:schemeClr val="dk1"/>
+              </a:buClr>
+              <a:buSzPts val="1500"/>
+              <a:buNone/>
+            </a:pPr>
+            <a:r>
+              <a:rPr lang="en-US" sz="1000" b="1" dirty="0">
+                <a:solidFill>
+                  <a:schemeClr val="dk1"/>
+                </a:solidFill>
+              </a:rPr>
+              <a:t>4. Average order value per year</a:t>
+            </a:r>
+          </a:p>
+          <a:p>
+            <a:pPr marL="133350" indent="0">
+              <a:buClr>
+                <a:schemeClr val="dk1"/>
+              </a:buClr>
+              <a:buSzPts val="1500"/>
+              <a:buFont typeface="Arial"/>
+              <a:buNone/>
+            </a:pPr>
+            <a:br>
+              <a:rPr lang="en-US" sz="1000" dirty="0">
+                <a:solidFill>
+                  <a:schemeClr val="dk1"/>
+                </a:solidFill>
+              </a:rPr>
+            </a:br>
+            <a:endParaRPr lang="en-US" sz="1000" dirty="0">
+              <a:solidFill>
+                <a:schemeClr val="dk1"/>
+              </a:solidFill>
+            </a:endParaRPr>
+          </a:p>
+        </p:txBody>
+      </p:sp>
+      <p:pic>
+        <p:nvPicPr>
+          <p:cNvPr id="4" name="Picture 3">
+            <a:extLst>
+              <a:ext uri="{FF2B5EF4-FFF2-40B4-BE49-F238E27FC236}">
+                <a16:creationId xmlns:a16="http://schemas.microsoft.com/office/drawing/2014/main" id="{A21B3170-C187-4C56-152E-C0FF39579C2D}"/>
+              </a:ext>
+            </a:extLst>
+          </p:cNvPr>
+          <p:cNvPicPr>
+            <a:picLocks noChangeAspect="1"/>
+          </p:cNvPicPr>
+          <p:nvPr/>
+        </p:nvPicPr>
+        <p:blipFill>
+          <a:blip r:embed="rId3"/>
+          <a:stretch>
+            <a:fillRect/>
+          </a:stretch>
+        </p:blipFill>
+        <p:spPr>
+          <a:xfrm>
+            <a:off x="540328" y="1059087"/>
+            <a:ext cx="2349047" cy="967597"/>
+          </a:xfrm>
+          <a:prstGeom prst="rect">
+            <a:avLst/>
+          </a:prstGeom>
+        </p:spPr>
+      </p:pic>
+      <p:pic>
+        <p:nvPicPr>
+          <p:cNvPr id="7" name="Picture 6">
+            <a:extLst>
+              <a:ext uri="{FF2B5EF4-FFF2-40B4-BE49-F238E27FC236}">
+                <a16:creationId xmlns:a16="http://schemas.microsoft.com/office/drawing/2014/main" id="{AB2D08E0-A5F7-AA2E-1A89-E59BB414EC2A}"/>
+              </a:ext>
+            </a:extLst>
+          </p:cNvPr>
+          <p:cNvPicPr>
+            <a:picLocks noChangeAspect="1"/>
+          </p:cNvPicPr>
+          <p:nvPr/>
+        </p:nvPicPr>
+        <p:blipFill>
+          <a:blip r:embed="rId4"/>
+          <a:stretch>
+            <a:fillRect/>
+          </a:stretch>
+        </p:blipFill>
+        <p:spPr>
+          <a:xfrm>
+            <a:off x="540328" y="2484487"/>
+            <a:ext cx="1961174" cy="954553"/>
+          </a:xfrm>
+          <a:prstGeom prst="rect">
+            <a:avLst/>
+          </a:prstGeom>
+        </p:spPr>
+      </p:pic>
+      <p:sp>
+        <p:nvSpPr>
+          <p:cNvPr id="16" name="Google Shape;56;p13">
+            <a:extLst>
+              <a:ext uri="{FF2B5EF4-FFF2-40B4-BE49-F238E27FC236}">
+                <a16:creationId xmlns:a16="http://schemas.microsoft.com/office/drawing/2014/main" id="{D65D1FC2-8A68-ED99-CCAF-55C6046E9332}"/>
+              </a:ext>
+            </a:extLst>
+          </p:cNvPr>
+          <p:cNvSpPr txBox="1">
+            <a:spLocks noGrp="1"/>
+          </p:cNvSpPr>
+          <p:nvPr>
+            <p:ph type="body" idx="1"/>
+          </p:nvPr>
+        </p:nvSpPr>
+        <p:spPr>
+          <a:xfrm>
+            <a:off x="173182" y="3471674"/>
+            <a:ext cx="9026235" cy="1357872"/>
+          </a:xfrm>
+          <a:prstGeom prst="rect">
+            <a:avLst/>
+          </a:prstGeom>
+        </p:spPr>
+        <p:txBody>
+          <a:bodyPr spcFirstLastPara="1" wrap="square" lIns="91425" tIns="91425" rIns="91425" bIns="91425" anchor="t" anchorCtr="0">
+            <a:noAutofit/>
+          </a:bodyPr>
+          <a:lstStyle/>
+          <a:p>
+            <a:pPr marL="133350" lvl="0" indent="0" algn="l" rtl="0">
+              <a:spcBef>
+                <a:spcPts val="0"/>
+              </a:spcBef>
+              <a:spcAft>
+                <a:spcPts val="0"/>
+              </a:spcAft>
+              <a:buClr>
+                <a:schemeClr val="dk1"/>
+              </a:buClr>
+              <a:buSzPts val="1500"/>
+              <a:buNone/>
+            </a:pPr>
+            <a:r>
+              <a:rPr lang="en-US" sz="1000" b="1" dirty="0">
+                <a:solidFill>
+                  <a:schemeClr val="dk1"/>
+                </a:solidFill>
+              </a:rPr>
+              <a:t>Insight :</a:t>
+            </a:r>
+          </a:p>
+          <a:p>
+            <a:pPr marL="133350" lvl="0" indent="0" algn="l" rtl="0">
+              <a:spcBef>
+                <a:spcPts val="0"/>
+              </a:spcBef>
+              <a:spcAft>
+                <a:spcPts val="0"/>
+              </a:spcAft>
+              <a:buClr>
+                <a:schemeClr val="dk1"/>
+              </a:buClr>
+              <a:buSzPts val="1500"/>
+              <a:buNone/>
+            </a:pPr>
+            <a:endParaRPr lang="en-US" sz="1000" dirty="0">
+              <a:solidFill>
+                <a:schemeClr val="dk1"/>
+              </a:solidFill>
+            </a:endParaRPr>
+          </a:p>
+          <a:p>
+            <a:pPr marL="304800" lvl="0" indent="-171450" algn="l" rtl="0">
+              <a:spcBef>
+                <a:spcPts val="0"/>
+              </a:spcBef>
+              <a:spcAft>
+                <a:spcPts val="0"/>
+              </a:spcAft>
+              <a:buClr>
+                <a:schemeClr val="dk1"/>
+              </a:buClr>
+              <a:buSzPts val="1500"/>
+              <a:buFont typeface="Arial" panose="020B0604020202020204" pitchFamily="34" charset="0"/>
+              <a:buChar char="•"/>
+            </a:pPr>
+            <a:r>
+              <a:rPr lang="en-US" sz="1000" dirty="0">
+                <a:solidFill>
+                  <a:schemeClr val="dk1"/>
+                </a:solidFill>
+              </a:rPr>
+              <a:t>The significant increase in total repeat customers suggests that the e-commerce platform has been successful in retaining existing customers. This could be due to factors such as excellent customer service, product quality, or loyalty programs. The decline in the next year could indicate that these efforts to retain customers may not have been sustained or that competition has intensified.</a:t>
+            </a:r>
+          </a:p>
+          <a:p>
+            <a:pPr marL="133350" lvl="0" indent="0" algn="l" rtl="0">
+              <a:spcBef>
+                <a:spcPts val="0"/>
+              </a:spcBef>
+              <a:spcAft>
+                <a:spcPts val="0"/>
+              </a:spcAft>
+              <a:buClr>
+                <a:schemeClr val="dk1"/>
+              </a:buClr>
+              <a:buSzPts val="1500"/>
+              <a:buNone/>
+            </a:pPr>
+            <a:endParaRPr lang="en-US" sz="1000" dirty="0">
+              <a:solidFill>
+                <a:schemeClr val="dk1"/>
+              </a:solidFill>
+            </a:endParaRPr>
+          </a:p>
+          <a:p>
+            <a:pPr marL="304800" lvl="0" indent="-171450" algn="l" rtl="0">
+              <a:spcBef>
+                <a:spcPts val="0"/>
+              </a:spcBef>
+              <a:spcAft>
+                <a:spcPts val="0"/>
+              </a:spcAft>
+              <a:buClr>
+                <a:schemeClr val="dk1"/>
+              </a:buClr>
+              <a:buSzPts val="1500"/>
+              <a:buFont typeface="Arial" panose="020B0604020202020204" pitchFamily="34" charset="0"/>
+              <a:buChar char="•"/>
+            </a:pPr>
+            <a:r>
+              <a:rPr lang="en-US" sz="1000" dirty="0">
+                <a:solidFill>
+                  <a:schemeClr val="dk1"/>
+                </a:solidFill>
+              </a:rPr>
+              <a:t>The stagnant average customer order per year may indicate market saturation or a plateau in consumer spending habits. Customers may be making repeat purchases but not increasing the frequency or value of their orders. This could be a sign that the e-commerce platform needs to explore new markets or diversify its product offerings to stimulate growth.</a:t>
+            </a:r>
+            <a:br>
+              <a:rPr lang="en" sz="1000" dirty="0">
+                <a:solidFill>
+                  <a:schemeClr val="dk1"/>
+                </a:solidFill>
+              </a:rPr>
+            </a:br>
+            <a:endParaRPr sz="1000" dirty="0">
+              <a:solidFill>
+                <a:schemeClr val="dk1"/>
+              </a:solidFill>
+            </a:endParaRPr>
+          </a:p>
+        </p:txBody>
+      </p:sp>
+      <p:pic>
+        <p:nvPicPr>
+          <p:cNvPr id="18" name="Picture 17">
+            <a:extLst>
+              <a:ext uri="{FF2B5EF4-FFF2-40B4-BE49-F238E27FC236}">
+                <a16:creationId xmlns:a16="http://schemas.microsoft.com/office/drawing/2014/main" id="{D6826B91-E219-06E8-0501-6BBA99A3D15D}"/>
+              </a:ext>
+            </a:extLst>
+          </p:cNvPr>
+          <p:cNvPicPr>
+            <a:picLocks noChangeAspect="1"/>
+          </p:cNvPicPr>
+          <p:nvPr/>
+        </p:nvPicPr>
+        <p:blipFill>
+          <a:blip r:embed="rId5"/>
+          <a:stretch>
+            <a:fillRect/>
+          </a:stretch>
+        </p:blipFill>
+        <p:spPr>
+          <a:xfrm>
+            <a:off x="4343428" y="651001"/>
+            <a:ext cx="4038599" cy="3026966"/>
+          </a:xfrm>
+          <a:prstGeom prst="rect">
+            <a:avLst/>
+          </a:prstGeom>
+        </p:spPr>
+      </p:pic>
+    </p:spTree>
+    <p:extLst>
+      <p:ext uri="{BB962C8B-B14F-4D97-AF65-F5344CB8AC3E}">
+        <p14:creationId xmlns:p14="http://schemas.microsoft.com/office/powerpoint/2010/main" val="1413155910"/>
+      </p:ext>
+    </p:extLst>
+  </p:cSld>
+  <p:clrMapOvr>
+    <a:masterClrMapping/>
+  </p:clrMapOvr>
+</p:sld>
+</file>
+
 <file path=ppt/theme/theme1.xml><?xml version="1.0" encoding="utf-8"?>
-<a:theme xmlns:a="http://schemas.openxmlformats.org/drawingml/2006/main" xmlns:r="http://schemas.openxmlformats.org/officeDocument/2006/relationships">
+<a:theme xmlns:a="http://schemas.openxmlformats.org/drawingml/2006/main" name="Simple Light">
+  <a:themeElements>
+    <a:clrScheme name="Simple Light">
+      <a:dk1>
+        <a:srgbClr val="000000"/>
+      </a:dk1>
+      <a:lt1>
+        <a:srgbClr val="FFFFFF"/>
+      </a:lt1>
+      <a:dk2>
+        <a:srgbClr val="595959"/>
+      </a:dk2>
+      <a:lt2>
+        <a:srgbClr val="EEEEEE"/>
+      </a:lt2>
+      <a:accent1>
+        <a:srgbClr val="4285F4"/>
+      </a:accent1>
+      <a:accent2>
+        <a:srgbClr val="212121"/>
+      </a:accent2>
+      <a:accent3>
+        <a:srgbClr val="78909C"/>
+      </a:accent3>
+      <a:accent4>
+        <a:srgbClr val="FFAB40"/>
+      </a:accent4>
+      <a:accent5>
+        <a:srgbClr val="0097A7"/>
+      </a:accent5>
+      <a:accent6>
+        <a:srgbClr val="EEFF41"/>
+      </a:accent6>
+      <a:hlink>
+        <a:srgbClr val="0097A7"/>
+      </a:hlink>
+      <a:folHlink>
+        <a:srgbClr val="0097A7"/>
+      </a:folHlink>
+    </a:clrScheme>
+    <a:fontScheme name="Office">
+      <a:majorFont>
+        <a:latin typeface="Arial"/>
+        <a:ea typeface=""/>
+        <a:cs typeface=""/>
+        <a:font script="Jpan" typeface="ＭＳ Ｐゴシック"/>
+        <a:font script="Hang" typeface="맑은 고딕"/>
+        <a:font script="Hans" typeface="宋体"/>
+        <a:font script="Hant" typeface="新細明體"/>
+        <a:font script="Arab" typeface="Times New Roman"/>
+        <a:font script="Hebr" typeface="Times New Roman"/>
+        <a:font script="Thai" typeface="Angsana New"/>
+        <a:font script="Ethi" typeface="Nyala"/>
+        <a:font script="Beng" typeface="Vrinda"/>
+        <a:font script="Gujr" typeface="Shruti"/>
+        <a:font script="Khmr" typeface="MoolBoran"/>
+        <a:font script="Knda" typeface="Tunga"/>
+        <a:font script="Guru" typeface="Raavi"/>
+        <a:font script="Cans" typeface="Euphemia"/>
+        <a:font script="Cher" typeface="Plantagenet Cherokee"/>
+        <a:font script="Yiii" typeface="Microsoft Yi Baiti"/>
+        <a:font script="Tibt" typeface="Microsoft Himalaya"/>
+        <a:font script="Thaa" typeface="MV Boli"/>
+        <a:font script="Deva" typeface="Mangal"/>
+        <a:font script="Telu" typeface="Gautami"/>
+        <a:font script="Taml" typeface="Latha"/>
+        <a:font script="Syrc" typeface="Estrangelo Edessa"/>
+        <a:font script="Orya" typeface="Kalinga"/>
+        <a:font script="Mlym" typeface="Kartika"/>
+        <a:font script="Laoo" typeface="DokChampa"/>
+        <a:font script="Sinh" typeface="Iskoola Pota"/>
+        <a:font script="Mong" typeface="Mongolian Baiti"/>
+        <a:font script="Viet" typeface="Times New Roman"/>
+        <a:font script="Uigh" typeface="Microsoft Uighur"/>
+        <a:font script="Geor" typeface="Sylfaen"/>
+      </a:majorFont>
+      <a:minorFont>
+        <a:latin typeface="Arial"/>
+        <a:ea typeface=""/>
+        <a:cs typeface=""/>
+        <a:font script="Jpan" typeface="ＭＳ Ｐゴシック"/>
+        <a:font script="Hang" typeface="맑은 고딕"/>
+        <a:font script="Hans" typeface="宋体"/>
+        <a:font script="Hant" typeface="新細明體"/>
+        <a:font script="Arab" typeface="Arial"/>
+        <a:font script="Hebr" typeface="Arial"/>
+        <a:font script="Thai" typeface="Cordia New"/>
+        <a:font script="Ethi" typeface="Nyala"/>
+        <a:font script="Beng" typeface="Vrinda"/>
+        <a:font script="Gujr" typeface="Shruti"/>
+        <a:font script="Khmr" typeface="DaunPenh"/>
+        <a:font script="Knda" typeface="Tunga"/>
+        <a:font script="Guru" typeface="Raavi"/>
+        <a:font script="Cans" typeface="Euphemia"/>
+        <a:font script="Cher" typeface="Plantagenet Cherokee"/>
+        <a:font script="Yiii" typeface="Microsoft Yi Baiti"/>
+        <a:font script="Tibt" typeface="Microsoft Himalaya"/>
+        <a:font script="Thaa" typeface="MV Boli"/>
+        <a:font script="Deva" typeface="Mangal"/>
+        <a:font script="Telu" typeface="Gautami"/>
+        <a:font script="Taml" typeface="Latha"/>
+        <a:font script="Syrc" typeface="Estrangelo Edessa"/>
+        <a:font script="Orya" typeface="Kalinga"/>
+        <a:font script="Mlym" typeface="Kartika"/>
+        <a:font script="Laoo" typeface="DokChampa"/>
+        <a:font script="Sinh" typeface="Iskoola Pota"/>
+        <a:font script="Mong" typeface="Mongolian Baiti"/>
+        <a:font script="Viet" typeface="Arial"/>
+        <a:font script="Uigh" typeface="Microsoft Uighur"/>
+        <a:font script="Geor" typeface="Sylfaen"/>
+      </a:minorFont>
+    </a:fontScheme>
+    <a:fmtScheme name="Office">
+      <a:fillStyleLst>
+        <a:solidFill>
+          <a:schemeClr val="phClr"/>
+        </a:solidFill>
+        <a:gradFill rotWithShape="1">
+          <a:gsLst>
+            <a:gs pos="0">
+              <a:schemeClr val="phClr">
+                <a:tint val="50000"/>
+                <a:satMod val="300000"/>
+              </a:schemeClr>
+            </a:gs>
+            <a:gs pos="35000">
+              <a:schemeClr val="phClr">
+                <a:tint val="37000"/>
+                <a:satMod val="300000"/>
+              </a:schemeClr>
+            </a:gs>
+            <a:gs pos="100000">
+              <a:schemeClr val="phClr">
+                <a:tint val="15000"/>
+                <a:satMod val="350000"/>
+              </a:schemeClr>
+            </a:gs>
+          </a:gsLst>
+          <a:lin ang="16200000" scaled="1"/>
+        </a:gradFill>
+        <a:gradFill rotWithShape="1">
+          <a:gsLst>
+            <a:gs pos="0">
+              <a:schemeClr val="phClr">
+                <a:tint val="100000"/>
+                <a:shade val="100000"/>
+                <a:satMod val="130000"/>
+              </a:schemeClr>
+            </a:gs>
+            <a:gs pos="100000">
+              <a:schemeClr val="phClr">
+                <a:tint val="50000"/>
+                <a:shade val="100000"/>
+                <a:satMod val="350000"/>
+              </a:schemeClr>
+            </a:gs>
+          </a:gsLst>
+          <a:lin ang="16200000" scaled="0"/>
+        </a:gradFill>
+      </a:fillStyleLst>
+      <a:lnStyleLst>
+        <a:ln w="9525" cap="flat" cmpd="sng" algn="ctr">
+          <a:solidFill>
+            <a:schemeClr val="phClr">
+              <a:shade val="95000"/>
+              <a:satMod val="105000"/>
+            </a:schemeClr>
+          </a:solidFill>
+          <a:prstDash val="solid"/>
+        </a:ln>
+        <a:ln w="25400" cap="flat" cmpd="sng" algn="ctr">
+          <a:solidFill>
+            <a:schemeClr val="phClr"/>
+          </a:solidFill>
+          <a:prstDash val="solid"/>
+        </a:ln>
+        <a:ln w="38100" cap="flat" cmpd="sng" algn="ctr">
+          <a:solidFill>
+            <a:schemeClr val="phClr"/>
+          </a:solidFill>
+          <a:prstDash val="solid"/>
+        </a:ln>
+      </a:lnStyleLst>
+      <a:effectStyleLst>
+        <a:effectStyle>
+          <a:effectLst>
+            <a:outerShdw blurRad="40000" dist="20000" dir="5400000" rotWithShape="0">
+              <a:srgbClr val="000000">
+                <a:alpha val="38000"/>
+              </a:srgbClr>
+            </a:outerShdw>
+          </a:effectLst>
+        </a:effectStyle>
+        <a:effectStyle>
+          <a:effectLst>
+            <a:outerShdw blurRad="40000" dist="23000" dir="5400000" rotWithShape="0">
+              <a:srgbClr val="000000">
+                <a:alpha val="35000"/>
+              </a:srgbClr>
+            </a:outerShdw>
+          </a:effectLst>
+        </a:effectStyle>
+        <a:effectStyle>
+          <a:effectLst>
+            <a:outerShdw blurRad="40000" dist="23000" dir="5400000" rotWithShape="0">
+              <a:srgbClr val="000000">
+                <a:alpha val="35000"/>
+              </a:srgbClr>
+            </a:outerShdw>
+          </a:effectLst>
+          <a:scene3d>
+            <a:camera prst="orthographicFront">
+              <a:rot lat="0" lon="0" rev="0"/>
+            </a:camera>
+            <a:lightRig rig="threePt" dir="t">
+              <a:rot lat="0" lon="0" rev="1200000"/>
+            </a:lightRig>
+          </a:scene3d>
+          <a:sp3d>
+            <a:bevelT w="63500" h="25400"/>
+          </a:sp3d>
+        </a:effectStyle>
+      </a:effectStyleLst>
+      <a:bgFillStyleLst>
+        <a:solidFill>
+          <a:schemeClr val="phClr"/>
+        </a:solidFill>
+        <a:gradFill rotWithShape="1">
+          <a:gsLst>
+            <a:gs pos="0">
+              <a:schemeClr val="phClr">
+                <a:tint val="40000"/>
+                <a:satMod val="350000"/>
+              </a:schemeClr>
+            </a:gs>
+            <a:gs pos="40000">
+              <a:schemeClr val="phClr">
+                <a:tint val="45000"/>
+                <a:shade val="99000"/>
+                <a:satMod val="350000"/>
+              </a:schemeClr>
+            </a:gs>
+            <a:gs pos="100000">
+              <a:schemeClr val="phClr">
+                <a:shade val="20000"/>
+                <a:satMod val="255000"/>
+              </a:schemeClr>
+            </a:gs>
+          </a:gsLst>
+          <a:path path="circle">
+            <a:fillToRect l="50000" t="-80000" r="50000" b="180000"/>
+          </a:path>
+        </a:gradFill>
+        <a:gradFill rotWithShape="1">
+          <a:gsLst>
+            <a:gs pos="0">
+              <a:schemeClr val="phClr">
+                <a:tint val="80000"/>
+                <a:satMod val="300000"/>
+              </a:schemeClr>
+            </a:gs>
+            <a:gs pos="100000">
+              <a:schemeClr val="phClr">
+                <a:shade val="30000"/>
+                <a:satMod val="200000"/>
+              </a:schemeClr>
+            </a:gs>
+          </a:gsLst>
+          <a:path path="circle">
+            <a:fillToRect l="50000" t="50000" r="50000" b="50000"/>
+          </a:path>
+        </a:gradFill>
+      </a:bgFillStyleLst>
+    </a:fmtScheme>
+  </a:themeElements>
+  <a:objectDefaults/>
+  <a:extraClrSchemeLst/>
+</a:theme>
+</file>
+
+<file path=ppt/theme/theme2.xml><?xml version="1.0" encoding="utf-8"?>
+<a:theme xmlns:a="http://schemas.openxmlformats.org/drawingml/2006/main">
   <a:themeElements>
     <a:clrScheme name="Default">
       <a:dk1>
@@ -6128,284 +8211,7 @@
       </a:bgFillStyleLst>
     </a:fmtScheme>
   </a:themeElements>
-</a:theme>
-</file>
-
-<file path=ppt/theme/theme2.xml><?xml version="1.0" encoding="utf-8"?>
-<a:theme xmlns:a="http://schemas.openxmlformats.org/drawingml/2006/main" xmlns:r="http://schemas.openxmlformats.org/officeDocument/2006/relationships" name="Simple Light">
-  <a:themeElements>
-    <a:clrScheme name="Simple Light">
-      <a:dk1>
-        <a:srgbClr val="000000"/>
-      </a:dk1>
-      <a:lt1>
-        <a:srgbClr val="FFFFFF"/>
-      </a:lt1>
-      <a:dk2>
-        <a:srgbClr val="595959"/>
-      </a:dk2>
-      <a:lt2>
-        <a:srgbClr val="EEEEEE"/>
-      </a:lt2>
-      <a:accent1>
-        <a:srgbClr val="4285F4"/>
-      </a:accent1>
-      <a:accent2>
-        <a:srgbClr val="212121"/>
-      </a:accent2>
-      <a:accent3>
-        <a:srgbClr val="78909C"/>
-      </a:accent3>
-      <a:accent4>
-        <a:srgbClr val="FFAB40"/>
-      </a:accent4>
-      <a:accent5>
-        <a:srgbClr val="0097A7"/>
-      </a:accent5>
-      <a:accent6>
-        <a:srgbClr val="EEFF41"/>
-      </a:accent6>
-      <a:hlink>
-        <a:srgbClr val="0097A7"/>
-      </a:hlink>
-      <a:folHlink>
-        <a:srgbClr val="0097A7"/>
-      </a:folHlink>
-    </a:clrScheme>
-    <a:fontScheme name="Office">
-      <a:majorFont>
-        <a:latin typeface="Arial"/>
-        <a:ea typeface=""/>
-        <a:cs typeface=""/>
-        <a:font script="Jpan" typeface="ＭＳ Ｐゴシック"/>
-        <a:font script="Hang" typeface="맑은 고딕"/>
-        <a:font script="Hans" typeface="宋体"/>
-        <a:font script="Hant" typeface="新細明體"/>
-        <a:font script="Arab" typeface="Times New Roman"/>
-        <a:font script="Hebr" typeface="Times New Roman"/>
-        <a:font script="Thai" typeface="Angsana New"/>
-        <a:font script="Ethi" typeface="Nyala"/>
-        <a:font script="Beng" typeface="Vrinda"/>
-        <a:font script="Gujr" typeface="Shruti"/>
-        <a:font script="Khmr" typeface="MoolBoran"/>
-        <a:font script="Knda" typeface="Tunga"/>
-        <a:font script="Guru" typeface="Raavi"/>
-        <a:font script="Cans" typeface="Euphemia"/>
-        <a:font script="Cher" typeface="Plantagenet Cherokee"/>
-        <a:font script="Yiii" typeface="Microsoft Yi Baiti"/>
-        <a:font script="Tibt" typeface="Microsoft Himalaya"/>
-        <a:font script="Thaa" typeface="MV Boli"/>
-        <a:font script="Deva" typeface="Mangal"/>
-        <a:font script="Telu" typeface="Gautami"/>
-        <a:font script="Taml" typeface="Latha"/>
-        <a:font script="Syrc" typeface="Estrangelo Edessa"/>
-        <a:font script="Orya" typeface="Kalinga"/>
-        <a:font script="Mlym" typeface="Kartika"/>
-        <a:font script="Laoo" typeface="DokChampa"/>
-        <a:font script="Sinh" typeface="Iskoola Pota"/>
-        <a:font script="Mong" typeface="Mongolian Baiti"/>
-        <a:font script="Viet" typeface="Times New Roman"/>
-        <a:font script="Uigh" typeface="Microsoft Uighur"/>
-        <a:font script="Geor" typeface="Sylfaen"/>
-      </a:majorFont>
-      <a:minorFont>
-        <a:latin typeface="Arial"/>
-        <a:ea typeface=""/>
-        <a:cs typeface=""/>
-        <a:font script="Jpan" typeface="ＭＳ Ｐゴシック"/>
-        <a:font script="Hang" typeface="맑은 고딕"/>
-        <a:font script="Hans" typeface="宋体"/>
-        <a:font script="Hant" typeface="新細明體"/>
-        <a:font script="Arab" typeface="Arial"/>
-        <a:font script="Hebr" typeface="Arial"/>
-        <a:font script="Thai" typeface="Cordia New"/>
-        <a:font script="Ethi" typeface="Nyala"/>
-        <a:font script="Beng" typeface="Vrinda"/>
-        <a:font script="Gujr" typeface="Shruti"/>
-        <a:font script="Khmr" typeface="DaunPenh"/>
-        <a:font script="Knda" typeface="Tunga"/>
-        <a:font script="Guru" typeface="Raavi"/>
-        <a:font script="Cans" typeface="Euphemia"/>
-        <a:font script="Cher" typeface="Plantagenet Cherokee"/>
-        <a:font script="Yiii" typeface="Microsoft Yi Baiti"/>
-        <a:font script="Tibt" typeface="Microsoft Himalaya"/>
-        <a:font script="Thaa" typeface="MV Boli"/>
-        <a:font script="Deva" typeface="Mangal"/>
-        <a:font script="Telu" typeface="Gautami"/>
-        <a:font script="Taml" typeface="Latha"/>
-        <a:font script="Syrc" typeface="Estrangelo Edessa"/>
-        <a:font script="Orya" typeface="Kalinga"/>
-        <a:font script="Mlym" typeface="Kartika"/>
-        <a:font script="Laoo" typeface="DokChampa"/>
-        <a:font script="Sinh" typeface="Iskoola Pota"/>
-        <a:font script="Mong" typeface="Mongolian Baiti"/>
-        <a:font script="Viet" typeface="Arial"/>
-        <a:font script="Uigh" typeface="Microsoft Uighur"/>
-        <a:font script="Geor" typeface="Sylfaen"/>
-      </a:minorFont>
-    </a:fontScheme>
-    <a:fmtScheme name="Office">
-      <a:fillStyleLst>
-        <a:solidFill>
-          <a:schemeClr val="phClr"/>
-        </a:solidFill>
-        <a:gradFill rotWithShape="1">
-          <a:gsLst>
-            <a:gs pos="0">
-              <a:schemeClr val="phClr">
-                <a:tint val="50000"/>
-                <a:satMod val="300000"/>
-              </a:schemeClr>
-            </a:gs>
-            <a:gs pos="35000">
-              <a:schemeClr val="phClr">
-                <a:tint val="37000"/>
-                <a:satMod val="300000"/>
-              </a:schemeClr>
-            </a:gs>
-            <a:gs pos="100000">
-              <a:schemeClr val="phClr">
-                <a:tint val="15000"/>
-                <a:satMod val="350000"/>
-              </a:schemeClr>
-            </a:gs>
-          </a:gsLst>
-          <a:lin ang="16200000" scaled="1"/>
-        </a:gradFill>
-        <a:gradFill rotWithShape="1">
-          <a:gsLst>
-            <a:gs pos="0">
-              <a:schemeClr val="phClr">
-                <a:tint val="100000"/>
-                <a:shade val="100000"/>
-                <a:satMod val="130000"/>
-              </a:schemeClr>
-            </a:gs>
-            <a:gs pos="100000">
-              <a:schemeClr val="phClr">
-                <a:tint val="50000"/>
-                <a:shade val="100000"/>
-                <a:satMod val="350000"/>
-              </a:schemeClr>
-            </a:gs>
-          </a:gsLst>
-          <a:lin ang="16200000" scaled="0"/>
-        </a:gradFill>
-      </a:fillStyleLst>
-      <a:lnStyleLst>
-        <a:ln w="9525" cap="flat" cmpd="sng" algn="ctr">
-          <a:solidFill>
-            <a:schemeClr val="phClr">
-              <a:shade val="95000"/>
-              <a:satMod val="105000"/>
-            </a:schemeClr>
-          </a:solidFill>
-          <a:prstDash val="solid"/>
-        </a:ln>
-        <a:ln w="25400" cap="flat" cmpd="sng" algn="ctr">
-          <a:solidFill>
-            <a:schemeClr val="phClr"/>
-          </a:solidFill>
-          <a:prstDash val="solid"/>
-        </a:ln>
-        <a:ln w="38100" cap="flat" cmpd="sng" algn="ctr">
-          <a:solidFill>
-            <a:schemeClr val="phClr"/>
-          </a:solidFill>
-          <a:prstDash val="solid"/>
-        </a:ln>
-      </a:lnStyleLst>
-      <a:effectStyleLst>
-        <a:effectStyle>
-          <a:effectLst>
-            <a:outerShdw blurRad="40000" dist="20000" dir="5400000" rotWithShape="0">
-              <a:srgbClr val="000000">
-                <a:alpha val="38000"/>
-              </a:srgbClr>
-            </a:outerShdw>
-          </a:effectLst>
-        </a:effectStyle>
-        <a:effectStyle>
-          <a:effectLst>
-            <a:outerShdw blurRad="40000" dist="23000" dir="5400000" rotWithShape="0">
-              <a:srgbClr val="000000">
-                <a:alpha val="35000"/>
-              </a:srgbClr>
-            </a:outerShdw>
-          </a:effectLst>
-        </a:effectStyle>
-        <a:effectStyle>
-          <a:effectLst>
-            <a:outerShdw blurRad="40000" dist="23000" dir="5400000" rotWithShape="0">
-              <a:srgbClr val="000000">
-                <a:alpha val="35000"/>
-              </a:srgbClr>
-            </a:outerShdw>
-          </a:effectLst>
-          <a:scene3d>
-            <a:camera prst="orthographicFront">
-              <a:rot lat="0" lon="0" rev="0"/>
-            </a:camera>
-            <a:lightRig rig="threePt" dir="t">
-              <a:rot lat="0" lon="0" rev="1200000"/>
-            </a:lightRig>
-          </a:scene3d>
-          <a:sp3d>
-            <a:bevelT w="63500" h="25400"/>
-          </a:sp3d>
-        </a:effectStyle>
-      </a:effectStyleLst>
-      <a:bgFillStyleLst>
-        <a:solidFill>
-          <a:schemeClr val="phClr"/>
-        </a:solidFill>
-        <a:gradFill rotWithShape="1">
-          <a:gsLst>
-            <a:gs pos="0">
-              <a:schemeClr val="phClr">
-                <a:tint val="40000"/>
-                <a:satMod val="350000"/>
-              </a:schemeClr>
-            </a:gs>
-            <a:gs pos="40000">
-              <a:schemeClr val="phClr">
-                <a:tint val="45000"/>
-                <a:shade val="99000"/>
-                <a:satMod val="350000"/>
-              </a:schemeClr>
-            </a:gs>
-            <a:gs pos="100000">
-              <a:schemeClr val="phClr">
-                <a:shade val="20000"/>
-                <a:satMod val="255000"/>
-              </a:schemeClr>
-            </a:gs>
-          </a:gsLst>
-          <a:path path="circle">
-            <a:fillToRect l="50000" t="-80000" r="50000" b="180000"/>
-          </a:path>
-        </a:gradFill>
-        <a:gradFill rotWithShape="1">
-          <a:gsLst>
-            <a:gs pos="0">
-              <a:schemeClr val="phClr">
-                <a:tint val="80000"/>
-                <a:satMod val="300000"/>
-              </a:schemeClr>
-            </a:gs>
-            <a:gs pos="100000">
-              <a:schemeClr val="phClr">
-                <a:shade val="30000"/>
-                <a:satMod val="200000"/>
-              </a:schemeClr>
-            </a:gs>
-          </a:gsLst>
-          <a:path path="circle">
-            <a:fillToRect l="50000" t="50000" r="50000" b="50000"/>
-          </a:path>
-        </a:gradFill>
-      </a:bgFillStyleLst>
-    </a:fmtScheme>
-  </a:themeElements>
+  <a:objectDefaults/>
+  <a:extraClrSchemeLst/>
 </a:theme>
 </file>
--- a/Task 2/Muhammad Cikal Merdeka_Task_2_Analyzing eCommerce Business Performance with SQL.pptx
+++ b/Task 2/Muhammad Cikal Merdeka_Task_2_Analyzing eCommerce Business Performance with SQL.pptx
@@ -5884,10 +5884,11 @@
               </a:spcAft>
               <a:buNone/>
             </a:pPr>
-            <a:endParaRPr sz="1100" dirty="0">
+            <a:endParaRPr lang="en-US" sz="1100" dirty="0">
               <a:solidFill>
                 <a:schemeClr val="dk1"/>
               </a:solidFill>
+              <a:latin typeface="Dosis" pitchFamily="2" charset="0"/>
             </a:endParaRPr>
           </a:p>
           <a:p>
@@ -5908,6 +5909,7 @@
                 <a:solidFill>
                   <a:schemeClr val="dk1"/>
                 </a:solidFill>
+                <a:latin typeface="Dosis" pitchFamily="2" charset="0"/>
               </a:rPr>
               <a:t>The full query can be found </a:t>
             </a:r>
@@ -5916,6 +5918,7 @@
                 <a:solidFill>
                   <a:schemeClr val="dk1"/>
                 </a:solidFill>
+                <a:latin typeface="Dosis" pitchFamily="2" charset="0"/>
                 <a:hlinkClick r:id="rId3"/>
               </a:rPr>
               <a:t>here</a:t>
@@ -5924,6 +5927,7 @@
               <a:solidFill>
                 <a:schemeClr val="dk1"/>
               </a:solidFill>
+              <a:latin typeface="Dosis" pitchFamily="2" charset="0"/>
             </a:endParaRPr>
           </a:p>
         </p:txBody>
@@ -5967,10 +5971,11 @@
               <a:buNone/>
             </a:pPr>
             <a:r>
-              <a:rPr lang="en-US" sz="1300" b="1" dirty="0">
+              <a:rPr lang="en-US" sz="1200" b="1" dirty="0">
                 <a:solidFill>
                   <a:schemeClr val="dk1"/>
                 </a:solidFill>
+                <a:latin typeface="Dosis" pitchFamily="2" charset="0"/>
               </a:rPr>
               <a:t>Overview :</a:t>
             </a:r>
@@ -5989,10 +5994,11 @@
               <a:buSzPts val="1500"/>
               <a:buNone/>
             </a:pPr>
-            <a:endParaRPr lang="en-US" sz="1300" dirty="0">
+            <a:endParaRPr lang="en-US" sz="1200" b="1" dirty="0">
               <a:solidFill>
                 <a:schemeClr val="dk1"/>
               </a:solidFill>
+              <a:latin typeface="Dosis" pitchFamily="2" charset="0"/>
             </a:endParaRPr>
           </a:p>
           <a:p>
@@ -6010,10 +6016,20 @@
               <a:buNone/>
             </a:pPr>
             <a:r>
-              <a:rPr lang="en-US" sz="1300" dirty="0">
+              <a:rPr lang="en-US" sz="1200" dirty="0">
+                <a:solidFill>
+                  <a:schemeClr val="tx1"/>
+                </a:solidFill>
+                <a:latin typeface="Dosis" pitchFamily="2" charset="0"/>
+              </a:rPr>
+              <a:t>The increase in growth customers is a reflection of the effectiveness in sales. That's why customer growth is one of the main goals of an e-commerce company. It is not only essential to grow our customers but also to retain them. One of the metrics used to measure eCommerce business performance is customer activity that interacts on the eCommerce platform. </a:t>
+            </a:r>
+            <a:r>
+              <a:rPr lang="en-US" sz="1200" dirty="0">
                 <a:solidFill>
                   <a:schemeClr val="dk1"/>
                 </a:solidFill>
+                <a:latin typeface="Dosis" pitchFamily="2" charset="0"/>
               </a:rPr>
               <a:t>In this section, we will conduct an Annual Customer Activity Growth Analysis by analyzing the development of several business metrics per year such as monthly active users, total new customers, total customers who make repeat orders, and average order value. This will provide insight into whether the eCommerce business's performance in terms of customer activity has grown, remained stagnant, or even declined over the past year.</a:t>
             </a:r>
@@ -6032,10 +6048,11 @@
               <a:buSzPts val="1500"/>
               <a:buNone/>
             </a:pPr>
-            <a:endParaRPr lang="en" sz="1300" dirty="0">
+            <a:endParaRPr lang="en-US" sz="1200" dirty="0">
               <a:solidFill>
                 <a:schemeClr val="dk1"/>
               </a:solidFill>
+              <a:latin typeface="Dosis" pitchFamily="2" charset="0"/>
             </a:endParaRPr>
           </a:p>
           <a:p>
@@ -6053,32 +6070,27 @@
               <a:buNone/>
             </a:pPr>
             <a:r>
-              <a:rPr lang="en" sz="1300" dirty="0">
+              <a:rPr lang="en-US" sz="1200" dirty="0">
                 <a:solidFill>
                   <a:schemeClr val="dk1"/>
                 </a:solidFill>
+                <a:latin typeface="Dosis" pitchFamily="2" charset="0"/>
               </a:rPr>
-              <a:t>Here is the summary table of </a:t>
+              <a:t>Here is the summary table of monthly active users, total new customers, total customers who make repeat orders, and average order value performance :</a:t>
             </a:r>
-            <a:r>
-              <a:rPr lang="en-US" sz="1300" dirty="0">
+            <a:br>
+              <a:rPr lang="en-US" sz="1200" dirty="0">
                 <a:solidFill>
                   <a:schemeClr val="dk1"/>
                 </a:solidFill>
-              </a:rPr>
-              <a:t>monthly active users, total new customers, total customers who make repeat orders, and average order value performance :</a:t>
-            </a:r>
-            <a:br>
-              <a:rPr lang="en" sz="1500" dirty="0">
-                <a:solidFill>
-                  <a:schemeClr val="dk1"/>
-                </a:solidFill>
+                <a:latin typeface="Dosis" pitchFamily="2" charset="0"/>
               </a:rPr>
             </a:br>
-            <a:endParaRPr sz="1500" dirty="0">
+            <a:endParaRPr lang="en-US" sz="1200" dirty="0">
               <a:solidFill>
                 <a:schemeClr val="dk1"/>
               </a:solidFill>
+              <a:latin typeface="Dosis" pitchFamily="2" charset="0"/>
             </a:endParaRPr>
           </a:p>
         </p:txBody>
@@ -6105,7 +6117,7 @@
         </p:blipFill>
         <p:spPr>
           <a:xfrm>
-            <a:off x="503671" y="3247750"/>
+            <a:off x="503671" y="3382227"/>
             <a:ext cx="8136657" cy="1321200"/>
           </a:xfrm>
           <a:prstGeom prst="rect">
@@ -6205,7 +6217,7 @@
         </p:nvSpPr>
         <p:spPr>
           <a:xfrm>
-            <a:off x="311700" y="863950"/>
+            <a:off x="311700" y="658003"/>
             <a:ext cx="3470591" cy="3004828"/>
           </a:xfrm>
           <a:prstGeom prst="rect">
@@ -6481,6 +6493,7 @@
                 <a:solidFill>
                   <a:schemeClr val="dk1"/>
                 </a:solidFill>
+                <a:latin typeface="Dosis" pitchFamily="2" charset="0"/>
               </a:rPr>
               <a:t>1. Average monthly active user (MAU) per year</a:t>
             </a:r>
@@ -6494,10 +6507,30 @@
               <a:buFont typeface="Arial"/>
               <a:buNone/>
             </a:pPr>
+            <a:r>
+              <a:rPr lang="en-US" sz="1000" dirty="0">
+                <a:solidFill>
+                  <a:schemeClr val="tx1"/>
+                </a:solidFill>
+                <a:latin typeface="Dosis" pitchFamily="2" charset="0"/>
+              </a:rPr>
+              <a:t>Displays the average number of monthly active users (monthly active users) for each year</a:t>
+            </a:r>
+          </a:p>
+          <a:p>
+            <a:pPr marL="133350" indent="0">
+              <a:buClr>
+                <a:schemeClr val="dk1"/>
+              </a:buClr>
+              <a:buSzPts val="1500"/>
+              <a:buFont typeface="Arial"/>
+              <a:buNone/>
+            </a:pPr>
             <a:endParaRPr lang="en-US" sz="1000" dirty="0">
               <a:solidFill>
                 <a:schemeClr val="dk1"/>
               </a:solidFill>
+              <a:latin typeface="Dosis" pitchFamily="2" charset="0"/>
             </a:endParaRPr>
           </a:p>
           <a:p>
@@ -6513,6 +6546,7 @@
               <a:solidFill>
                 <a:schemeClr val="dk1"/>
               </a:solidFill>
+              <a:latin typeface="Dosis" pitchFamily="2" charset="0"/>
             </a:endParaRPr>
           </a:p>
           <a:p>
@@ -6528,6 +6562,7 @@
               <a:solidFill>
                 <a:schemeClr val="dk1"/>
               </a:solidFill>
+              <a:latin typeface="Dosis" pitchFamily="2" charset="0"/>
             </a:endParaRPr>
           </a:p>
           <a:p>
@@ -6543,6 +6578,7 @@
               <a:solidFill>
                 <a:schemeClr val="dk1"/>
               </a:solidFill>
+              <a:latin typeface="Dosis" pitchFamily="2" charset="0"/>
             </a:endParaRPr>
           </a:p>
           <a:p>
@@ -6558,6 +6594,7 @@
               <a:solidFill>
                 <a:schemeClr val="dk1"/>
               </a:solidFill>
+              <a:latin typeface="Dosis" pitchFamily="2" charset="0"/>
             </a:endParaRPr>
           </a:p>
           <a:p>
@@ -6566,13 +6603,13 @@
                 <a:schemeClr val="dk1"/>
               </a:buClr>
               <a:buSzPts val="1500"/>
-              <a:buFont typeface="Arial"/>
               <a:buNone/>
             </a:pPr>
-            <a:endParaRPr lang="en-US" sz="1000" dirty="0">
+            <a:endParaRPr lang="en-US" sz="1000" b="1" dirty="0">
               <a:solidFill>
                 <a:schemeClr val="dk1"/>
               </a:solidFill>
+              <a:latin typeface="Dosis" pitchFamily="2" charset="0"/>
             </a:endParaRPr>
           </a:p>
           <a:p>
@@ -6583,25 +6620,12 @@
               <a:buSzPts val="1500"/>
               <a:buNone/>
             </a:pPr>
-            <a:endParaRPr lang="en-US" sz="1000" b="1" dirty="0">
-              <a:solidFill>
-                <a:schemeClr val="dk1"/>
-              </a:solidFill>
-            </a:endParaRPr>
-          </a:p>
-          <a:p>
-            <a:pPr marL="133350" indent="0">
-              <a:buClr>
-                <a:schemeClr val="dk1"/>
-              </a:buClr>
-              <a:buSzPts val="1500"/>
-              <a:buNone/>
-            </a:pPr>
             <a:r>
               <a:rPr lang="en-US" sz="1000" b="1" dirty="0">
                 <a:solidFill>
                   <a:schemeClr val="dk1"/>
                 </a:solidFill>
+                <a:latin typeface="Dosis" pitchFamily="2" charset="0"/>
               </a:rPr>
               <a:t>2. Total new customers per year</a:t>
             </a:r>
@@ -6612,6 +6636,30 @@
                 <a:schemeClr val="dk1"/>
               </a:buClr>
               <a:buSzPts val="1500"/>
+              <a:buNone/>
+            </a:pPr>
+            <a:r>
+              <a:rPr lang="en-US" sz="1000" dirty="0">
+                <a:solidFill>
+                  <a:schemeClr val="tx1"/>
+                </a:solidFill>
+                <a:latin typeface="Dosis" pitchFamily="2" charset="0"/>
+              </a:rPr>
+              <a:t>Displays the number of new customers in each year </a:t>
+            </a:r>
+            <a:endParaRPr lang="en-US" sz="1000" b="1" dirty="0">
+              <a:solidFill>
+                <a:schemeClr val="tx1"/>
+              </a:solidFill>
+              <a:latin typeface="Dosis" pitchFamily="2" charset="0"/>
+            </a:endParaRPr>
+          </a:p>
+          <a:p>
+            <a:pPr marL="133350" indent="0">
+              <a:buClr>
+                <a:schemeClr val="dk1"/>
+              </a:buClr>
+              <a:buSzPts val="1500"/>
               <a:buFont typeface="Arial"/>
               <a:buNone/>
             </a:pPr>
@@ -6620,12 +6668,14 @@
                 <a:solidFill>
                   <a:schemeClr val="dk1"/>
                 </a:solidFill>
+                <a:latin typeface="Dosis" pitchFamily="2" charset="0"/>
               </a:rPr>
             </a:br>
             <a:endParaRPr lang="en-US" sz="1000" dirty="0">
               <a:solidFill>
                 <a:schemeClr val="dk1"/>
               </a:solidFill>
+              <a:latin typeface="Dosis" pitchFamily="2" charset="0"/>
             </a:endParaRPr>
           </a:p>
         </p:txBody>
@@ -6652,7 +6702,7 @@
         </p:blipFill>
         <p:spPr>
           <a:xfrm>
-            <a:off x="505103" y="1274722"/>
+            <a:off x="505103" y="1319034"/>
             <a:ext cx="2302948" cy="900442"/>
           </a:xfrm>
           <a:prstGeom prst="rect">
@@ -6682,7 +6732,7 @@
         </p:blipFill>
         <p:spPr>
           <a:xfrm>
-            <a:off x="505102" y="2716450"/>
+            <a:off x="505102" y="2738835"/>
             <a:ext cx="2279661" cy="972735"/>
           </a:xfrm>
           <a:prstGeom prst="rect">
@@ -6739,6 +6789,7 @@
                 <a:solidFill>
                   <a:schemeClr val="dk1"/>
                 </a:solidFill>
+                <a:latin typeface="Dosis" pitchFamily="2" charset="0"/>
               </a:rPr>
               <a:t>Insight :</a:t>
             </a:r>
@@ -6761,6 +6812,7 @@
               <a:solidFill>
                 <a:schemeClr val="dk1"/>
               </a:solidFill>
+              <a:latin typeface="Dosis" pitchFamily="2" charset="0"/>
             </a:endParaRPr>
           </a:p>
           <a:p>
@@ -6783,6 +6835,7 @@
                 <a:solidFill>
                   <a:schemeClr val="dk1"/>
                 </a:solidFill>
+                <a:latin typeface="Dosis" pitchFamily="2" charset="0"/>
               </a:rPr>
               <a:t>More active users suggest that the e-commerce platform is effectively engaging its audience, leading to higher user retention and loyalty. It indicates that the platform is providing valuable products or services that resonate with customers.</a:t>
             </a:r>
@@ -6805,6 +6858,7 @@
               <a:solidFill>
                 <a:schemeClr val="dk1"/>
               </a:solidFill>
+              <a:latin typeface="Dosis" pitchFamily="2" charset="0"/>
             </a:endParaRPr>
           </a:p>
           <a:p>
@@ -6827,6 +6881,7 @@
                 <a:solidFill>
                   <a:schemeClr val="dk1"/>
                 </a:solidFill>
+                <a:latin typeface="Dosis" pitchFamily="2" charset="0"/>
               </a:rPr>
               <a:t>A rise in the total number of new customers indicates that the e-commerce business is successfully acquiring new clients. This could be due to effective marketing strategies, improved product offerings, or enhanced user experience, all of which contribute to business growth.</a:t>
             </a:r>
@@ -6835,12 +6890,14 @@
                 <a:solidFill>
                   <a:schemeClr val="dk1"/>
                 </a:solidFill>
+                <a:latin typeface="Dosis" pitchFamily="2" charset="0"/>
               </a:rPr>
             </a:br>
             <a:endParaRPr sz="1000" dirty="0">
               <a:solidFill>
                 <a:schemeClr val="dk1"/>
               </a:solidFill>
+              <a:latin typeface="Dosis" pitchFamily="2" charset="0"/>
             </a:endParaRPr>
           </a:p>
         </p:txBody>
@@ -6867,7 +6924,7 @@
         </p:blipFill>
         <p:spPr>
           <a:xfrm>
-            <a:off x="3975693" y="786185"/>
+            <a:off x="4148875" y="709985"/>
             <a:ext cx="4330107" cy="3242289"/>
           </a:xfrm>
           <a:prstGeom prst="rect">
@@ -6972,7 +7029,7 @@
         </p:nvSpPr>
         <p:spPr>
           <a:xfrm>
-            <a:off x="311700" y="682787"/>
+            <a:off x="311700" y="586444"/>
             <a:ext cx="3803100" cy="3091523"/>
           </a:xfrm>
           <a:prstGeom prst="rect">
@@ -7246,8 +7303,9 @@
             <a:r>
               <a:rPr lang="en-US" sz="1000" b="1" dirty="0">
                 <a:solidFill>
-                  <a:schemeClr val="dk1"/>
+                  <a:schemeClr val="tx1"/>
                 </a:solidFill>
+                <a:latin typeface="Dosis" pitchFamily="2" charset="0"/>
               </a:rPr>
               <a:t>3. Total customers who make repeat orders per year</a:t>
             </a:r>
@@ -7261,10 +7319,30 @@
               <a:buFont typeface="Arial"/>
               <a:buNone/>
             </a:pPr>
+            <a:r>
+              <a:rPr lang="en-US" sz="1000" dirty="0">
+                <a:solidFill>
+                  <a:schemeClr val="tx1"/>
+                </a:solidFill>
+                <a:latin typeface="Dosis" pitchFamily="2" charset="0"/>
+              </a:rPr>
+              <a:t>Displays the number of customers who make purchases more than once (repeat orders) in each year</a:t>
+            </a:r>
+          </a:p>
+          <a:p>
+            <a:pPr marL="133350" indent="0">
+              <a:buClr>
+                <a:schemeClr val="dk1"/>
+              </a:buClr>
+              <a:buSzPts val="1500"/>
+              <a:buFont typeface="Arial"/>
+              <a:buNone/>
+            </a:pPr>
             <a:endParaRPr lang="en-US" sz="1000" dirty="0">
               <a:solidFill>
-                <a:schemeClr val="dk1"/>
+                <a:schemeClr val="tx1"/>
               </a:solidFill>
+              <a:latin typeface="Dosis" pitchFamily="2" charset="0"/>
             </a:endParaRPr>
           </a:p>
           <a:p>
@@ -7278,8 +7356,9 @@
             </a:pPr>
             <a:endParaRPr lang="en-US" sz="1000" dirty="0">
               <a:solidFill>
-                <a:schemeClr val="dk1"/>
+                <a:schemeClr val="tx1"/>
               </a:solidFill>
+              <a:latin typeface="Dosis" pitchFamily="2" charset="0"/>
             </a:endParaRPr>
           </a:p>
           <a:p>
@@ -7293,8 +7372,9 @@
             </a:pPr>
             <a:endParaRPr lang="en-US" sz="1000" dirty="0">
               <a:solidFill>
-                <a:schemeClr val="dk1"/>
+                <a:schemeClr val="tx1"/>
               </a:solidFill>
+              <a:latin typeface="Dosis" pitchFamily="2" charset="0"/>
             </a:endParaRPr>
           </a:p>
           <a:p>
@@ -7308,8 +7388,9 @@
             </a:pPr>
             <a:endParaRPr lang="en-US" sz="1000" dirty="0">
               <a:solidFill>
-                <a:schemeClr val="dk1"/>
+                <a:schemeClr val="tx1"/>
               </a:solidFill>
+              <a:latin typeface="Dosis" pitchFamily="2" charset="0"/>
             </a:endParaRPr>
           </a:p>
           <a:p>
@@ -7318,13 +7399,13 @@
                 <a:schemeClr val="dk1"/>
               </a:buClr>
               <a:buSzPts val="1500"/>
-              <a:buFont typeface="Arial"/>
               <a:buNone/>
             </a:pPr>
-            <a:endParaRPr lang="en-US" sz="1000" dirty="0">
+            <a:endParaRPr lang="en-US" sz="1000" b="1" dirty="0">
               <a:solidFill>
-                <a:schemeClr val="dk1"/>
+                <a:schemeClr val="tx1"/>
               </a:solidFill>
+              <a:latin typeface="Dosis" pitchFamily="2" charset="0"/>
             </a:endParaRPr>
           </a:p>
           <a:p>
@@ -7337,8 +7418,9 @@
             </a:pPr>
             <a:endParaRPr lang="en-US" sz="1000" b="1" dirty="0">
               <a:solidFill>
-                <a:schemeClr val="dk1"/>
+                <a:schemeClr val="tx1"/>
               </a:solidFill>
+              <a:latin typeface="Dosis" pitchFamily="2" charset="0"/>
             </a:endParaRPr>
           </a:p>
           <a:p>
@@ -7349,25 +7431,12 @@
               <a:buSzPts val="1500"/>
               <a:buNone/>
             </a:pPr>
-            <a:endParaRPr lang="en-US" sz="1000" b="1" dirty="0">
-              <a:solidFill>
-                <a:schemeClr val="dk1"/>
-              </a:solidFill>
-            </a:endParaRPr>
-          </a:p>
-          <a:p>
-            <a:pPr marL="133350" indent="0">
-              <a:buClr>
-                <a:schemeClr val="dk1"/>
-              </a:buClr>
-              <a:buSzPts val="1500"/>
-              <a:buNone/>
-            </a:pPr>
             <a:r>
               <a:rPr lang="en-US" sz="1000" b="1" dirty="0">
                 <a:solidFill>
-                  <a:schemeClr val="dk1"/>
+                  <a:schemeClr val="tx1"/>
                 </a:solidFill>
+                <a:latin typeface="Dosis" pitchFamily="2" charset="0"/>
               </a:rPr>
               <a:t>4. Average order value per year</a:t>
             </a:r>
@@ -7378,20 +7447,46 @@
                 <a:schemeClr val="dk1"/>
               </a:buClr>
               <a:buSzPts val="1500"/>
+              <a:buNone/>
+            </a:pPr>
+            <a:r>
+              <a:rPr lang="en-US" sz="1000" dirty="0">
+                <a:solidFill>
+                  <a:schemeClr val="tx1"/>
+                </a:solidFill>
+                <a:latin typeface="Dosis" pitchFamily="2" charset="0"/>
+              </a:rPr>
+              <a:t>Displays the average number of orders made by customers for each year </a:t>
+            </a:r>
+            <a:endParaRPr lang="en-US" sz="1000" b="1" dirty="0">
+              <a:solidFill>
+                <a:schemeClr val="tx1"/>
+              </a:solidFill>
+              <a:latin typeface="Dosis" pitchFamily="2" charset="0"/>
+            </a:endParaRPr>
+          </a:p>
+          <a:p>
+            <a:pPr marL="133350" indent="0">
+              <a:buClr>
+                <a:schemeClr val="dk1"/>
+              </a:buClr>
+              <a:buSzPts val="1500"/>
               <a:buFont typeface="Arial"/>
               <a:buNone/>
             </a:pPr>
             <a:br>
               <a:rPr lang="en-US" sz="1000" dirty="0">
                 <a:solidFill>
-                  <a:schemeClr val="dk1"/>
+                  <a:schemeClr val="tx1"/>
                 </a:solidFill>
+                <a:latin typeface="Dosis" pitchFamily="2" charset="0"/>
               </a:rPr>
             </a:br>
             <a:endParaRPr lang="en-US" sz="1000" dirty="0">
               <a:solidFill>
-                <a:schemeClr val="dk1"/>
+                <a:schemeClr val="tx1"/>
               </a:solidFill>
+              <a:latin typeface="Dosis" pitchFamily="2" charset="0"/>
             </a:endParaRPr>
           </a:p>
         </p:txBody>
@@ -7418,8 +7513,8 @@
         </p:blipFill>
         <p:spPr>
           <a:xfrm>
-            <a:off x="540328" y="1059087"/>
-            <a:ext cx="2349047" cy="967597"/>
+            <a:off x="540328" y="1285026"/>
+            <a:ext cx="2043545" cy="841758"/>
           </a:xfrm>
           <a:prstGeom prst="rect">
             <a:avLst/>
@@ -7448,8 +7543,8 @@
         </p:blipFill>
         <p:spPr>
           <a:xfrm>
-            <a:off x="540328" y="2484487"/>
-            <a:ext cx="1961174" cy="954553"/>
+            <a:off x="935183" y="2758448"/>
+            <a:ext cx="1572490" cy="765371"/>
           </a:xfrm>
           <a:prstGeom prst="rect">
             <a:avLst/>
@@ -7505,6 +7600,7 @@
                 <a:solidFill>
                   <a:schemeClr val="dk1"/>
                 </a:solidFill>
+                <a:latin typeface="Dosis" pitchFamily="2" charset="0"/>
               </a:rPr>
               <a:t>Insight :</a:t>
             </a:r>
@@ -7527,6 +7623,7 @@
               <a:solidFill>
                 <a:schemeClr val="dk1"/>
               </a:solidFill>
+              <a:latin typeface="Dosis" pitchFamily="2" charset="0"/>
             </a:endParaRPr>
           </a:p>
           <a:p>
@@ -7549,6 +7646,7 @@
                 <a:solidFill>
                   <a:schemeClr val="dk1"/>
                 </a:solidFill>
+                <a:latin typeface="Dosis" pitchFamily="2" charset="0"/>
               </a:rPr>
               <a:t>The significant increase in total repeat customers suggests that the e-commerce platform has been successful in retaining existing customers. This could be due to factors such as excellent customer service, product quality, or loyalty programs. The decline in the next year could indicate that these efforts to retain customers may not have been sustained or that competition has intensified.</a:t>
             </a:r>
@@ -7571,6 +7669,7 @@
               <a:solidFill>
                 <a:schemeClr val="dk1"/>
               </a:solidFill>
+              <a:latin typeface="Dosis" pitchFamily="2" charset="0"/>
             </a:endParaRPr>
           </a:p>
           <a:p>
@@ -7593,6 +7692,7 @@
                 <a:solidFill>
                   <a:schemeClr val="dk1"/>
                 </a:solidFill>
+                <a:latin typeface="Dosis" pitchFamily="2" charset="0"/>
               </a:rPr>
               <a:t>The stagnant average customer order per year may indicate market saturation or a plateau in consumer spending habits. Customers may be making repeat purchases but not increasing the frequency or value of their orders. This could be a sign that the e-commerce platform needs to explore new markets or diversify its product offerings to stimulate growth.</a:t>
             </a:r>
@@ -7601,12 +7701,14 @@
                 <a:solidFill>
                   <a:schemeClr val="dk1"/>
                 </a:solidFill>
+                <a:latin typeface="Dosis" pitchFamily="2" charset="0"/>
               </a:rPr>
             </a:br>
             <a:endParaRPr sz="1000" dirty="0">
               <a:solidFill>
                 <a:schemeClr val="dk1"/>
               </a:solidFill>
+              <a:latin typeface="Dosis" pitchFamily="2" charset="0"/>
             </a:endParaRPr>
           </a:p>
         </p:txBody>
